--- a/doc/演示PPT-v1.pptx
+++ b/doc/演示PPT-v1.pptx
@@ -5,7 +5,7 @@
     <p:sldMasterId id="2147483660" r:id="rId1"/>
   </p:sldMasterIdLst>
   <p:notesMasterIdLst>
-    <p:notesMasterId r:id="rId20"/>
+    <p:notesMasterId r:id="rId19"/>
   </p:notesMasterIdLst>
   <p:sldIdLst>
     <p:sldId id="256" r:id="rId2"/>
@@ -13,19 +13,18 @@
     <p:sldId id="270" r:id="rId4"/>
     <p:sldId id="265" r:id="rId5"/>
     <p:sldId id="266" r:id="rId6"/>
-    <p:sldId id="274" r:id="rId7"/>
+    <p:sldId id="281" r:id="rId7"/>
     <p:sldId id="267" r:id="rId8"/>
     <p:sldId id="271" r:id="rId9"/>
-    <p:sldId id="268" r:id="rId10"/>
-    <p:sldId id="273" r:id="rId11"/>
-    <p:sldId id="272" r:id="rId12"/>
+    <p:sldId id="273" r:id="rId10"/>
+    <p:sldId id="272" r:id="rId11"/>
+    <p:sldId id="288" r:id="rId12"/>
     <p:sldId id="275" r:id="rId13"/>
-    <p:sldId id="276" r:id="rId14"/>
-    <p:sldId id="277" r:id="rId15"/>
-    <p:sldId id="278" r:id="rId16"/>
-    <p:sldId id="279" r:id="rId17"/>
-    <p:sldId id="264" r:id="rId18"/>
-    <p:sldId id="280" r:id="rId19"/>
+    <p:sldId id="284" r:id="rId14"/>
+    <p:sldId id="285" r:id="rId15"/>
+    <p:sldId id="286" r:id="rId16"/>
+    <p:sldId id="287" r:id="rId17"/>
+    <p:sldId id="280" r:id="rId18"/>
   </p:sldIdLst>
   <p:sldSz cx="12192000" cy="6858000"/>
   <p:notesSz cx="6858000" cy="9144000"/>
@@ -132,6 +131,3815 @@
 </p:presentation>
 </file>
 
+<file path=ppt/diagrams/colors1.xml><?xml version="1.0" encoding="utf-8"?>
+<dgm:colorsDef xmlns:dgm="http://schemas.openxmlformats.org/drawingml/2006/diagram" xmlns:a="http://schemas.openxmlformats.org/drawingml/2006/main" uniqueId="urn:microsoft.com/office/officeart/2005/8/colors/accent1_2">
+  <dgm:title val=""/>
+  <dgm:desc val=""/>
+  <dgm:catLst>
+    <dgm:cat type="accent1" pri="11200"/>
+  </dgm:catLst>
+  <dgm:styleLbl name="node0">
+    <dgm:fillClrLst meth="repeat">
+      <a:schemeClr val="accent1"/>
+    </dgm:fillClrLst>
+    <dgm:linClrLst meth="repeat">
+      <a:schemeClr val="lt1"/>
+    </dgm:linClrLst>
+    <dgm:effectClrLst/>
+    <dgm:txLinClrLst/>
+    <dgm:txFillClrLst/>
+    <dgm:txEffectClrLst/>
+  </dgm:styleLbl>
+  <dgm:styleLbl name="alignNode1">
+    <dgm:fillClrLst meth="repeat">
+      <a:schemeClr val="accent1"/>
+    </dgm:fillClrLst>
+    <dgm:linClrLst meth="repeat">
+      <a:schemeClr val="accent1"/>
+    </dgm:linClrLst>
+    <dgm:effectClrLst/>
+    <dgm:txLinClrLst/>
+    <dgm:txFillClrLst/>
+    <dgm:txEffectClrLst/>
+  </dgm:styleLbl>
+  <dgm:styleLbl name="node1">
+    <dgm:fillClrLst meth="repeat">
+      <a:schemeClr val="accent1"/>
+    </dgm:fillClrLst>
+    <dgm:linClrLst meth="repeat">
+      <a:schemeClr val="lt1"/>
+    </dgm:linClrLst>
+    <dgm:effectClrLst/>
+    <dgm:txLinClrLst/>
+    <dgm:txFillClrLst/>
+    <dgm:txEffectClrLst/>
+  </dgm:styleLbl>
+  <dgm:styleLbl name="lnNode1">
+    <dgm:fillClrLst meth="repeat">
+      <a:schemeClr val="accent1"/>
+    </dgm:fillClrLst>
+    <dgm:linClrLst meth="repeat">
+      <a:schemeClr val="lt1"/>
+    </dgm:linClrLst>
+    <dgm:effectClrLst/>
+    <dgm:txLinClrLst/>
+    <dgm:txFillClrLst/>
+    <dgm:txEffectClrLst/>
+  </dgm:styleLbl>
+  <dgm:styleLbl name="vennNode1">
+    <dgm:fillClrLst meth="repeat">
+      <a:schemeClr val="accent1">
+        <a:alpha val="50000"/>
+      </a:schemeClr>
+    </dgm:fillClrLst>
+    <dgm:linClrLst meth="repeat">
+      <a:schemeClr val="lt1"/>
+    </dgm:linClrLst>
+    <dgm:effectClrLst/>
+    <dgm:txLinClrLst/>
+    <dgm:txFillClrLst/>
+    <dgm:txEffectClrLst/>
+  </dgm:styleLbl>
+  <dgm:styleLbl name="node2">
+    <dgm:fillClrLst meth="repeat">
+      <a:schemeClr val="accent1"/>
+    </dgm:fillClrLst>
+    <dgm:linClrLst meth="repeat">
+      <a:schemeClr val="lt1"/>
+    </dgm:linClrLst>
+    <dgm:effectClrLst/>
+    <dgm:txLinClrLst/>
+    <dgm:txFillClrLst/>
+    <dgm:txEffectClrLst/>
+  </dgm:styleLbl>
+  <dgm:styleLbl name="node3">
+    <dgm:fillClrLst meth="repeat">
+      <a:schemeClr val="accent1"/>
+    </dgm:fillClrLst>
+    <dgm:linClrLst meth="repeat">
+      <a:schemeClr val="lt1"/>
+    </dgm:linClrLst>
+    <dgm:effectClrLst/>
+    <dgm:txLinClrLst/>
+    <dgm:txFillClrLst/>
+    <dgm:txEffectClrLst/>
+  </dgm:styleLbl>
+  <dgm:styleLbl name="node4">
+    <dgm:fillClrLst meth="repeat">
+      <a:schemeClr val="accent1"/>
+    </dgm:fillClrLst>
+    <dgm:linClrLst meth="repeat">
+      <a:schemeClr val="lt1"/>
+    </dgm:linClrLst>
+    <dgm:effectClrLst/>
+    <dgm:txLinClrLst/>
+    <dgm:txFillClrLst/>
+    <dgm:txEffectClrLst/>
+  </dgm:styleLbl>
+  <dgm:styleLbl name="fgImgPlace1">
+    <dgm:fillClrLst meth="repeat">
+      <a:schemeClr val="accent1">
+        <a:tint val="50000"/>
+      </a:schemeClr>
+    </dgm:fillClrLst>
+    <dgm:linClrLst meth="repeat">
+      <a:schemeClr val="lt1"/>
+    </dgm:linClrLst>
+    <dgm:effectClrLst/>
+    <dgm:txLinClrLst/>
+    <dgm:txFillClrLst meth="repeat">
+      <a:schemeClr val="lt1"/>
+    </dgm:txFillClrLst>
+    <dgm:txEffectClrLst/>
+  </dgm:styleLbl>
+  <dgm:styleLbl name="alignImgPlace1">
+    <dgm:fillClrLst meth="repeat">
+      <a:schemeClr val="accent1">
+        <a:tint val="50000"/>
+      </a:schemeClr>
+    </dgm:fillClrLst>
+    <dgm:linClrLst meth="repeat">
+      <a:schemeClr val="lt1"/>
+    </dgm:linClrLst>
+    <dgm:effectClrLst/>
+    <dgm:txLinClrLst/>
+    <dgm:txFillClrLst meth="repeat">
+      <a:schemeClr val="lt1"/>
+    </dgm:txFillClrLst>
+    <dgm:txEffectClrLst/>
+  </dgm:styleLbl>
+  <dgm:styleLbl name="bgImgPlace1">
+    <dgm:fillClrLst meth="repeat">
+      <a:schemeClr val="accent1">
+        <a:tint val="50000"/>
+      </a:schemeClr>
+    </dgm:fillClrLst>
+    <dgm:linClrLst meth="repeat">
+      <a:schemeClr val="lt1"/>
+    </dgm:linClrLst>
+    <dgm:effectClrLst/>
+    <dgm:txLinClrLst/>
+    <dgm:txFillClrLst meth="repeat">
+      <a:schemeClr val="lt1"/>
+    </dgm:txFillClrLst>
+    <dgm:txEffectClrLst/>
+  </dgm:styleLbl>
+  <dgm:styleLbl name="sibTrans2D1">
+    <dgm:fillClrLst meth="repeat">
+      <a:schemeClr val="accent1">
+        <a:tint val="60000"/>
+      </a:schemeClr>
+    </dgm:fillClrLst>
+    <dgm:linClrLst meth="repeat">
+      <a:schemeClr val="accent1">
+        <a:tint val="60000"/>
+      </a:schemeClr>
+    </dgm:linClrLst>
+    <dgm:effectClrLst/>
+    <dgm:txLinClrLst/>
+    <dgm:txFillClrLst/>
+    <dgm:txEffectClrLst/>
+  </dgm:styleLbl>
+  <dgm:styleLbl name="fgSibTrans2D1">
+    <dgm:fillClrLst meth="repeat">
+      <a:schemeClr val="accent1">
+        <a:tint val="60000"/>
+      </a:schemeClr>
+    </dgm:fillClrLst>
+    <dgm:linClrLst meth="repeat">
+      <a:schemeClr val="accent1">
+        <a:tint val="60000"/>
+      </a:schemeClr>
+    </dgm:linClrLst>
+    <dgm:effectClrLst/>
+    <dgm:txLinClrLst/>
+    <dgm:txFillClrLst/>
+    <dgm:txEffectClrLst/>
+  </dgm:styleLbl>
+  <dgm:styleLbl name="bgSibTrans2D1">
+    <dgm:fillClrLst meth="repeat">
+      <a:schemeClr val="accent1">
+        <a:tint val="60000"/>
+      </a:schemeClr>
+    </dgm:fillClrLst>
+    <dgm:linClrLst meth="repeat">
+      <a:schemeClr val="accent1">
+        <a:tint val="60000"/>
+      </a:schemeClr>
+    </dgm:linClrLst>
+    <dgm:effectClrLst/>
+    <dgm:txLinClrLst/>
+    <dgm:txFillClrLst/>
+    <dgm:txEffectClrLst/>
+  </dgm:styleLbl>
+  <dgm:styleLbl name="sibTrans1D1">
+    <dgm:fillClrLst meth="repeat">
+      <a:schemeClr val="accent1"/>
+    </dgm:fillClrLst>
+    <dgm:linClrLst meth="repeat">
+      <a:schemeClr val="accent1"/>
+    </dgm:linClrLst>
+    <dgm:effectClrLst/>
+    <dgm:txLinClrLst/>
+    <dgm:txFillClrLst meth="repeat">
+      <a:schemeClr val="tx1"/>
+    </dgm:txFillClrLst>
+    <dgm:txEffectClrLst/>
+  </dgm:styleLbl>
+  <dgm:styleLbl name="callout">
+    <dgm:fillClrLst meth="repeat">
+      <a:schemeClr val="accent1"/>
+    </dgm:fillClrLst>
+    <dgm:linClrLst meth="repeat">
+      <a:schemeClr val="accent1">
+        <a:tint val="50000"/>
+      </a:schemeClr>
+    </dgm:linClrLst>
+    <dgm:effectClrLst/>
+    <dgm:txLinClrLst/>
+    <dgm:txFillClrLst meth="repeat">
+      <a:schemeClr val="tx1"/>
+    </dgm:txFillClrLst>
+    <dgm:txEffectClrLst/>
+  </dgm:styleLbl>
+  <dgm:styleLbl name="asst0">
+    <dgm:fillClrLst meth="repeat">
+      <a:schemeClr val="accent1"/>
+    </dgm:fillClrLst>
+    <dgm:linClrLst meth="repeat">
+      <a:schemeClr val="lt1"/>
+    </dgm:linClrLst>
+    <dgm:effectClrLst/>
+    <dgm:txLinClrLst/>
+    <dgm:txFillClrLst/>
+    <dgm:txEffectClrLst/>
+  </dgm:styleLbl>
+  <dgm:styleLbl name="asst1">
+    <dgm:fillClrLst meth="repeat">
+      <a:schemeClr val="accent1"/>
+    </dgm:fillClrLst>
+    <dgm:linClrLst meth="repeat">
+      <a:schemeClr val="lt1"/>
+    </dgm:linClrLst>
+    <dgm:effectClrLst/>
+    <dgm:txLinClrLst/>
+    <dgm:txFillClrLst/>
+    <dgm:txEffectClrLst/>
+  </dgm:styleLbl>
+  <dgm:styleLbl name="asst2">
+    <dgm:fillClrLst meth="repeat">
+      <a:schemeClr val="accent1"/>
+    </dgm:fillClrLst>
+    <dgm:linClrLst meth="repeat">
+      <a:schemeClr val="lt1"/>
+    </dgm:linClrLst>
+    <dgm:effectClrLst/>
+    <dgm:txLinClrLst/>
+    <dgm:txFillClrLst/>
+    <dgm:txEffectClrLst/>
+  </dgm:styleLbl>
+  <dgm:styleLbl name="asst3">
+    <dgm:fillClrLst meth="repeat">
+      <a:schemeClr val="accent1"/>
+    </dgm:fillClrLst>
+    <dgm:linClrLst meth="repeat">
+      <a:schemeClr val="lt1"/>
+    </dgm:linClrLst>
+    <dgm:effectClrLst/>
+    <dgm:txLinClrLst/>
+    <dgm:txFillClrLst/>
+    <dgm:txEffectClrLst/>
+  </dgm:styleLbl>
+  <dgm:styleLbl name="asst4">
+    <dgm:fillClrLst meth="repeat">
+      <a:schemeClr val="accent1"/>
+    </dgm:fillClrLst>
+    <dgm:linClrLst meth="repeat">
+      <a:schemeClr val="lt1"/>
+    </dgm:linClrLst>
+    <dgm:effectClrLst/>
+    <dgm:txLinClrLst/>
+    <dgm:txFillClrLst/>
+    <dgm:txEffectClrLst/>
+  </dgm:styleLbl>
+  <dgm:styleLbl name="parChTrans2D1">
+    <dgm:fillClrLst meth="repeat">
+      <a:schemeClr val="accent1">
+        <a:tint val="60000"/>
+      </a:schemeClr>
+    </dgm:fillClrLst>
+    <dgm:linClrLst meth="repeat">
+      <a:schemeClr val="accent1">
+        <a:tint val="60000"/>
+      </a:schemeClr>
+    </dgm:linClrLst>
+    <dgm:effectClrLst/>
+    <dgm:txLinClrLst/>
+    <dgm:txFillClrLst meth="repeat">
+      <a:schemeClr val="lt1"/>
+    </dgm:txFillClrLst>
+    <dgm:txEffectClrLst/>
+  </dgm:styleLbl>
+  <dgm:styleLbl name="parChTrans2D2">
+    <dgm:fillClrLst meth="repeat">
+      <a:schemeClr val="accent1"/>
+    </dgm:fillClrLst>
+    <dgm:linClrLst meth="repeat">
+      <a:schemeClr val="accent1"/>
+    </dgm:linClrLst>
+    <dgm:effectClrLst/>
+    <dgm:txLinClrLst/>
+    <dgm:txFillClrLst meth="repeat">
+      <a:schemeClr val="lt1"/>
+    </dgm:txFillClrLst>
+    <dgm:txEffectClrLst/>
+  </dgm:styleLbl>
+  <dgm:styleLbl name="parChTrans2D3">
+    <dgm:fillClrLst meth="repeat">
+      <a:schemeClr val="accent1"/>
+    </dgm:fillClrLst>
+    <dgm:linClrLst meth="repeat">
+      <a:schemeClr val="accent1"/>
+    </dgm:linClrLst>
+    <dgm:effectClrLst/>
+    <dgm:txLinClrLst/>
+    <dgm:txFillClrLst meth="repeat">
+      <a:schemeClr val="lt1"/>
+    </dgm:txFillClrLst>
+    <dgm:txEffectClrLst/>
+  </dgm:styleLbl>
+  <dgm:styleLbl name="parChTrans2D4">
+    <dgm:fillClrLst meth="repeat">
+      <a:schemeClr val="accent1"/>
+    </dgm:fillClrLst>
+    <dgm:linClrLst meth="repeat">
+      <a:schemeClr val="accent1"/>
+    </dgm:linClrLst>
+    <dgm:effectClrLst/>
+    <dgm:txLinClrLst/>
+    <dgm:txFillClrLst meth="repeat">
+      <a:schemeClr val="lt1"/>
+    </dgm:txFillClrLst>
+    <dgm:txEffectClrLst/>
+  </dgm:styleLbl>
+  <dgm:styleLbl name="parChTrans1D1">
+    <dgm:fillClrLst meth="repeat">
+      <a:schemeClr val="accent1"/>
+    </dgm:fillClrLst>
+    <dgm:linClrLst meth="repeat">
+      <a:schemeClr val="accent1">
+        <a:shade val="60000"/>
+      </a:schemeClr>
+    </dgm:linClrLst>
+    <dgm:effectClrLst/>
+    <dgm:txLinClrLst/>
+    <dgm:txFillClrLst meth="repeat">
+      <a:schemeClr val="tx1"/>
+    </dgm:txFillClrLst>
+    <dgm:txEffectClrLst/>
+  </dgm:styleLbl>
+  <dgm:styleLbl name="parChTrans1D2">
+    <dgm:fillClrLst meth="repeat">
+      <a:schemeClr val="accent1"/>
+    </dgm:fillClrLst>
+    <dgm:linClrLst meth="repeat">
+      <a:schemeClr val="accent1">
+        <a:shade val="60000"/>
+      </a:schemeClr>
+    </dgm:linClrLst>
+    <dgm:effectClrLst/>
+    <dgm:txLinClrLst/>
+    <dgm:txFillClrLst meth="repeat">
+      <a:schemeClr val="tx1"/>
+    </dgm:txFillClrLst>
+    <dgm:txEffectClrLst/>
+  </dgm:styleLbl>
+  <dgm:styleLbl name="parChTrans1D3">
+    <dgm:fillClrLst meth="repeat">
+      <a:schemeClr val="accent1"/>
+    </dgm:fillClrLst>
+    <dgm:linClrLst meth="repeat">
+      <a:schemeClr val="accent1">
+        <a:shade val="80000"/>
+      </a:schemeClr>
+    </dgm:linClrLst>
+    <dgm:effectClrLst/>
+    <dgm:txLinClrLst/>
+    <dgm:txFillClrLst meth="repeat">
+      <a:schemeClr val="tx1"/>
+    </dgm:txFillClrLst>
+    <dgm:txEffectClrLst/>
+  </dgm:styleLbl>
+  <dgm:styleLbl name="parChTrans1D4">
+    <dgm:fillClrLst meth="repeat">
+      <a:schemeClr val="accent1"/>
+    </dgm:fillClrLst>
+    <dgm:linClrLst meth="repeat">
+      <a:schemeClr val="accent1">
+        <a:shade val="80000"/>
+      </a:schemeClr>
+    </dgm:linClrLst>
+    <dgm:effectClrLst/>
+    <dgm:txLinClrLst/>
+    <dgm:txFillClrLst meth="repeat">
+      <a:schemeClr val="tx1"/>
+    </dgm:txFillClrLst>
+    <dgm:txEffectClrLst/>
+  </dgm:styleLbl>
+  <dgm:styleLbl name="fgAcc1">
+    <dgm:fillClrLst meth="repeat">
+      <a:schemeClr val="lt1">
+        <a:alpha val="90000"/>
+      </a:schemeClr>
+    </dgm:fillClrLst>
+    <dgm:linClrLst meth="repeat">
+      <a:schemeClr val="accent1"/>
+    </dgm:linClrLst>
+    <dgm:effectClrLst/>
+    <dgm:txLinClrLst/>
+    <dgm:txFillClrLst meth="repeat">
+      <a:schemeClr val="dk1"/>
+    </dgm:txFillClrLst>
+    <dgm:txEffectClrLst/>
+  </dgm:styleLbl>
+  <dgm:styleLbl name="conFgAcc1">
+    <dgm:fillClrLst meth="repeat">
+      <a:schemeClr val="lt1">
+        <a:alpha val="90000"/>
+      </a:schemeClr>
+    </dgm:fillClrLst>
+    <dgm:linClrLst meth="repeat">
+      <a:schemeClr val="accent1"/>
+    </dgm:linClrLst>
+    <dgm:effectClrLst/>
+    <dgm:txLinClrLst/>
+    <dgm:txFillClrLst meth="repeat">
+      <a:schemeClr val="dk1"/>
+    </dgm:txFillClrLst>
+    <dgm:txEffectClrLst/>
+  </dgm:styleLbl>
+  <dgm:styleLbl name="alignAcc1">
+    <dgm:fillClrLst meth="repeat">
+      <a:schemeClr val="lt1">
+        <a:alpha val="90000"/>
+      </a:schemeClr>
+    </dgm:fillClrLst>
+    <dgm:linClrLst meth="repeat">
+      <a:schemeClr val="accent1"/>
+    </dgm:linClrLst>
+    <dgm:effectClrLst/>
+    <dgm:txLinClrLst/>
+    <dgm:txFillClrLst meth="repeat">
+      <a:schemeClr val="dk1"/>
+    </dgm:txFillClrLst>
+    <dgm:txEffectClrLst/>
+  </dgm:styleLbl>
+  <dgm:styleLbl name="trAlignAcc1">
+    <dgm:fillClrLst meth="repeat">
+      <a:schemeClr val="lt1">
+        <a:alpha val="40000"/>
+      </a:schemeClr>
+    </dgm:fillClrLst>
+    <dgm:linClrLst meth="repeat">
+      <a:schemeClr val="accent1"/>
+    </dgm:linClrLst>
+    <dgm:effectClrLst/>
+    <dgm:txLinClrLst/>
+    <dgm:txFillClrLst meth="repeat">
+      <a:schemeClr val="dk1"/>
+    </dgm:txFillClrLst>
+    <dgm:txEffectClrLst/>
+  </dgm:styleLbl>
+  <dgm:styleLbl name="bgAcc1">
+    <dgm:fillClrLst meth="repeat">
+      <a:schemeClr val="lt1">
+        <a:alpha val="90000"/>
+      </a:schemeClr>
+    </dgm:fillClrLst>
+    <dgm:linClrLst meth="repeat">
+      <a:schemeClr val="accent1"/>
+    </dgm:linClrLst>
+    <dgm:effectClrLst/>
+    <dgm:txLinClrLst/>
+    <dgm:txFillClrLst meth="repeat">
+      <a:schemeClr val="dk1"/>
+    </dgm:txFillClrLst>
+    <dgm:txEffectClrLst/>
+  </dgm:styleLbl>
+  <dgm:styleLbl name="solidFgAcc1">
+    <dgm:fillClrLst meth="repeat">
+      <a:schemeClr val="lt1"/>
+    </dgm:fillClrLst>
+    <dgm:linClrLst meth="repeat">
+      <a:schemeClr val="accent1"/>
+    </dgm:linClrLst>
+    <dgm:effectClrLst/>
+    <dgm:txLinClrLst/>
+    <dgm:txFillClrLst meth="repeat">
+      <a:schemeClr val="dk1"/>
+    </dgm:txFillClrLst>
+    <dgm:txEffectClrLst/>
+  </dgm:styleLbl>
+  <dgm:styleLbl name="solidAlignAcc1">
+    <dgm:fillClrLst meth="repeat">
+      <a:schemeClr val="lt1"/>
+    </dgm:fillClrLst>
+    <dgm:linClrLst meth="repeat">
+      <a:schemeClr val="accent1"/>
+    </dgm:linClrLst>
+    <dgm:effectClrLst/>
+    <dgm:txLinClrLst/>
+    <dgm:txFillClrLst meth="repeat">
+      <a:schemeClr val="dk1"/>
+    </dgm:txFillClrLst>
+    <dgm:txEffectClrLst/>
+  </dgm:styleLbl>
+  <dgm:styleLbl name="solidBgAcc1">
+    <dgm:fillClrLst meth="repeat">
+      <a:schemeClr val="lt1"/>
+    </dgm:fillClrLst>
+    <dgm:linClrLst meth="repeat">
+      <a:schemeClr val="accent1"/>
+    </dgm:linClrLst>
+    <dgm:effectClrLst/>
+    <dgm:txLinClrLst/>
+    <dgm:txFillClrLst meth="repeat">
+      <a:schemeClr val="dk1"/>
+    </dgm:txFillClrLst>
+    <dgm:txEffectClrLst/>
+  </dgm:styleLbl>
+  <dgm:styleLbl name="fgAccFollowNode1">
+    <dgm:fillClrLst meth="repeat">
+      <a:schemeClr val="accent1">
+        <a:alpha val="90000"/>
+        <a:tint val="40000"/>
+      </a:schemeClr>
+    </dgm:fillClrLst>
+    <dgm:linClrLst meth="repeat">
+      <a:schemeClr val="accent1">
+        <a:alpha val="90000"/>
+        <a:tint val="40000"/>
+      </a:schemeClr>
+    </dgm:linClrLst>
+    <dgm:effectClrLst/>
+    <dgm:txLinClrLst/>
+    <dgm:txFillClrLst meth="repeat">
+      <a:schemeClr val="dk1"/>
+    </dgm:txFillClrLst>
+    <dgm:txEffectClrLst/>
+  </dgm:styleLbl>
+  <dgm:styleLbl name="alignAccFollowNode1">
+    <dgm:fillClrLst meth="repeat">
+      <a:schemeClr val="accent1">
+        <a:alpha val="90000"/>
+        <a:tint val="40000"/>
+      </a:schemeClr>
+    </dgm:fillClrLst>
+    <dgm:linClrLst meth="repeat">
+      <a:schemeClr val="accent1">
+        <a:alpha val="90000"/>
+        <a:tint val="40000"/>
+      </a:schemeClr>
+    </dgm:linClrLst>
+    <dgm:effectClrLst/>
+    <dgm:txLinClrLst/>
+    <dgm:txFillClrLst meth="repeat">
+      <a:schemeClr val="dk1"/>
+    </dgm:txFillClrLst>
+    <dgm:txEffectClrLst/>
+  </dgm:styleLbl>
+  <dgm:styleLbl name="bgAccFollowNode1">
+    <dgm:fillClrLst meth="repeat">
+      <a:schemeClr val="accent1">
+        <a:alpha val="90000"/>
+        <a:tint val="40000"/>
+      </a:schemeClr>
+    </dgm:fillClrLst>
+    <dgm:linClrLst meth="repeat">
+      <a:schemeClr val="accent1">
+        <a:alpha val="90000"/>
+        <a:tint val="40000"/>
+      </a:schemeClr>
+    </dgm:linClrLst>
+    <dgm:effectClrLst/>
+    <dgm:txLinClrLst/>
+    <dgm:txFillClrLst meth="repeat">
+      <a:schemeClr val="dk1"/>
+    </dgm:txFillClrLst>
+    <dgm:txEffectClrLst/>
+  </dgm:styleLbl>
+  <dgm:styleLbl name="fgAcc0">
+    <dgm:fillClrLst meth="repeat">
+      <a:schemeClr val="lt1">
+        <a:alpha val="90000"/>
+      </a:schemeClr>
+    </dgm:fillClrLst>
+    <dgm:linClrLst meth="repeat">
+      <a:schemeClr val="accent1"/>
+    </dgm:linClrLst>
+    <dgm:effectClrLst/>
+    <dgm:txLinClrLst/>
+    <dgm:txFillClrLst meth="repeat">
+      <a:schemeClr val="dk1"/>
+    </dgm:txFillClrLst>
+    <dgm:txEffectClrLst/>
+  </dgm:styleLbl>
+  <dgm:styleLbl name="fgAcc2">
+    <dgm:fillClrLst meth="repeat">
+      <a:schemeClr val="lt1">
+        <a:alpha val="90000"/>
+      </a:schemeClr>
+    </dgm:fillClrLst>
+    <dgm:linClrLst meth="repeat">
+      <a:schemeClr val="accent1"/>
+    </dgm:linClrLst>
+    <dgm:effectClrLst/>
+    <dgm:txLinClrLst/>
+    <dgm:txFillClrLst meth="repeat">
+      <a:schemeClr val="dk1"/>
+    </dgm:txFillClrLst>
+    <dgm:txEffectClrLst/>
+  </dgm:styleLbl>
+  <dgm:styleLbl name="fgAcc3">
+    <dgm:fillClrLst meth="repeat">
+      <a:schemeClr val="lt1">
+        <a:alpha val="90000"/>
+      </a:schemeClr>
+    </dgm:fillClrLst>
+    <dgm:linClrLst meth="repeat">
+      <a:schemeClr val="accent1"/>
+    </dgm:linClrLst>
+    <dgm:effectClrLst/>
+    <dgm:txLinClrLst/>
+    <dgm:txFillClrLst meth="repeat">
+      <a:schemeClr val="dk1"/>
+    </dgm:txFillClrLst>
+    <dgm:txEffectClrLst/>
+  </dgm:styleLbl>
+  <dgm:styleLbl name="fgAcc4">
+    <dgm:fillClrLst meth="repeat">
+      <a:schemeClr val="lt1">
+        <a:alpha val="90000"/>
+      </a:schemeClr>
+    </dgm:fillClrLst>
+    <dgm:linClrLst meth="repeat">
+      <a:schemeClr val="accent1"/>
+    </dgm:linClrLst>
+    <dgm:effectClrLst/>
+    <dgm:txLinClrLst/>
+    <dgm:txFillClrLst meth="repeat">
+      <a:schemeClr val="dk1"/>
+    </dgm:txFillClrLst>
+    <dgm:txEffectClrLst/>
+  </dgm:styleLbl>
+  <dgm:styleLbl name="bgShp">
+    <dgm:fillClrLst meth="repeat">
+      <a:schemeClr val="accent1">
+        <a:tint val="40000"/>
+      </a:schemeClr>
+    </dgm:fillClrLst>
+    <dgm:linClrLst meth="repeat">
+      <a:schemeClr val="accent1"/>
+    </dgm:linClrLst>
+    <dgm:effectClrLst/>
+    <dgm:txLinClrLst/>
+    <dgm:txFillClrLst meth="repeat">
+      <a:schemeClr val="dk1"/>
+    </dgm:txFillClrLst>
+    <dgm:txEffectClrLst/>
+  </dgm:styleLbl>
+  <dgm:styleLbl name="dkBgShp">
+    <dgm:fillClrLst meth="repeat">
+      <a:schemeClr val="accent1">
+        <a:shade val="80000"/>
+      </a:schemeClr>
+    </dgm:fillClrLst>
+    <dgm:linClrLst meth="repeat">
+      <a:schemeClr val="accent1"/>
+    </dgm:linClrLst>
+    <dgm:effectClrLst/>
+    <dgm:txLinClrLst/>
+    <dgm:txFillClrLst meth="repeat">
+      <a:schemeClr val="lt1"/>
+    </dgm:txFillClrLst>
+    <dgm:txEffectClrLst/>
+  </dgm:styleLbl>
+  <dgm:styleLbl name="trBgShp">
+    <dgm:fillClrLst meth="repeat">
+      <a:schemeClr val="accent1">
+        <a:tint val="50000"/>
+        <a:alpha val="40000"/>
+      </a:schemeClr>
+    </dgm:fillClrLst>
+    <dgm:linClrLst meth="repeat">
+      <a:schemeClr val="accent1"/>
+    </dgm:linClrLst>
+    <dgm:effectClrLst/>
+    <dgm:txLinClrLst/>
+    <dgm:txFillClrLst meth="repeat">
+      <a:schemeClr val="lt1"/>
+    </dgm:txFillClrLst>
+    <dgm:txEffectClrLst/>
+  </dgm:styleLbl>
+  <dgm:styleLbl name="fgShp">
+    <dgm:fillClrLst meth="repeat">
+      <a:schemeClr val="accent1">
+        <a:tint val="60000"/>
+      </a:schemeClr>
+    </dgm:fillClrLst>
+    <dgm:linClrLst meth="repeat">
+      <a:schemeClr val="lt1"/>
+    </dgm:linClrLst>
+    <dgm:effectClrLst/>
+    <dgm:txLinClrLst/>
+    <dgm:txFillClrLst meth="repeat">
+      <a:schemeClr val="dk1"/>
+    </dgm:txFillClrLst>
+    <dgm:txEffectClrLst/>
+  </dgm:styleLbl>
+  <dgm:styleLbl name="revTx">
+    <dgm:fillClrLst meth="repeat">
+      <a:schemeClr val="lt1">
+        <a:alpha val="0"/>
+      </a:schemeClr>
+    </dgm:fillClrLst>
+    <dgm:linClrLst meth="repeat">
+      <a:schemeClr val="dk1">
+        <a:alpha val="0"/>
+      </a:schemeClr>
+    </dgm:linClrLst>
+    <dgm:effectClrLst/>
+    <dgm:txLinClrLst/>
+    <dgm:txFillClrLst meth="repeat">
+      <a:schemeClr val="tx1"/>
+    </dgm:txFillClrLst>
+    <dgm:txEffectClrLst/>
+  </dgm:styleLbl>
+</dgm:colorsDef>
+</file>
+
+<file path=ppt/diagrams/data1.xml><?xml version="1.0" encoding="utf-8"?>
+<dgm:dataModel xmlns:dgm="http://schemas.openxmlformats.org/drawingml/2006/diagram" xmlns:a="http://schemas.openxmlformats.org/drawingml/2006/main">
+  <dgm:ptLst>
+    <dgm:pt modelId="{4E55C803-0024-4FC7-A442-327A72FEB7DB}" type="doc">
+      <dgm:prSet loTypeId="urn:microsoft.com/office/officeart/2005/8/layout/orgChart1" loCatId="hierarchy" qsTypeId="urn:microsoft.com/office/officeart/2005/8/quickstyle/simple1" qsCatId="simple" csTypeId="urn:microsoft.com/office/officeart/2005/8/colors/accent1_2" csCatId="accent1" phldr="1"/>
+      <dgm:spPr/>
+      <dgm:t>
+        <a:bodyPr/>
+        <a:lstStyle/>
+        <a:p>
+          <a:endParaRPr lang="zh-CN" altLang="en-US"/>
+        </a:p>
+      </dgm:t>
+    </dgm:pt>
+    <dgm:pt modelId="{B6E9CE40-8210-4618-9FDC-328EFECEAE84}">
+      <dgm:prSet phldrT="[文本]"/>
+      <dgm:spPr/>
+      <dgm:t>
+        <a:bodyPr/>
+        <a:lstStyle/>
+        <a:p>
+          <a:r>
+            <a:rPr lang="zh-CN" altLang="en-US" dirty="0" smtClean="0"/>
+            <a:t>系统方案</a:t>
+          </a:r>
+          <a:endParaRPr lang="zh-CN" altLang="en-US" dirty="0"/>
+        </a:p>
+      </dgm:t>
+    </dgm:pt>
+    <dgm:pt modelId="{14154075-A941-469B-8DA7-6999183A406B}" type="parTrans" cxnId="{6D7551B5-7B06-483C-9F12-99EB1FAFDB09}">
+      <dgm:prSet/>
+      <dgm:spPr/>
+      <dgm:t>
+        <a:bodyPr/>
+        <a:lstStyle/>
+        <a:p>
+          <a:endParaRPr lang="zh-CN" altLang="en-US"/>
+        </a:p>
+      </dgm:t>
+    </dgm:pt>
+    <dgm:pt modelId="{0964FFFA-5893-4F15-876A-A3FC36B3BCED}" type="sibTrans" cxnId="{6D7551B5-7B06-483C-9F12-99EB1FAFDB09}">
+      <dgm:prSet/>
+      <dgm:spPr/>
+      <dgm:t>
+        <a:bodyPr/>
+        <a:lstStyle/>
+        <a:p>
+          <a:endParaRPr lang="zh-CN" altLang="en-US"/>
+        </a:p>
+      </dgm:t>
+    </dgm:pt>
+    <dgm:pt modelId="{8D902516-FDB5-4EC1-889E-EE6D25B23EBD}">
+      <dgm:prSet phldrT="[文本]"/>
+      <dgm:spPr/>
+      <dgm:t>
+        <a:bodyPr/>
+        <a:lstStyle/>
+        <a:p>
+          <a:r>
+            <a:rPr lang="zh-CN" altLang="en-US" dirty="0" smtClean="0"/>
+            <a:t>管理模块</a:t>
+          </a:r>
+          <a:endParaRPr lang="zh-CN" altLang="en-US" dirty="0"/>
+        </a:p>
+      </dgm:t>
+    </dgm:pt>
+    <dgm:pt modelId="{C5297594-5E9E-4EEA-960D-EF5C0A4FAFD0}" type="parTrans" cxnId="{062ED61B-B058-4B6C-8256-497DA0A00097}">
+      <dgm:prSet/>
+      <dgm:spPr/>
+      <dgm:t>
+        <a:bodyPr/>
+        <a:lstStyle/>
+        <a:p>
+          <a:endParaRPr lang="zh-CN" altLang="en-US"/>
+        </a:p>
+      </dgm:t>
+    </dgm:pt>
+    <dgm:pt modelId="{3859DB3D-E90D-489C-9E47-A953989C43B6}" type="sibTrans" cxnId="{062ED61B-B058-4B6C-8256-497DA0A00097}">
+      <dgm:prSet/>
+      <dgm:spPr/>
+      <dgm:t>
+        <a:bodyPr/>
+        <a:lstStyle/>
+        <a:p>
+          <a:endParaRPr lang="zh-CN" altLang="en-US"/>
+        </a:p>
+      </dgm:t>
+    </dgm:pt>
+    <dgm:pt modelId="{8C07F7F7-233D-423B-96A3-6511A85E12F5}">
+      <dgm:prSet phldrT="[文本]"/>
+      <dgm:spPr/>
+      <dgm:t>
+        <a:bodyPr/>
+        <a:lstStyle/>
+        <a:p>
+          <a:r>
+            <a:rPr lang="zh-CN" altLang="en-US" dirty="0" smtClean="0"/>
+            <a:t>容器模块</a:t>
+          </a:r>
+          <a:endParaRPr lang="zh-CN" altLang="en-US" dirty="0"/>
+        </a:p>
+      </dgm:t>
+    </dgm:pt>
+    <dgm:pt modelId="{21DB511E-7DB6-49CE-87B6-5E6206C6968E}" type="parTrans" cxnId="{8F7FA84E-2E01-4003-B037-654CC277C551}">
+      <dgm:prSet/>
+      <dgm:spPr/>
+      <dgm:t>
+        <a:bodyPr/>
+        <a:lstStyle/>
+        <a:p>
+          <a:endParaRPr lang="zh-CN" altLang="en-US"/>
+        </a:p>
+      </dgm:t>
+    </dgm:pt>
+    <dgm:pt modelId="{D00874F5-4F26-4230-94E7-B03967C7492A}" type="sibTrans" cxnId="{8F7FA84E-2E01-4003-B037-654CC277C551}">
+      <dgm:prSet/>
+      <dgm:spPr/>
+      <dgm:t>
+        <a:bodyPr/>
+        <a:lstStyle/>
+        <a:p>
+          <a:endParaRPr lang="zh-CN" altLang="en-US"/>
+        </a:p>
+      </dgm:t>
+    </dgm:pt>
+    <dgm:pt modelId="{F30E4BCF-02B3-4787-BD89-6E033604AD14}">
+      <dgm:prSet phldrT="[文本]"/>
+      <dgm:spPr/>
+      <dgm:t>
+        <a:bodyPr/>
+        <a:lstStyle/>
+        <a:p>
+          <a:r>
+            <a:rPr lang="zh-CN" altLang="en-US" dirty="0" smtClean="0"/>
+            <a:t>调度模块</a:t>
+          </a:r>
+          <a:endParaRPr lang="zh-CN" altLang="en-US" dirty="0"/>
+        </a:p>
+      </dgm:t>
+    </dgm:pt>
+    <dgm:pt modelId="{CD91DD2F-AFD4-4305-A20D-00246B562A52}" type="parTrans" cxnId="{3BE52D6B-99ED-48C0-8B2A-4860351895D4}">
+      <dgm:prSet/>
+      <dgm:spPr/>
+      <dgm:t>
+        <a:bodyPr/>
+        <a:lstStyle/>
+        <a:p>
+          <a:endParaRPr lang="zh-CN" altLang="en-US"/>
+        </a:p>
+      </dgm:t>
+    </dgm:pt>
+    <dgm:pt modelId="{0D636079-0AF6-416D-A8EB-694BABEB2B77}" type="sibTrans" cxnId="{3BE52D6B-99ED-48C0-8B2A-4860351895D4}">
+      <dgm:prSet/>
+      <dgm:spPr/>
+      <dgm:t>
+        <a:bodyPr/>
+        <a:lstStyle/>
+        <a:p>
+          <a:endParaRPr lang="zh-CN" altLang="en-US"/>
+        </a:p>
+      </dgm:t>
+    </dgm:pt>
+    <dgm:pt modelId="{D9DE2DE0-97C3-4D81-8429-0A08AA78656F}" type="pres">
+      <dgm:prSet presAssocID="{4E55C803-0024-4FC7-A442-327A72FEB7DB}" presName="hierChild1" presStyleCnt="0">
+        <dgm:presLayoutVars>
+          <dgm:orgChart val="1"/>
+          <dgm:chPref val="1"/>
+          <dgm:dir/>
+          <dgm:animOne val="branch"/>
+          <dgm:animLvl val="lvl"/>
+          <dgm:resizeHandles/>
+        </dgm:presLayoutVars>
+      </dgm:prSet>
+      <dgm:spPr/>
+    </dgm:pt>
+    <dgm:pt modelId="{DA9A8DED-A13A-491D-A834-5B70B461478B}" type="pres">
+      <dgm:prSet presAssocID="{B6E9CE40-8210-4618-9FDC-328EFECEAE84}" presName="hierRoot1" presStyleCnt="0">
+        <dgm:presLayoutVars>
+          <dgm:hierBranch val="init"/>
+        </dgm:presLayoutVars>
+      </dgm:prSet>
+      <dgm:spPr/>
+    </dgm:pt>
+    <dgm:pt modelId="{200CC864-F7A2-48C6-B6C3-5C3D79C0FDF8}" type="pres">
+      <dgm:prSet presAssocID="{B6E9CE40-8210-4618-9FDC-328EFECEAE84}" presName="rootComposite1" presStyleCnt="0"/>
+      <dgm:spPr/>
+    </dgm:pt>
+    <dgm:pt modelId="{5E3BAA7D-DF20-4F33-8D98-157B9BD1BBF1}" type="pres">
+      <dgm:prSet presAssocID="{B6E9CE40-8210-4618-9FDC-328EFECEAE84}" presName="rootText1" presStyleLbl="node0" presStyleIdx="0" presStyleCnt="1">
+        <dgm:presLayoutVars>
+          <dgm:chPref val="3"/>
+        </dgm:presLayoutVars>
+      </dgm:prSet>
+      <dgm:spPr/>
+    </dgm:pt>
+    <dgm:pt modelId="{8BB2EE58-69E3-4962-952E-2318C8AC2D6E}" type="pres">
+      <dgm:prSet presAssocID="{B6E9CE40-8210-4618-9FDC-328EFECEAE84}" presName="rootConnector1" presStyleLbl="node1" presStyleIdx="0" presStyleCnt="0"/>
+      <dgm:spPr/>
+    </dgm:pt>
+    <dgm:pt modelId="{D6EC8D47-ECD3-4ED0-AA1E-DB8F5321E315}" type="pres">
+      <dgm:prSet presAssocID="{B6E9CE40-8210-4618-9FDC-328EFECEAE84}" presName="hierChild2" presStyleCnt="0"/>
+      <dgm:spPr/>
+    </dgm:pt>
+    <dgm:pt modelId="{F800DED3-CA56-481F-9EBD-310F79C76461}" type="pres">
+      <dgm:prSet presAssocID="{C5297594-5E9E-4EEA-960D-EF5C0A4FAFD0}" presName="Name37" presStyleLbl="parChTrans1D2" presStyleIdx="0" presStyleCnt="3"/>
+      <dgm:spPr/>
+    </dgm:pt>
+    <dgm:pt modelId="{080387BF-A94F-47CD-8F83-E06BC5A6CC55}" type="pres">
+      <dgm:prSet presAssocID="{8D902516-FDB5-4EC1-889E-EE6D25B23EBD}" presName="hierRoot2" presStyleCnt="0">
+        <dgm:presLayoutVars>
+          <dgm:hierBranch val="init"/>
+        </dgm:presLayoutVars>
+      </dgm:prSet>
+      <dgm:spPr/>
+    </dgm:pt>
+    <dgm:pt modelId="{03A0612E-023F-4CBC-A834-6BA69E058068}" type="pres">
+      <dgm:prSet presAssocID="{8D902516-FDB5-4EC1-889E-EE6D25B23EBD}" presName="rootComposite" presStyleCnt="0"/>
+      <dgm:spPr/>
+    </dgm:pt>
+    <dgm:pt modelId="{A87F71B4-5143-4CD5-9DFF-C5D0FAD6404E}" type="pres">
+      <dgm:prSet presAssocID="{8D902516-FDB5-4EC1-889E-EE6D25B23EBD}" presName="rootText" presStyleLbl="node2" presStyleIdx="0" presStyleCnt="3">
+        <dgm:presLayoutVars>
+          <dgm:chPref val="3"/>
+        </dgm:presLayoutVars>
+      </dgm:prSet>
+      <dgm:spPr/>
+      <dgm:t>
+        <a:bodyPr/>
+        <a:lstStyle/>
+        <a:p>
+          <a:endParaRPr lang="zh-CN" altLang="en-US"/>
+        </a:p>
+      </dgm:t>
+    </dgm:pt>
+    <dgm:pt modelId="{30A83FF9-C84D-4F5B-B010-973BFCE26ECA}" type="pres">
+      <dgm:prSet presAssocID="{8D902516-FDB5-4EC1-889E-EE6D25B23EBD}" presName="rootConnector" presStyleLbl="node2" presStyleIdx="0" presStyleCnt="3"/>
+      <dgm:spPr/>
+    </dgm:pt>
+    <dgm:pt modelId="{A4BFC471-B019-409E-8200-26F0C18B8E96}" type="pres">
+      <dgm:prSet presAssocID="{8D902516-FDB5-4EC1-889E-EE6D25B23EBD}" presName="hierChild4" presStyleCnt="0"/>
+      <dgm:spPr/>
+    </dgm:pt>
+    <dgm:pt modelId="{F3072676-540D-40CC-8615-B8D7C1EAD364}" type="pres">
+      <dgm:prSet presAssocID="{8D902516-FDB5-4EC1-889E-EE6D25B23EBD}" presName="hierChild5" presStyleCnt="0"/>
+      <dgm:spPr/>
+    </dgm:pt>
+    <dgm:pt modelId="{72264DC6-E3E7-4DD0-9D3B-FDA8AFAEFC24}" type="pres">
+      <dgm:prSet presAssocID="{21DB511E-7DB6-49CE-87B6-5E6206C6968E}" presName="Name37" presStyleLbl="parChTrans1D2" presStyleIdx="1" presStyleCnt="3"/>
+      <dgm:spPr/>
+    </dgm:pt>
+    <dgm:pt modelId="{409C20E6-D60A-457B-993F-71B686876AD0}" type="pres">
+      <dgm:prSet presAssocID="{8C07F7F7-233D-423B-96A3-6511A85E12F5}" presName="hierRoot2" presStyleCnt="0">
+        <dgm:presLayoutVars>
+          <dgm:hierBranch val="init"/>
+        </dgm:presLayoutVars>
+      </dgm:prSet>
+      <dgm:spPr/>
+    </dgm:pt>
+    <dgm:pt modelId="{C9FB0842-6BB9-4BBF-84B3-8198CEA7B98C}" type="pres">
+      <dgm:prSet presAssocID="{8C07F7F7-233D-423B-96A3-6511A85E12F5}" presName="rootComposite" presStyleCnt="0"/>
+      <dgm:spPr/>
+    </dgm:pt>
+    <dgm:pt modelId="{3FBB1BE8-862A-4874-8128-A2E66C4D3DE9}" type="pres">
+      <dgm:prSet presAssocID="{8C07F7F7-233D-423B-96A3-6511A85E12F5}" presName="rootText" presStyleLbl="node2" presStyleIdx="1" presStyleCnt="3">
+        <dgm:presLayoutVars>
+          <dgm:chPref val="3"/>
+        </dgm:presLayoutVars>
+      </dgm:prSet>
+      <dgm:spPr/>
+    </dgm:pt>
+    <dgm:pt modelId="{4D83D960-6068-4AC9-8739-8B31025155A7}" type="pres">
+      <dgm:prSet presAssocID="{8C07F7F7-233D-423B-96A3-6511A85E12F5}" presName="rootConnector" presStyleLbl="node2" presStyleIdx="1" presStyleCnt="3"/>
+      <dgm:spPr/>
+    </dgm:pt>
+    <dgm:pt modelId="{CB58EDA6-FE65-454D-82D2-547AD8A109A6}" type="pres">
+      <dgm:prSet presAssocID="{8C07F7F7-233D-423B-96A3-6511A85E12F5}" presName="hierChild4" presStyleCnt="0"/>
+      <dgm:spPr/>
+    </dgm:pt>
+    <dgm:pt modelId="{2955C89A-070D-42FC-B8BB-9045F3824C1C}" type="pres">
+      <dgm:prSet presAssocID="{8C07F7F7-233D-423B-96A3-6511A85E12F5}" presName="hierChild5" presStyleCnt="0"/>
+      <dgm:spPr/>
+    </dgm:pt>
+    <dgm:pt modelId="{A133478B-06F6-4E25-A39F-BD259D0ED9E5}" type="pres">
+      <dgm:prSet presAssocID="{CD91DD2F-AFD4-4305-A20D-00246B562A52}" presName="Name37" presStyleLbl="parChTrans1D2" presStyleIdx="2" presStyleCnt="3"/>
+      <dgm:spPr/>
+    </dgm:pt>
+    <dgm:pt modelId="{ED8DBEDC-E26A-4DFF-8C91-3F533B6B27A2}" type="pres">
+      <dgm:prSet presAssocID="{F30E4BCF-02B3-4787-BD89-6E033604AD14}" presName="hierRoot2" presStyleCnt="0">
+        <dgm:presLayoutVars>
+          <dgm:hierBranch val="init"/>
+        </dgm:presLayoutVars>
+      </dgm:prSet>
+      <dgm:spPr/>
+    </dgm:pt>
+    <dgm:pt modelId="{A6674C9D-89A2-420B-9FF9-2EA35828D8D8}" type="pres">
+      <dgm:prSet presAssocID="{F30E4BCF-02B3-4787-BD89-6E033604AD14}" presName="rootComposite" presStyleCnt="0"/>
+      <dgm:spPr/>
+    </dgm:pt>
+    <dgm:pt modelId="{DC1BABBA-9D16-4735-8114-F9695C34C41E}" type="pres">
+      <dgm:prSet presAssocID="{F30E4BCF-02B3-4787-BD89-6E033604AD14}" presName="rootText" presStyleLbl="node2" presStyleIdx="2" presStyleCnt="3">
+        <dgm:presLayoutVars>
+          <dgm:chPref val="3"/>
+        </dgm:presLayoutVars>
+      </dgm:prSet>
+      <dgm:spPr/>
+    </dgm:pt>
+    <dgm:pt modelId="{5D5D25D0-167F-4D47-9F12-AC5257707CF9}" type="pres">
+      <dgm:prSet presAssocID="{F30E4BCF-02B3-4787-BD89-6E033604AD14}" presName="rootConnector" presStyleLbl="node2" presStyleIdx="2" presStyleCnt="3"/>
+      <dgm:spPr/>
+    </dgm:pt>
+    <dgm:pt modelId="{B596ADC9-043D-4DD9-A529-4B9783ED26E5}" type="pres">
+      <dgm:prSet presAssocID="{F30E4BCF-02B3-4787-BD89-6E033604AD14}" presName="hierChild4" presStyleCnt="0"/>
+      <dgm:spPr/>
+    </dgm:pt>
+    <dgm:pt modelId="{1F283A37-F384-43C6-91D9-5D8C14C372B3}" type="pres">
+      <dgm:prSet presAssocID="{F30E4BCF-02B3-4787-BD89-6E033604AD14}" presName="hierChild5" presStyleCnt="0"/>
+      <dgm:spPr/>
+    </dgm:pt>
+    <dgm:pt modelId="{31DF833C-C758-42E2-B155-E20E5F287769}" type="pres">
+      <dgm:prSet presAssocID="{B6E9CE40-8210-4618-9FDC-328EFECEAE84}" presName="hierChild3" presStyleCnt="0"/>
+      <dgm:spPr/>
+    </dgm:pt>
+  </dgm:ptLst>
+  <dgm:cxnLst>
+    <dgm:cxn modelId="{3BE52D6B-99ED-48C0-8B2A-4860351895D4}" srcId="{B6E9CE40-8210-4618-9FDC-328EFECEAE84}" destId="{F30E4BCF-02B3-4787-BD89-6E033604AD14}" srcOrd="2" destOrd="0" parTransId="{CD91DD2F-AFD4-4305-A20D-00246B562A52}" sibTransId="{0D636079-0AF6-416D-A8EB-694BABEB2B77}"/>
+    <dgm:cxn modelId="{7CEF1FCF-1418-46DA-91FD-3DB0EAB75900}" type="presOf" srcId="{4E55C803-0024-4FC7-A442-327A72FEB7DB}" destId="{D9DE2DE0-97C3-4D81-8429-0A08AA78656F}" srcOrd="0" destOrd="0" presId="urn:microsoft.com/office/officeart/2005/8/layout/orgChart1"/>
+    <dgm:cxn modelId="{062ED61B-B058-4B6C-8256-497DA0A00097}" srcId="{B6E9CE40-8210-4618-9FDC-328EFECEAE84}" destId="{8D902516-FDB5-4EC1-889E-EE6D25B23EBD}" srcOrd="0" destOrd="0" parTransId="{C5297594-5E9E-4EEA-960D-EF5C0A4FAFD0}" sibTransId="{3859DB3D-E90D-489C-9E47-A953989C43B6}"/>
+    <dgm:cxn modelId="{84D69F94-CDC7-46FC-BDE1-246BB26A01F9}" type="presOf" srcId="{B6E9CE40-8210-4618-9FDC-328EFECEAE84}" destId="{5E3BAA7D-DF20-4F33-8D98-157B9BD1BBF1}" srcOrd="0" destOrd="0" presId="urn:microsoft.com/office/officeart/2005/8/layout/orgChart1"/>
+    <dgm:cxn modelId="{92161C22-2610-48B9-B6BD-ADFCABFC4A16}" type="presOf" srcId="{F30E4BCF-02B3-4787-BD89-6E033604AD14}" destId="{5D5D25D0-167F-4D47-9F12-AC5257707CF9}" srcOrd="1" destOrd="0" presId="urn:microsoft.com/office/officeart/2005/8/layout/orgChart1"/>
+    <dgm:cxn modelId="{A7F6E100-0866-43DA-9009-88E5B7BA4715}" type="presOf" srcId="{8D902516-FDB5-4EC1-889E-EE6D25B23EBD}" destId="{A87F71B4-5143-4CD5-9DFF-C5D0FAD6404E}" srcOrd="0" destOrd="0" presId="urn:microsoft.com/office/officeart/2005/8/layout/orgChart1"/>
+    <dgm:cxn modelId="{1AB02A91-6C1E-43CE-B74F-B22E0217D5FC}" type="presOf" srcId="{21DB511E-7DB6-49CE-87B6-5E6206C6968E}" destId="{72264DC6-E3E7-4DD0-9D3B-FDA8AFAEFC24}" srcOrd="0" destOrd="0" presId="urn:microsoft.com/office/officeart/2005/8/layout/orgChart1"/>
+    <dgm:cxn modelId="{6D7551B5-7B06-483C-9F12-99EB1FAFDB09}" srcId="{4E55C803-0024-4FC7-A442-327A72FEB7DB}" destId="{B6E9CE40-8210-4618-9FDC-328EFECEAE84}" srcOrd="0" destOrd="0" parTransId="{14154075-A941-469B-8DA7-6999183A406B}" sibTransId="{0964FFFA-5893-4F15-876A-A3FC36B3BCED}"/>
+    <dgm:cxn modelId="{3C12499F-FE2A-4677-8985-1C9EB4A5C210}" type="presOf" srcId="{F30E4BCF-02B3-4787-BD89-6E033604AD14}" destId="{DC1BABBA-9D16-4735-8114-F9695C34C41E}" srcOrd="0" destOrd="0" presId="urn:microsoft.com/office/officeart/2005/8/layout/orgChart1"/>
+    <dgm:cxn modelId="{B1BFB3CF-C51F-42E2-BADD-5CD3BAE049BB}" type="presOf" srcId="{CD91DD2F-AFD4-4305-A20D-00246B562A52}" destId="{A133478B-06F6-4E25-A39F-BD259D0ED9E5}" srcOrd="0" destOrd="0" presId="urn:microsoft.com/office/officeart/2005/8/layout/orgChart1"/>
+    <dgm:cxn modelId="{B93535E8-3914-4699-90C1-439BD6AE9293}" type="presOf" srcId="{B6E9CE40-8210-4618-9FDC-328EFECEAE84}" destId="{8BB2EE58-69E3-4962-952E-2318C8AC2D6E}" srcOrd="1" destOrd="0" presId="urn:microsoft.com/office/officeart/2005/8/layout/orgChart1"/>
+    <dgm:cxn modelId="{D2CF0EDF-D7A7-4EBB-A3BF-48A7DC15452E}" type="presOf" srcId="{8C07F7F7-233D-423B-96A3-6511A85E12F5}" destId="{3FBB1BE8-862A-4874-8128-A2E66C4D3DE9}" srcOrd="0" destOrd="0" presId="urn:microsoft.com/office/officeart/2005/8/layout/orgChart1"/>
+    <dgm:cxn modelId="{C63FF818-7111-4478-9C39-747C9789A0B7}" type="presOf" srcId="{C5297594-5E9E-4EEA-960D-EF5C0A4FAFD0}" destId="{F800DED3-CA56-481F-9EBD-310F79C76461}" srcOrd="0" destOrd="0" presId="urn:microsoft.com/office/officeart/2005/8/layout/orgChart1"/>
+    <dgm:cxn modelId="{B15BFB4E-C0EA-4AB2-85C2-2941907F14A0}" type="presOf" srcId="{8C07F7F7-233D-423B-96A3-6511A85E12F5}" destId="{4D83D960-6068-4AC9-8739-8B31025155A7}" srcOrd="1" destOrd="0" presId="urn:microsoft.com/office/officeart/2005/8/layout/orgChart1"/>
+    <dgm:cxn modelId="{DA8DE016-5653-43AB-B694-454C3D348C88}" type="presOf" srcId="{8D902516-FDB5-4EC1-889E-EE6D25B23EBD}" destId="{30A83FF9-C84D-4F5B-B010-973BFCE26ECA}" srcOrd="1" destOrd="0" presId="urn:microsoft.com/office/officeart/2005/8/layout/orgChart1"/>
+    <dgm:cxn modelId="{8F7FA84E-2E01-4003-B037-654CC277C551}" srcId="{B6E9CE40-8210-4618-9FDC-328EFECEAE84}" destId="{8C07F7F7-233D-423B-96A3-6511A85E12F5}" srcOrd="1" destOrd="0" parTransId="{21DB511E-7DB6-49CE-87B6-5E6206C6968E}" sibTransId="{D00874F5-4F26-4230-94E7-B03967C7492A}"/>
+    <dgm:cxn modelId="{7A4F898A-86C1-4BD1-ACBF-74D2575D0817}" type="presParOf" srcId="{D9DE2DE0-97C3-4D81-8429-0A08AA78656F}" destId="{DA9A8DED-A13A-491D-A834-5B70B461478B}" srcOrd="0" destOrd="0" presId="urn:microsoft.com/office/officeart/2005/8/layout/orgChart1"/>
+    <dgm:cxn modelId="{F744B814-BEDA-46A6-ADA5-07DA5F33A142}" type="presParOf" srcId="{DA9A8DED-A13A-491D-A834-5B70B461478B}" destId="{200CC864-F7A2-48C6-B6C3-5C3D79C0FDF8}" srcOrd="0" destOrd="0" presId="urn:microsoft.com/office/officeart/2005/8/layout/orgChart1"/>
+    <dgm:cxn modelId="{5B751C02-AE99-4838-8342-553A983075A3}" type="presParOf" srcId="{200CC864-F7A2-48C6-B6C3-5C3D79C0FDF8}" destId="{5E3BAA7D-DF20-4F33-8D98-157B9BD1BBF1}" srcOrd="0" destOrd="0" presId="urn:microsoft.com/office/officeart/2005/8/layout/orgChart1"/>
+    <dgm:cxn modelId="{CB5A1936-9199-4117-9AD4-5D2868521562}" type="presParOf" srcId="{200CC864-F7A2-48C6-B6C3-5C3D79C0FDF8}" destId="{8BB2EE58-69E3-4962-952E-2318C8AC2D6E}" srcOrd="1" destOrd="0" presId="urn:microsoft.com/office/officeart/2005/8/layout/orgChart1"/>
+    <dgm:cxn modelId="{078A098B-B35D-4853-8737-EED460E4D6CF}" type="presParOf" srcId="{DA9A8DED-A13A-491D-A834-5B70B461478B}" destId="{D6EC8D47-ECD3-4ED0-AA1E-DB8F5321E315}" srcOrd="1" destOrd="0" presId="urn:microsoft.com/office/officeart/2005/8/layout/orgChart1"/>
+    <dgm:cxn modelId="{52039D49-21AD-4F11-A802-F2EBF7058E9D}" type="presParOf" srcId="{D6EC8D47-ECD3-4ED0-AA1E-DB8F5321E315}" destId="{F800DED3-CA56-481F-9EBD-310F79C76461}" srcOrd="0" destOrd="0" presId="urn:microsoft.com/office/officeart/2005/8/layout/orgChart1"/>
+    <dgm:cxn modelId="{429EFE0D-995E-4E37-BFE6-41B3A53345CE}" type="presParOf" srcId="{D6EC8D47-ECD3-4ED0-AA1E-DB8F5321E315}" destId="{080387BF-A94F-47CD-8F83-E06BC5A6CC55}" srcOrd="1" destOrd="0" presId="urn:microsoft.com/office/officeart/2005/8/layout/orgChart1"/>
+    <dgm:cxn modelId="{1DBCFBDD-62ED-4D2A-B687-91FA4196C05C}" type="presParOf" srcId="{080387BF-A94F-47CD-8F83-E06BC5A6CC55}" destId="{03A0612E-023F-4CBC-A834-6BA69E058068}" srcOrd="0" destOrd="0" presId="urn:microsoft.com/office/officeart/2005/8/layout/orgChart1"/>
+    <dgm:cxn modelId="{F0182AEB-82EF-4D2F-ACE7-B24D701EDF45}" type="presParOf" srcId="{03A0612E-023F-4CBC-A834-6BA69E058068}" destId="{A87F71B4-5143-4CD5-9DFF-C5D0FAD6404E}" srcOrd="0" destOrd="0" presId="urn:microsoft.com/office/officeart/2005/8/layout/orgChart1"/>
+    <dgm:cxn modelId="{FAC3C17A-AE76-4225-890F-BD60BEBE0C1F}" type="presParOf" srcId="{03A0612E-023F-4CBC-A834-6BA69E058068}" destId="{30A83FF9-C84D-4F5B-B010-973BFCE26ECA}" srcOrd="1" destOrd="0" presId="urn:microsoft.com/office/officeart/2005/8/layout/orgChart1"/>
+    <dgm:cxn modelId="{86F01623-52DD-40DB-8CCB-05ABF3344E8A}" type="presParOf" srcId="{080387BF-A94F-47CD-8F83-E06BC5A6CC55}" destId="{A4BFC471-B019-409E-8200-26F0C18B8E96}" srcOrd="1" destOrd="0" presId="urn:microsoft.com/office/officeart/2005/8/layout/orgChart1"/>
+    <dgm:cxn modelId="{896C27A5-FDB9-4715-BDED-7A1C2FD8C6A2}" type="presParOf" srcId="{080387BF-A94F-47CD-8F83-E06BC5A6CC55}" destId="{F3072676-540D-40CC-8615-B8D7C1EAD364}" srcOrd="2" destOrd="0" presId="urn:microsoft.com/office/officeart/2005/8/layout/orgChart1"/>
+    <dgm:cxn modelId="{84EE5F04-B662-4500-8BD3-F0000C202E52}" type="presParOf" srcId="{D6EC8D47-ECD3-4ED0-AA1E-DB8F5321E315}" destId="{72264DC6-E3E7-4DD0-9D3B-FDA8AFAEFC24}" srcOrd="2" destOrd="0" presId="urn:microsoft.com/office/officeart/2005/8/layout/orgChart1"/>
+    <dgm:cxn modelId="{EF6FD2C6-8064-4246-8793-E8DFCF50E8C3}" type="presParOf" srcId="{D6EC8D47-ECD3-4ED0-AA1E-DB8F5321E315}" destId="{409C20E6-D60A-457B-993F-71B686876AD0}" srcOrd="3" destOrd="0" presId="urn:microsoft.com/office/officeart/2005/8/layout/orgChart1"/>
+    <dgm:cxn modelId="{1405BA05-6374-41A2-8B75-DC8DA6644BD3}" type="presParOf" srcId="{409C20E6-D60A-457B-993F-71B686876AD0}" destId="{C9FB0842-6BB9-4BBF-84B3-8198CEA7B98C}" srcOrd="0" destOrd="0" presId="urn:microsoft.com/office/officeart/2005/8/layout/orgChart1"/>
+    <dgm:cxn modelId="{9A9BCA1E-19C2-45AD-9C2C-4DA5EA3E772B}" type="presParOf" srcId="{C9FB0842-6BB9-4BBF-84B3-8198CEA7B98C}" destId="{3FBB1BE8-862A-4874-8128-A2E66C4D3DE9}" srcOrd="0" destOrd="0" presId="urn:microsoft.com/office/officeart/2005/8/layout/orgChart1"/>
+    <dgm:cxn modelId="{99665F83-0E3C-410F-928A-373087833F85}" type="presParOf" srcId="{C9FB0842-6BB9-4BBF-84B3-8198CEA7B98C}" destId="{4D83D960-6068-4AC9-8739-8B31025155A7}" srcOrd="1" destOrd="0" presId="urn:microsoft.com/office/officeart/2005/8/layout/orgChart1"/>
+    <dgm:cxn modelId="{46F9F9B1-0D9B-425D-9F0E-92AB9E720E1B}" type="presParOf" srcId="{409C20E6-D60A-457B-993F-71B686876AD0}" destId="{CB58EDA6-FE65-454D-82D2-547AD8A109A6}" srcOrd="1" destOrd="0" presId="urn:microsoft.com/office/officeart/2005/8/layout/orgChart1"/>
+    <dgm:cxn modelId="{B034CDF3-F237-4040-BABB-74C2157E69E3}" type="presParOf" srcId="{409C20E6-D60A-457B-993F-71B686876AD0}" destId="{2955C89A-070D-42FC-B8BB-9045F3824C1C}" srcOrd="2" destOrd="0" presId="urn:microsoft.com/office/officeart/2005/8/layout/orgChart1"/>
+    <dgm:cxn modelId="{D67413D0-ED58-4E21-9143-17DA604AB064}" type="presParOf" srcId="{D6EC8D47-ECD3-4ED0-AA1E-DB8F5321E315}" destId="{A133478B-06F6-4E25-A39F-BD259D0ED9E5}" srcOrd="4" destOrd="0" presId="urn:microsoft.com/office/officeart/2005/8/layout/orgChart1"/>
+    <dgm:cxn modelId="{E969A23C-1BFB-4906-96CC-5D871CC26ADC}" type="presParOf" srcId="{D6EC8D47-ECD3-4ED0-AA1E-DB8F5321E315}" destId="{ED8DBEDC-E26A-4DFF-8C91-3F533B6B27A2}" srcOrd="5" destOrd="0" presId="urn:microsoft.com/office/officeart/2005/8/layout/orgChart1"/>
+    <dgm:cxn modelId="{3A1A93DB-7910-4869-B796-BAA15FCBF375}" type="presParOf" srcId="{ED8DBEDC-E26A-4DFF-8C91-3F533B6B27A2}" destId="{A6674C9D-89A2-420B-9FF9-2EA35828D8D8}" srcOrd="0" destOrd="0" presId="urn:microsoft.com/office/officeart/2005/8/layout/orgChart1"/>
+    <dgm:cxn modelId="{3192861A-DDF2-4D8B-8170-254D28D43413}" type="presParOf" srcId="{A6674C9D-89A2-420B-9FF9-2EA35828D8D8}" destId="{DC1BABBA-9D16-4735-8114-F9695C34C41E}" srcOrd="0" destOrd="0" presId="urn:microsoft.com/office/officeart/2005/8/layout/orgChart1"/>
+    <dgm:cxn modelId="{587CC073-5758-487A-8E56-4CC86FAC1CC9}" type="presParOf" srcId="{A6674C9D-89A2-420B-9FF9-2EA35828D8D8}" destId="{5D5D25D0-167F-4D47-9F12-AC5257707CF9}" srcOrd="1" destOrd="0" presId="urn:microsoft.com/office/officeart/2005/8/layout/orgChart1"/>
+    <dgm:cxn modelId="{96BB2F85-C8BF-4FDF-B109-F45BA91151A4}" type="presParOf" srcId="{ED8DBEDC-E26A-4DFF-8C91-3F533B6B27A2}" destId="{B596ADC9-043D-4DD9-A529-4B9783ED26E5}" srcOrd="1" destOrd="0" presId="urn:microsoft.com/office/officeart/2005/8/layout/orgChart1"/>
+    <dgm:cxn modelId="{7A4D7061-07FA-4EF1-AFC3-1150F3E661BC}" type="presParOf" srcId="{ED8DBEDC-E26A-4DFF-8C91-3F533B6B27A2}" destId="{1F283A37-F384-43C6-91D9-5D8C14C372B3}" srcOrd="2" destOrd="0" presId="urn:microsoft.com/office/officeart/2005/8/layout/orgChart1"/>
+    <dgm:cxn modelId="{490B16B6-7293-474E-8649-F25D79EBA859}" type="presParOf" srcId="{DA9A8DED-A13A-491D-A834-5B70B461478B}" destId="{31DF833C-C758-42E2-B155-E20E5F287769}" srcOrd="2" destOrd="0" presId="urn:microsoft.com/office/officeart/2005/8/layout/orgChart1"/>
+  </dgm:cxnLst>
+  <dgm:bg/>
+  <dgm:whole/>
+  <dgm:extLst>
+    <a:ext uri="http://schemas.microsoft.com/office/drawing/2008/diagram">
+      <dsp:dataModelExt xmlns:dsp="http://schemas.microsoft.com/office/drawing/2008/diagram" relId="rId6" minVer="http://schemas.openxmlformats.org/drawingml/2006/diagram"/>
+    </a:ext>
+  </dgm:extLst>
+</dgm:dataModel>
+</file>
+
+<file path=ppt/diagrams/drawing1.xml><?xml version="1.0" encoding="utf-8"?>
+<dsp:drawing xmlns:dgm="http://schemas.openxmlformats.org/drawingml/2006/diagram" xmlns:dsp="http://schemas.microsoft.com/office/drawing/2008/diagram" xmlns:a="http://schemas.openxmlformats.org/drawingml/2006/main">
+  <dsp:spTree>
+    <dsp:nvGrpSpPr>
+      <dsp:cNvPr id="0" name=""/>
+      <dsp:cNvGrpSpPr/>
+    </dsp:nvGrpSpPr>
+    <dsp:grpSpPr/>
+    <dsp:sp modelId="{A133478B-06F6-4E25-A39F-BD259D0ED9E5}">
+      <dsp:nvSpPr>
+        <dsp:cNvPr id="0" name=""/>
+        <dsp:cNvSpPr/>
+      </dsp:nvSpPr>
+      <dsp:spPr>
+        <a:xfrm>
+          <a:off x="4064000" y="2459823"/>
+          <a:ext cx="2875309" cy="499020"/>
+        </a:xfrm>
+        <a:custGeom>
+          <a:avLst/>
+          <a:gdLst/>
+          <a:ahLst/>
+          <a:cxnLst/>
+          <a:rect l="0" t="0" r="0" b="0"/>
+          <a:pathLst>
+            <a:path>
+              <a:moveTo>
+                <a:pt x="0" y="0"/>
+              </a:moveTo>
+              <a:lnTo>
+                <a:pt x="0" y="249510"/>
+              </a:lnTo>
+              <a:lnTo>
+                <a:pt x="2875309" y="249510"/>
+              </a:lnTo>
+              <a:lnTo>
+                <a:pt x="2875309" y="499020"/>
+              </a:lnTo>
+            </a:path>
+          </a:pathLst>
+        </a:custGeom>
+        <a:noFill/>
+        <a:ln w="12700" cap="flat" cmpd="sng" algn="ctr">
+          <a:solidFill>
+            <a:schemeClr val="accent1">
+              <a:shade val="60000"/>
+              <a:hueOff val="0"/>
+              <a:satOff val="0"/>
+              <a:lumOff val="0"/>
+              <a:alphaOff val="0"/>
+            </a:schemeClr>
+          </a:solidFill>
+          <a:prstDash val="solid"/>
+          <a:miter lim="800000"/>
+        </a:ln>
+        <a:effectLst/>
+      </dsp:spPr>
+      <dsp:style>
+        <a:lnRef idx="2">
+          <a:scrgbClr r="0" g="0" b="0"/>
+        </a:lnRef>
+        <a:fillRef idx="0">
+          <a:scrgbClr r="0" g="0" b="0"/>
+        </a:fillRef>
+        <a:effectRef idx="0">
+          <a:scrgbClr r="0" g="0" b="0"/>
+        </a:effectRef>
+        <a:fontRef idx="minor"/>
+      </dsp:style>
+    </dsp:sp>
+    <dsp:sp modelId="{72264DC6-E3E7-4DD0-9D3B-FDA8AFAEFC24}">
+      <dsp:nvSpPr>
+        <dsp:cNvPr id="0" name=""/>
+        <dsp:cNvSpPr/>
+      </dsp:nvSpPr>
+      <dsp:spPr>
+        <a:xfrm>
+          <a:off x="4018280" y="2459823"/>
+          <a:ext cx="91440" cy="499020"/>
+        </a:xfrm>
+        <a:custGeom>
+          <a:avLst/>
+          <a:gdLst/>
+          <a:ahLst/>
+          <a:cxnLst/>
+          <a:rect l="0" t="0" r="0" b="0"/>
+          <a:pathLst>
+            <a:path>
+              <a:moveTo>
+                <a:pt x="45720" y="0"/>
+              </a:moveTo>
+              <a:lnTo>
+                <a:pt x="45720" y="499020"/>
+              </a:lnTo>
+            </a:path>
+          </a:pathLst>
+        </a:custGeom>
+        <a:noFill/>
+        <a:ln w="12700" cap="flat" cmpd="sng" algn="ctr">
+          <a:solidFill>
+            <a:schemeClr val="accent1">
+              <a:shade val="60000"/>
+              <a:hueOff val="0"/>
+              <a:satOff val="0"/>
+              <a:lumOff val="0"/>
+              <a:alphaOff val="0"/>
+            </a:schemeClr>
+          </a:solidFill>
+          <a:prstDash val="solid"/>
+          <a:miter lim="800000"/>
+        </a:ln>
+        <a:effectLst/>
+      </dsp:spPr>
+      <dsp:style>
+        <a:lnRef idx="2">
+          <a:scrgbClr r="0" g="0" b="0"/>
+        </a:lnRef>
+        <a:fillRef idx="0">
+          <a:scrgbClr r="0" g="0" b="0"/>
+        </a:fillRef>
+        <a:effectRef idx="0">
+          <a:scrgbClr r="0" g="0" b="0"/>
+        </a:effectRef>
+        <a:fontRef idx="minor"/>
+      </dsp:style>
+    </dsp:sp>
+    <dsp:sp modelId="{F800DED3-CA56-481F-9EBD-310F79C76461}">
+      <dsp:nvSpPr>
+        <dsp:cNvPr id="0" name=""/>
+        <dsp:cNvSpPr/>
+      </dsp:nvSpPr>
+      <dsp:spPr>
+        <a:xfrm>
+          <a:off x="1188690" y="2459823"/>
+          <a:ext cx="2875309" cy="499020"/>
+        </a:xfrm>
+        <a:custGeom>
+          <a:avLst/>
+          <a:gdLst/>
+          <a:ahLst/>
+          <a:cxnLst/>
+          <a:rect l="0" t="0" r="0" b="0"/>
+          <a:pathLst>
+            <a:path>
+              <a:moveTo>
+                <a:pt x="2875309" y="0"/>
+              </a:moveTo>
+              <a:lnTo>
+                <a:pt x="2875309" y="249510"/>
+              </a:lnTo>
+              <a:lnTo>
+                <a:pt x="0" y="249510"/>
+              </a:lnTo>
+              <a:lnTo>
+                <a:pt x="0" y="499020"/>
+              </a:lnTo>
+            </a:path>
+          </a:pathLst>
+        </a:custGeom>
+        <a:noFill/>
+        <a:ln w="12700" cap="flat" cmpd="sng" algn="ctr">
+          <a:solidFill>
+            <a:schemeClr val="accent1">
+              <a:shade val="60000"/>
+              <a:hueOff val="0"/>
+              <a:satOff val="0"/>
+              <a:lumOff val="0"/>
+              <a:alphaOff val="0"/>
+            </a:schemeClr>
+          </a:solidFill>
+          <a:prstDash val="solid"/>
+          <a:miter lim="800000"/>
+        </a:ln>
+        <a:effectLst/>
+      </dsp:spPr>
+      <dsp:style>
+        <a:lnRef idx="2">
+          <a:scrgbClr r="0" g="0" b="0"/>
+        </a:lnRef>
+        <a:fillRef idx="0">
+          <a:scrgbClr r="0" g="0" b="0"/>
+        </a:fillRef>
+        <a:effectRef idx="0">
+          <a:scrgbClr r="0" g="0" b="0"/>
+        </a:effectRef>
+        <a:fontRef idx="minor"/>
+      </dsp:style>
+    </dsp:sp>
+    <dsp:sp modelId="{5E3BAA7D-DF20-4F33-8D98-157B9BD1BBF1}">
+      <dsp:nvSpPr>
+        <dsp:cNvPr id="0" name=""/>
+        <dsp:cNvSpPr/>
+      </dsp:nvSpPr>
+      <dsp:spPr>
+        <a:xfrm>
+          <a:off x="2875855" y="1271678"/>
+          <a:ext cx="2376289" cy="1188144"/>
+        </a:xfrm>
+        <a:prstGeom prst="rect">
+          <a:avLst/>
+        </a:prstGeom>
+        <a:solidFill>
+          <a:schemeClr val="accent1">
+            <a:hueOff val="0"/>
+            <a:satOff val="0"/>
+            <a:lumOff val="0"/>
+            <a:alphaOff val="0"/>
+          </a:schemeClr>
+        </a:solidFill>
+        <a:ln w="12700" cap="flat" cmpd="sng" algn="ctr">
+          <a:solidFill>
+            <a:schemeClr val="lt1">
+              <a:hueOff val="0"/>
+              <a:satOff val="0"/>
+              <a:lumOff val="0"/>
+              <a:alphaOff val="0"/>
+            </a:schemeClr>
+          </a:solidFill>
+          <a:prstDash val="solid"/>
+          <a:miter lim="800000"/>
+        </a:ln>
+        <a:effectLst/>
+      </dsp:spPr>
+      <dsp:style>
+        <a:lnRef idx="2">
+          <a:scrgbClr r="0" g="0" b="0"/>
+        </a:lnRef>
+        <a:fillRef idx="1">
+          <a:scrgbClr r="0" g="0" b="0"/>
+        </a:fillRef>
+        <a:effectRef idx="0">
+          <a:scrgbClr r="0" g="0" b="0"/>
+        </a:effectRef>
+        <a:fontRef idx="minor">
+          <a:schemeClr val="lt1"/>
+        </a:fontRef>
+      </dsp:style>
+      <dsp:txBody>
+        <a:bodyPr spcFirstLastPara="0" vert="horz" wrap="square" lIns="28575" tIns="28575" rIns="28575" bIns="28575" numCol="1" spcCol="1270" anchor="ctr" anchorCtr="0">
+          <a:noAutofit/>
+        </a:bodyPr>
+        <a:lstStyle/>
+        <a:p>
+          <a:pPr lvl="0" algn="ctr" defTabSz="2000250">
+            <a:lnSpc>
+              <a:spcPct val="90000"/>
+            </a:lnSpc>
+            <a:spcBef>
+              <a:spcPct val="0"/>
+            </a:spcBef>
+            <a:spcAft>
+              <a:spcPct val="35000"/>
+            </a:spcAft>
+          </a:pPr>
+          <a:r>
+            <a:rPr lang="zh-CN" altLang="en-US" sz="4500" kern="1200" dirty="0" smtClean="0"/>
+            <a:t>系统方案</a:t>
+          </a:r>
+          <a:endParaRPr lang="zh-CN" altLang="en-US" sz="4500" kern="1200" dirty="0"/>
+        </a:p>
+      </dsp:txBody>
+      <dsp:txXfrm>
+        <a:off x="2875855" y="1271678"/>
+        <a:ext cx="2376289" cy="1188144"/>
+      </dsp:txXfrm>
+    </dsp:sp>
+    <dsp:sp modelId="{A87F71B4-5143-4CD5-9DFF-C5D0FAD6404E}">
+      <dsp:nvSpPr>
+        <dsp:cNvPr id="0" name=""/>
+        <dsp:cNvSpPr/>
+      </dsp:nvSpPr>
+      <dsp:spPr>
+        <a:xfrm>
+          <a:off x="545" y="2958843"/>
+          <a:ext cx="2376289" cy="1188144"/>
+        </a:xfrm>
+        <a:prstGeom prst="rect">
+          <a:avLst/>
+        </a:prstGeom>
+        <a:solidFill>
+          <a:schemeClr val="accent1">
+            <a:hueOff val="0"/>
+            <a:satOff val="0"/>
+            <a:lumOff val="0"/>
+            <a:alphaOff val="0"/>
+          </a:schemeClr>
+        </a:solidFill>
+        <a:ln w="12700" cap="flat" cmpd="sng" algn="ctr">
+          <a:solidFill>
+            <a:schemeClr val="lt1">
+              <a:hueOff val="0"/>
+              <a:satOff val="0"/>
+              <a:lumOff val="0"/>
+              <a:alphaOff val="0"/>
+            </a:schemeClr>
+          </a:solidFill>
+          <a:prstDash val="solid"/>
+          <a:miter lim="800000"/>
+        </a:ln>
+        <a:effectLst/>
+      </dsp:spPr>
+      <dsp:style>
+        <a:lnRef idx="2">
+          <a:scrgbClr r="0" g="0" b="0"/>
+        </a:lnRef>
+        <a:fillRef idx="1">
+          <a:scrgbClr r="0" g="0" b="0"/>
+        </a:fillRef>
+        <a:effectRef idx="0">
+          <a:scrgbClr r="0" g="0" b="0"/>
+        </a:effectRef>
+        <a:fontRef idx="minor">
+          <a:schemeClr val="lt1"/>
+        </a:fontRef>
+      </dsp:style>
+      <dsp:txBody>
+        <a:bodyPr spcFirstLastPara="0" vert="horz" wrap="square" lIns="28575" tIns="28575" rIns="28575" bIns="28575" numCol="1" spcCol="1270" anchor="ctr" anchorCtr="0">
+          <a:noAutofit/>
+        </a:bodyPr>
+        <a:lstStyle/>
+        <a:p>
+          <a:pPr lvl="0" algn="ctr" defTabSz="2000250">
+            <a:lnSpc>
+              <a:spcPct val="90000"/>
+            </a:lnSpc>
+            <a:spcBef>
+              <a:spcPct val="0"/>
+            </a:spcBef>
+            <a:spcAft>
+              <a:spcPct val="35000"/>
+            </a:spcAft>
+          </a:pPr>
+          <a:r>
+            <a:rPr lang="zh-CN" altLang="en-US" sz="4500" kern="1200" dirty="0" smtClean="0"/>
+            <a:t>管理模块</a:t>
+          </a:r>
+          <a:endParaRPr lang="zh-CN" altLang="en-US" sz="4500" kern="1200" dirty="0"/>
+        </a:p>
+      </dsp:txBody>
+      <dsp:txXfrm>
+        <a:off x="545" y="2958843"/>
+        <a:ext cx="2376289" cy="1188144"/>
+      </dsp:txXfrm>
+    </dsp:sp>
+    <dsp:sp modelId="{3FBB1BE8-862A-4874-8128-A2E66C4D3DE9}">
+      <dsp:nvSpPr>
+        <dsp:cNvPr id="0" name=""/>
+        <dsp:cNvSpPr/>
+      </dsp:nvSpPr>
+      <dsp:spPr>
+        <a:xfrm>
+          <a:off x="2875855" y="2958843"/>
+          <a:ext cx="2376289" cy="1188144"/>
+        </a:xfrm>
+        <a:prstGeom prst="rect">
+          <a:avLst/>
+        </a:prstGeom>
+        <a:solidFill>
+          <a:schemeClr val="accent1">
+            <a:hueOff val="0"/>
+            <a:satOff val="0"/>
+            <a:lumOff val="0"/>
+            <a:alphaOff val="0"/>
+          </a:schemeClr>
+        </a:solidFill>
+        <a:ln w="12700" cap="flat" cmpd="sng" algn="ctr">
+          <a:solidFill>
+            <a:schemeClr val="lt1">
+              <a:hueOff val="0"/>
+              <a:satOff val="0"/>
+              <a:lumOff val="0"/>
+              <a:alphaOff val="0"/>
+            </a:schemeClr>
+          </a:solidFill>
+          <a:prstDash val="solid"/>
+          <a:miter lim="800000"/>
+        </a:ln>
+        <a:effectLst/>
+      </dsp:spPr>
+      <dsp:style>
+        <a:lnRef idx="2">
+          <a:scrgbClr r="0" g="0" b="0"/>
+        </a:lnRef>
+        <a:fillRef idx="1">
+          <a:scrgbClr r="0" g="0" b="0"/>
+        </a:fillRef>
+        <a:effectRef idx="0">
+          <a:scrgbClr r="0" g="0" b="0"/>
+        </a:effectRef>
+        <a:fontRef idx="minor">
+          <a:schemeClr val="lt1"/>
+        </a:fontRef>
+      </dsp:style>
+      <dsp:txBody>
+        <a:bodyPr spcFirstLastPara="0" vert="horz" wrap="square" lIns="28575" tIns="28575" rIns="28575" bIns="28575" numCol="1" spcCol="1270" anchor="ctr" anchorCtr="0">
+          <a:noAutofit/>
+        </a:bodyPr>
+        <a:lstStyle/>
+        <a:p>
+          <a:pPr lvl="0" algn="ctr" defTabSz="2000250">
+            <a:lnSpc>
+              <a:spcPct val="90000"/>
+            </a:lnSpc>
+            <a:spcBef>
+              <a:spcPct val="0"/>
+            </a:spcBef>
+            <a:spcAft>
+              <a:spcPct val="35000"/>
+            </a:spcAft>
+          </a:pPr>
+          <a:r>
+            <a:rPr lang="zh-CN" altLang="en-US" sz="4500" kern="1200" dirty="0" smtClean="0"/>
+            <a:t>容器模块</a:t>
+          </a:r>
+          <a:endParaRPr lang="zh-CN" altLang="en-US" sz="4500" kern="1200" dirty="0"/>
+        </a:p>
+      </dsp:txBody>
+      <dsp:txXfrm>
+        <a:off x="2875855" y="2958843"/>
+        <a:ext cx="2376289" cy="1188144"/>
+      </dsp:txXfrm>
+    </dsp:sp>
+    <dsp:sp modelId="{DC1BABBA-9D16-4735-8114-F9695C34C41E}">
+      <dsp:nvSpPr>
+        <dsp:cNvPr id="0" name=""/>
+        <dsp:cNvSpPr/>
+      </dsp:nvSpPr>
+      <dsp:spPr>
+        <a:xfrm>
+          <a:off x="5751165" y="2958843"/>
+          <a:ext cx="2376289" cy="1188144"/>
+        </a:xfrm>
+        <a:prstGeom prst="rect">
+          <a:avLst/>
+        </a:prstGeom>
+        <a:solidFill>
+          <a:schemeClr val="accent1">
+            <a:hueOff val="0"/>
+            <a:satOff val="0"/>
+            <a:lumOff val="0"/>
+            <a:alphaOff val="0"/>
+          </a:schemeClr>
+        </a:solidFill>
+        <a:ln w="12700" cap="flat" cmpd="sng" algn="ctr">
+          <a:solidFill>
+            <a:schemeClr val="lt1">
+              <a:hueOff val="0"/>
+              <a:satOff val="0"/>
+              <a:lumOff val="0"/>
+              <a:alphaOff val="0"/>
+            </a:schemeClr>
+          </a:solidFill>
+          <a:prstDash val="solid"/>
+          <a:miter lim="800000"/>
+        </a:ln>
+        <a:effectLst/>
+      </dsp:spPr>
+      <dsp:style>
+        <a:lnRef idx="2">
+          <a:scrgbClr r="0" g="0" b="0"/>
+        </a:lnRef>
+        <a:fillRef idx="1">
+          <a:scrgbClr r="0" g="0" b="0"/>
+        </a:fillRef>
+        <a:effectRef idx="0">
+          <a:scrgbClr r="0" g="0" b="0"/>
+        </a:effectRef>
+        <a:fontRef idx="minor">
+          <a:schemeClr val="lt1"/>
+        </a:fontRef>
+      </dsp:style>
+      <dsp:txBody>
+        <a:bodyPr spcFirstLastPara="0" vert="horz" wrap="square" lIns="28575" tIns="28575" rIns="28575" bIns="28575" numCol="1" spcCol="1270" anchor="ctr" anchorCtr="0">
+          <a:noAutofit/>
+        </a:bodyPr>
+        <a:lstStyle/>
+        <a:p>
+          <a:pPr lvl="0" algn="ctr" defTabSz="2000250">
+            <a:lnSpc>
+              <a:spcPct val="90000"/>
+            </a:lnSpc>
+            <a:spcBef>
+              <a:spcPct val="0"/>
+            </a:spcBef>
+            <a:spcAft>
+              <a:spcPct val="35000"/>
+            </a:spcAft>
+          </a:pPr>
+          <a:r>
+            <a:rPr lang="zh-CN" altLang="en-US" sz="4500" kern="1200" dirty="0" smtClean="0"/>
+            <a:t>调度模块</a:t>
+          </a:r>
+          <a:endParaRPr lang="zh-CN" altLang="en-US" sz="4500" kern="1200" dirty="0"/>
+        </a:p>
+      </dsp:txBody>
+      <dsp:txXfrm>
+        <a:off x="5751165" y="2958843"/>
+        <a:ext cx="2376289" cy="1188144"/>
+      </dsp:txXfrm>
+    </dsp:sp>
+  </dsp:spTree>
+</dsp:drawing>
+</file>
+
+<file path=ppt/diagrams/layout1.xml><?xml version="1.0" encoding="utf-8"?>
+<dgm:layoutDef xmlns:dgm="http://schemas.openxmlformats.org/drawingml/2006/diagram" xmlns:a="http://schemas.openxmlformats.org/drawingml/2006/main" uniqueId="urn:microsoft.com/office/officeart/2005/8/layout/orgChart1">
+  <dgm:title val=""/>
+  <dgm:desc val=""/>
+  <dgm:catLst>
+    <dgm:cat type="hierarchy" pri="1000"/>
+    <dgm:cat type="convert" pri="6000"/>
+  </dgm:catLst>
+  <dgm:sampData>
+    <dgm:dataModel>
+      <dgm:ptLst>
+        <dgm:pt modelId="0" type="doc"/>
+        <dgm:pt modelId="1">
+          <dgm:prSet phldr="1"/>
+        </dgm:pt>
+        <dgm:pt modelId="2" type="asst">
+          <dgm:prSet phldr="1"/>
+        </dgm:pt>
+        <dgm:pt modelId="3">
+          <dgm:prSet phldr="1"/>
+        </dgm:pt>
+        <dgm:pt modelId="4">
+          <dgm:prSet phldr="1"/>
+        </dgm:pt>
+        <dgm:pt modelId="5">
+          <dgm:prSet phldr="1"/>
+        </dgm:pt>
+      </dgm:ptLst>
+      <dgm:cxnLst>
+        <dgm:cxn modelId="5" srcId="0" destId="1" srcOrd="0" destOrd="0"/>
+        <dgm:cxn modelId="6" srcId="1" destId="2" srcOrd="0" destOrd="0"/>
+        <dgm:cxn modelId="7" srcId="1" destId="3" srcOrd="1" destOrd="0"/>
+        <dgm:cxn modelId="8" srcId="1" destId="4" srcOrd="2" destOrd="0"/>
+        <dgm:cxn modelId="9" srcId="1" destId="5" srcOrd="3" destOrd="0"/>
+      </dgm:cxnLst>
+      <dgm:bg/>
+      <dgm:whole/>
+    </dgm:dataModel>
+  </dgm:sampData>
+  <dgm:styleData>
+    <dgm:dataModel>
+      <dgm:ptLst>
+        <dgm:pt modelId="0" type="doc"/>
+        <dgm:pt modelId="1"/>
+        <dgm:pt modelId="12"/>
+        <dgm:pt modelId="13"/>
+      </dgm:ptLst>
+      <dgm:cxnLst>
+        <dgm:cxn modelId="2" srcId="0" destId="1" srcOrd="0" destOrd="0"/>
+        <dgm:cxn modelId="16" srcId="1" destId="12" srcOrd="1" destOrd="0"/>
+        <dgm:cxn modelId="17" srcId="1" destId="13" srcOrd="2" destOrd="0"/>
+      </dgm:cxnLst>
+      <dgm:bg/>
+      <dgm:whole/>
+    </dgm:dataModel>
+  </dgm:styleData>
+  <dgm:clrData>
+    <dgm:dataModel>
+      <dgm:ptLst>
+        <dgm:pt modelId="0" type="doc"/>
+        <dgm:pt modelId="1"/>
+        <dgm:pt modelId="11" type="asst"/>
+        <dgm:pt modelId="12"/>
+        <dgm:pt modelId="13"/>
+        <dgm:pt modelId="14"/>
+      </dgm:ptLst>
+      <dgm:cxnLst>
+        <dgm:cxn modelId="2" srcId="0" destId="1" srcOrd="0" destOrd="0"/>
+        <dgm:cxn modelId="15" srcId="1" destId="11" srcOrd="0" destOrd="0"/>
+        <dgm:cxn modelId="16" srcId="1" destId="12" srcOrd="1" destOrd="0"/>
+        <dgm:cxn modelId="17" srcId="1" destId="13" srcOrd="2" destOrd="0"/>
+        <dgm:cxn modelId="18" srcId="1" destId="14" srcOrd="2" destOrd="0"/>
+      </dgm:cxnLst>
+      <dgm:bg/>
+      <dgm:whole/>
+    </dgm:dataModel>
+  </dgm:clrData>
+  <dgm:layoutNode name="hierChild1">
+    <dgm:varLst>
+      <dgm:orgChart val="1"/>
+      <dgm:chPref val="1"/>
+      <dgm:dir/>
+      <dgm:animOne val="branch"/>
+      <dgm:animLvl val="lvl"/>
+      <dgm:resizeHandles/>
+    </dgm:varLst>
+    <dgm:choose name="Name0">
+      <dgm:if name="Name1" func="var" arg="dir" op="equ" val="norm">
+        <dgm:alg type="hierChild">
+          <dgm:param type="linDir" val="fromL"/>
+        </dgm:alg>
+      </dgm:if>
+      <dgm:else name="Name2">
+        <dgm:alg type="hierChild">
+          <dgm:param type="linDir" val="fromR"/>
+        </dgm:alg>
+      </dgm:else>
+    </dgm:choose>
+    <dgm:shape xmlns:r="http://schemas.openxmlformats.org/officeDocument/2006/relationships" r:blip="">
+      <dgm:adjLst/>
+    </dgm:shape>
+    <dgm:presOf/>
+    <dgm:constrLst>
+      <dgm:constr type="w" for="des" forName="rootComposite1" refType="w" fact="10"/>
+      <dgm:constr type="h" for="des" forName="rootComposite1" refType="w" refFor="des" refForName="rootComposite1" fact="0.5"/>
+      <dgm:constr type="w" for="des" forName="rootComposite" refType="w" fact="10"/>
+      <dgm:constr type="h" for="des" forName="rootComposite" refType="w" refFor="des" refForName="rootComposite1" fact="0.5"/>
+      <dgm:constr type="w" for="des" forName="rootComposite3" refType="w" fact="10"/>
+      <dgm:constr type="h" for="des" forName="rootComposite3" refType="w" refFor="des" refForName="rootComposite1" fact="0.5"/>
+      <dgm:constr type="primFontSz" for="des" ptType="node" op="equ"/>
+      <dgm:constr type="sp" for="des" op="equ"/>
+      <dgm:constr type="sp" for="des" forName="hierRoot1" refType="w" refFor="des" refForName="rootComposite1" fact="0.21"/>
+      <dgm:constr type="sp" for="des" forName="hierRoot2" refType="sp" refFor="des" refForName="hierRoot1"/>
+      <dgm:constr type="sp" for="des" forName="hierRoot3" refType="sp" refFor="des" refForName="hierRoot1"/>
+      <dgm:constr type="sibSp" refType="w" refFor="des" refForName="rootComposite1" fact="0.21"/>
+      <dgm:constr type="sibSp" for="des" forName="hierChild2" refType="sibSp"/>
+      <dgm:constr type="sibSp" for="des" forName="hierChild3" refType="sibSp"/>
+      <dgm:constr type="sibSp" for="des" forName="hierChild4" refType="sibSp"/>
+      <dgm:constr type="sibSp" for="des" forName="hierChild5" refType="sibSp"/>
+      <dgm:constr type="sibSp" for="des" forName="hierChild6" refType="sibSp"/>
+      <dgm:constr type="sibSp" for="des" forName="hierChild7" refType="sibSp"/>
+      <dgm:constr type="secSibSp" refType="w" refFor="des" refForName="rootComposite1" fact="0.21"/>
+      <dgm:constr type="secSibSp" for="des" forName="hierChild2" refType="secSibSp"/>
+      <dgm:constr type="secSibSp" for="des" forName="hierChild3" refType="secSibSp"/>
+      <dgm:constr type="secSibSp" for="des" forName="hierChild4" refType="secSibSp"/>
+      <dgm:constr type="secSibSp" for="des" forName="hierChild5" refType="secSibSp"/>
+      <dgm:constr type="secSibSp" for="des" forName="hierChild6" refType="secSibSp"/>
+      <dgm:constr type="secSibSp" for="des" forName="hierChild7" refType="secSibSp"/>
+    </dgm:constrLst>
+    <dgm:ruleLst/>
+    <dgm:forEach name="Name3" axis="ch">
+      <dgm:forEach name="Name4" axis="self" ptType="node">
+        <dgm:layoutNode name="hierRoot1">
+          <dgm:varLst>
+            <dgm:hierBranch val="init"/>
+          </dgm:varLst>
+          <dgm:choose name="Name5">
+            <dgm:if name="Name6" func="var" arg="hierBranch" op="equ" val="l">
+              <dgm:choose name="Name7">
+                <dgm:if name="Name8" axis="ch" ptType="asst" func="cnt" op="gte" val="1">
+                  <dgm:alg type="hierRoot">
+                    <dgm:param type="hierAlign" val="tR"/>
+                  </dgm:alg>
+                  <dgm:constrLst>
+                    <dgm:constr type="alignOff" val="0.65"/>
+                  </dgm:constrLst>
+                </dgm:if>
+                <dgm:else name="Name9">
+                  <dgm:alg type="hierRoot">
+                    <dgm:param type="hierAlign" val="tR"/>
+                  </dgm:alg>
+                  <dgm:constrLst>
+                    <dgm:constr type="alignOff" val="0.25"/>
+                  </dgm:constrLst>
+                </dgm:else>
+              </dgm:choose>
+            </dgm:if>
+            <dgm:if name="Name10" func="var" arg="hierBranch" op="equ" val="r">
+              <dgm:choose name="Name11">
+                <dgm:if name="Name12" axis="ch" ptType="asst" func="cnt" op="gte" val="1">
+                  <dgm:alg type="hierRoot">
+                    <dgm:param type="hierAlign" val="tL"/>
+                  </dgm:alg>
+                  <dgm:constrLst>
+                    <dgm:constr type="alignOff" val="0.65"/>
+                  </dgm:constrLst>
+                </dgm:if>
+                <dgm:else name="Name13">
+                  <dgm:alg type="hierRoot">
+                    <dgm:param type="hierAlign" val="tL"/>
+                  </dgm:alg>
+                  <dgm:constrLst>
+                    <dgm:constr type="alignOff" val="0.25"/>
+                  </dgm:constrLst>
+                </dgm:else>
+              </dgm:choose>
+            </dgm:if>
+            <dgm:if name="Name14" func="var" arg="hierBranch" op="equ" val="hang">
+              <dgm:alg type="hierRoot"/>
+              <dgm:constrLst>
+                <dgm:constr type="alignOff" val="0.65"/>
+              </dgm:constrLst>
+            </dgm:if>
+            <dgm:else name="Name15">
+              <dgm:alg type="hierRoot"/>
+              <dgm:constrLst>
+                <dgm:constr type="alignOff"/>
+                <dgm:constr type="bendDist" for="des" ptType="parTrans" refType="sp" fact="0.5"/>
+              </dgm:constrLst>
+            </dgm:else>
+          </dgm:choose>
+          <dgm:shape xmlns:r="http://schemas.openxmlformats.org/officeDocument/2006/relationships" r:blip="">
+            <dgm:adjLst/>
+          </dgm:shape>
+          <dgm:presOf/>
+          <dgm:ruleLst/>
+          <dgm:layoutNode name="rootComposite1">
+            <dgm:alg type="composite"/>
+            <dgm:shape xmlns:r="http://schemas.openxmlformats.org/officeDocument/2006/relationships" r:blip="">
+              <dgm:adjLst/>
+            </dgm:shape>
+            <dgm:presOf axis="self" ptType="node" cnt="1"/>
+            <dgm:choose name="Name16">
+              <dgm:if name="Name17" func="var" arg="hierBranch" op="equ" val="init">
+                <dgm:constrLst>
+                  <dgm:constr type="l" for="ch" forName="rootText1"/>
+                  <dgm:constr type="t" for="ch" forName="rootText1"/>
+                  <dgm:constr type="w" for="ch" forName="rootText1" refType="w"/>
+                  <dgm:constr type="h" for="ch" forName="rootText1" refType="h"/>
+                  <dgm:constr type="l" for="ch" forName="rootConnector1"/>
+                  <dgm:constr type="t" for="ch" forName="rootConnector1"/>
+                  <dgm:constr type="w" for="ch" forName="rootConnector1" refType="w" refFor="ch" refForName="rootText1" fact="0.2"/>
+                  <dgm:constr type="h" for="ch" forName="rootConnector1" refType="h" refFor="ch" refForName="rootText1"/>
+                </dgm:constrLst>
+              </dgm:if>
+              <dgm:if name="Name18" func="var" arg="hierBranch" op="equ" val="l">
+                <dgm:constrLst>
+                  <dgm:constr type="l" for="ch" forName="rootText1"/>
+                  <dgm:constr type="t" for="ch" forName="rootText1"/>
+                  <dgm:constr type="w" for="ch" forName="rootText1" refType="w"/>
+                  <dgm:constr type="h" for="ch" forName="rootText1" refType="h"/>
+                  <dgm:constr type="r" for="ch" forName="rootConnector1" refType="w"/>
+                  <dgm:constr type="t" for="ch" forName="rootConnector1"/>
+                  <dgm:constr type="w" for="ch" forName="rootConnector1" refType="w" refFor="ch" refForName="rootText1" fact="0.2"/>
+                  <dgm:constr type="h" for="ch" forName="rootConnector1" refType="h" refFor="ch" refForName="rootText1"/>
+                </dgm:constrLst>
+              </dgm:if>
+              <dgm:if name="Name19" func="var" arg="hierBranch" op="equ" val="r">
+                <dgm:constrLst>
+                  <dgm:constr type="l" for="ch" forName="rootText1"/>
+                  <dgm:constr type="t" for="ch" forName="rootText1"/>
+                  <dgm:constr type="w" for="ch" forName="rootText1" refType="w"/>
+                  <dgm:constr type="h" for="ch" forName="rootText1" refType="h"/>
+                  <dgm:constr type="l" for="ch" forName="rootConnector1"/>
+                  <dgm:constr type="t" for="ch" forName="rootConnector1"/>
+                  <dgm:constr type="w" for="ch" forName="rootConnector1" refType="w" refFor="ch" refForName="rootText1" fact="0.2"/>
+                  <dgm:constr type="h" for="ch" forName="rootConnector1" refType="h" refFor="ch" refForName="rootText1"/>
+                </dgm:constrLst>
+              </dgm:if>
+              <dgm:else name="Name20">
+                <dgm:constrLst>
+                  <dgm:constr type="l" for="ch" forName="rootText1"/>
+                  <dgm:constr type="t" for="ch" forName="rootText1"/>
+                  <dgm:constr type="w" for="ch" forName="rootText1" refType="w"/>
+                  <dgm:constr type="h" for="ch" forName="rootText1" refType="h"/>
+                  <dgm:constr type="r" for="ch" forName="rootConnector1" refType="w"/>
+                  <dgm:constr type="t" for="ch" forName="rootConnector1"/>
+                  <dgm:constr type="w" for="ch" forName="rootConnector1" refType="w" refFor="ch" refForName="rootText1" fact="0.2"/>
+                  <dgm:constr type="h" for="ch" forName="rootConnector1" refType="h" refFor="ch" refForName="rootText1"/>
+                </dgm:constrLst>
+              </dgm:else>
+            </dgm:choose>
+            <dgm:ruleLst/>
+            <dgm:layoutNode name="rootText1" styleLbl="node0">
+              <dgm:varLst>
+                <dgm:chPref val="3"/>
+              </dgm:varLst>
+              <dgm:alg type="tx"/>
+              <dgm:shape xmlns:r="http://schemas.openxmlformats.org/officeDocument/2006/relationships" type="rect" r:blip="">
+                <dgm:adjLst/>
+              </dgm:shape>
+              <dgm:presOf axis="self" ptType="node" cnt="1"/>
+              <dgm:constrLst>
+                <dgm:constr type="primFontSz" val="65"/>
+                <dgm:constr type="lMarg" refType="primFontSz" fact="0.05"/>
+                <dgm:constr type="rMarg" refType="primFontSz" fact="0.05"/>
+                <dgm:constr type="tMarg" refType="primFontSz" fact="0.05"/>
+                <dgm:constr type="bMarg" refType="primFontSz" fact="0.05"/>
+              </dgm:constrLst>
+              <dgm:ruleLst>
+                <dgm:rule type="primFontSz" val="5" fact="NaN" max="NaN"/>
+              </dgm:ruleLst>
+            </dgm:layoutNode>
+            <dgm:layoutNode name="rootConnector1" moveWith="rootText1">
+              <dgm:alg type="sp"/>
+              <dgm:shape xmlns:r="http://schemas.openxmlformats.org/officeDocument/2006/relationships" type="rect" r:blip="" hideGeom="1">
+                <dgm:adjLst/>
+              </dgm:shape>
+              <dgm:presOf axis="self" ptType="node" cnt="1"/>
+              <dgm:constrLst/>
+              <dgm:ruleLst/>
+            </dgm:layoutNode>
+          </dgm:layoutNode>
+          <dgm:layoutNode name="hierChild2">
+            <dgm:choose name="Name21">
+              <dgm:if name="Name22" func="var" arg="hierBranch" op="equ" val="l">
+                <dgm:alg type="hierChild">
+                  <dgm:param type="chAlign" val="r"/>
+                  <dgm:param type="linDir" val="fromT"/>
+                </dgm:alg>
+              </dgm:if>
+              <dgm:if name="Name23" func="var" arg="hierBranch" op="equ" val="r">
+                <dgm:alg type="hierChild">
+                  <dgm:param type="chAlign" val="l"/>
+                  <dgm:param type="linDir" val="fromT"/>
+                </dgm:alg>
+              </dgm:if>
+              <dgm:if name="Name24" func="var" arg="hierBranch" op="equ" val="hang">
+                <dgm:choose name="Name25">
+                  <dgm:if name="Name26" func="var" arg="dir" op="equ" val="norm">
+                    <dgm:alg type="hierChild">
+                      <dgm:param type="chAlign" val="l"/>
+                      <dgm:param type="linDir" val="fromL"/>
+                      <dgm:param type="secChAlign" val="t"/>
+                      <dgm:param type="secLinDir" val="fromT"/>
+                    </dgm:alg>
+                  </dgm:if>
+                  <dgm:else name="Name27">
+                    <dgm:alg type="hierChild">
+                      <dgm:param type="chAlign" val="l"/>
+                      <dgm:param type="linDir" val="fromR"/>
+                      <dgm:param type="secChAlign" val="t"/>
+                      <dgm:param type="secLinDir" val="fromT"/>
+                    </dgm:alg>
+                  </dgm:else>
+                </dgm:choose>
+              </dgm:if>
+              <dgm:else name="Name28">
+                <dgm:choose name="Name29">
+                  <dgm:if name="Name30" func="var" arg="dir" op="equ" val="norm">
+                    <dgm:alg type="hierChild"/>
+                  </dgm:if>
+                  <dgm:else name="Name31">
+                    <dgm:alg type="hierChild">
+                      <dgm:param type="linDir" val="fromR"/>
+                    </dgm:alg>
+                  </dgm:else>
+                </dgm:choose>
+              </dgm:else>
+            </dgm:choose>
+            <dgm:shape xmlns:r="http://schemas.openxmlformats.org/officeDocument/2006/relationships" r:blip="">
+              <dgm:adjLst/>
+            </dgm:shape>
+            <dgm:presOf/>
+            <dgm:constrLst/>
+            <dgm:ruleLst/>
+            <dgm:forEach name="rep2a" axis="ch" ptType="nonAsst">
+              <dgm:forEach name="Name32" axis="precedSib" ptType="parTrans" st="-1" cnt="1">
+                <dgm:choose name="Name33">
+                  <dgm:if name="Name34" func="var" arg="hierBranch" op="equ" val="std">
+                    <dgm:layoutNode name="Name35">
+                      <dgm:alg type="conn">
+                        <dgm:param type="connRout" val="bend"/>
+                        <dgm:param type="dim" val="1D"/>
+                        <dgm:param type="endSty" val="noArr"/>
+                        <dgm:param type="begPts" val="bCtr"/>
+                        <dgm:param type="endPts" val="tCtr"/>
+                        <dgm:param type="bendPt" val="end"/>
+                      </dgm:alg>
+                      <dgm:shape xmlns:r="http://schemas.openxmlformats.org/officeDocument/2006/relationships" type="conn" r:blip="" zOrderOff="-99999">
+                        <dgm:adjLst/>
+                      </dgm:shape>
+                      <dgm:presOf axis="self"/>
+                      <dgm:constrLst>
+                        <dgm:constr type="begPad"/>
+                        <dgm:constr type="endPad"/>
+                      </dgm:constrLst>
+                      <dgm:ruleLst/>
+                    </dgm:layoutNode>
+                  </dgm:if>
+                  <dgm:if name="Name36" func="var" arg="hierBranch" op="equ" val="init">
+                    <dgm:layoutNode name="Name37">
+                      <dgm:choose name="Name38">
+                        <dgm:if name="Name39" axis="self" func="depth" op="lte" val="2">
+                          <dgm:alg type="conn">
+                            <dgm:param type="connRout" val="bend"/>
+                            <dgm:param type="dim" val="1D"/>
+                            <dgm:param type="endSty" val="noArr"/>
+                            <dgm:param type="begPts" val="bCtr"/>
+                            <dgm:param type="endPts" val="tCtr"/>
+                            <dgm:param type="bendPt" val="end"/>
+                          </dgm:alg>
+                        </dgm:if>
+                        <dgm:else name="Name40">
+                          <dgm:choose name="Name41">
+                            <dgm:if name="Name42" axis="par des" func="maxDepth" op="lte" val="1">
+                              <dgm:choose name="Name43">
+                                <dgm:if name="Name44" axis="par ch" ptType="node asst" func="cnt" op="gte" val="1">
+                                  <dgm:alg type="conn">
+                                    <dgm:param type="connRout" val="bend"/>
+                                    <dgm:param type="dim" val="1D"/>
+                                    <dgm:param type="endSty" val="noArr"/>
+                                    <dgm:param type="begPts" val="bCtr"/>
+                                    <dgm:param type="endPts" val="midL midR"/>
+                                  </dgm:alg>
+                                </dgm:if>
+                                <dgm:else name="Name45">
+                                  <dgm:alg type="conn">
+                                    <dgm:param type="connRout" val="bend"/>
+                                    <dgm:param type="dim" val="1D"/>
+                                    <dgm:param type="endSty" val="noArr"/>
+                                    <dgm:param type="begPts" val="bCtr"/>
+                                    <dgm:param type="endPts" val="midL midR"/>
+                                    <dgm:param type="srcNode" val="rootConnector"/>
+                                  </dgm:alg>
+                                </dgm:else>
+                              </dgm:choose>
+                            </dgm:if>
+                            <dgm:else name="Name46">
+                              <dgm:alg type="conn">
+                                <dgm:param type="connRout" val="bend"/>
+                                <dgm:param type="dim" val="1D"/>
+                                <dgm:param type="endSty" val="noArr"/>
+                                <dgm:param type="begPts" val="bCtr"/>
+                                <dgm:param type="endPts" val="tCtr"/>
+                                <dgm:param type="bendPt" val="end"/>
+                              </dgm:alg>
+                            </dgm:else>
+                          </dgm:choose>
+                        </dgm:else>
+                      </dgm:choose>
+                      <dgm:shape xmlns:r="http://schemas.openxmlformats.org/officeDocument/2006/relationships" type="conn" r:blip="" zOrderOff="-99999">
+                        <dgm:adjLst/>
+                      </dgm:shape>
+                      <dgm:presOf axis="self"/>
+                      <dgm:constrLst>
+                        <dgm:constr type="begPad"/>
+                        <dgm:constr type="endPad"/>
+                      </dgm:constrLst>
+                      <dgm:ruleLst/>
+                    </dgm:layoutNode>
+                  </dgm:if>
+                  <dgm:if name="Name47" func="var" arg="hierBranch" op="equ" val="hang">
+                    <dgm:layoutNode name="Name48">
+                      <dgm:alg type="conn">
+                        <dgm:param type="connRout" val="bend"/>
+                        <dgm:param type="dim" val="1D"/>
+                        <dgm:param type="endSty" val="noArr"/>
+                        <dgm:param type="begPts" val="bCtr"/>
+                        <dgm:param type="endPts" val="midL midR"/>
+                      </dgm:alg>
+                      <dgm:shape xmlns:r="http://schemas.openxmlformats.org/officeDocument/2006/relationships" type="conn" r:blip="" zOrderOff="-99999">
+                        <dgm:adjLst/>
+                      </dgm:shape>
+                      <dgm:presOf axis="self"/>
+                      <dgm:constrLst>
+                        <dgm:constr type="begPad"/>
+                        <dgm:constr type="endPad"/>
+                      </dgm:constrLst>
+                      <dgm:ruleLst/>
+                    </dgm:layoutNode>
+                  </dgm:if>
+                  <dgm:else name="Name49">
+                    <dgm:layoutNode name="Name50">
+                      <dgm:choose name="Name51">
+                        <dgm:if name="Name52" axis="self" func="depth" op="lte" val="2">
+                          <dgm:choose name="Name53">
+                            <dgm:if name="Name54" axis="par ch" ptType="node asst" func="cnt" op="gte" val="1">
+                              <dgm:alg type="conn">
+                                <dgm:param type="connRout" val="bend"/>
+                                <dgm:param type="dim" val="1D"/>
+                                <dgm:param type="endSty" val="noArr"/>
+                                <dgm:param type="begPts" val="bCtr"/>
+                                <dgm:param type="endPts" val="midL midR"/>
+                              </dgm:alg>
+                            </dgm:if>
+                            <dgm:else name="Name55">
+                              <dgm:alg type="conn">
+                                <dgm:param type="connRout" val="bend"/>
+                                <dgm:param type="dim" val="1D"/>
+                                <dgm:param type="endSty" val="noArr"/>
+                                <dgm:param type="begPts" val="bCtr"/>
+                                <dgm:param type="endPts" val="midL midR"/>
+                                <dgm:param type="srcNode" val="rootConnector1"/>
+                              </dgm:alg>
+                            </dgm:else>
+                          </dgm:choose>
+                        </dgm:if>
+                        <dgm:else name="Name56">
+                          <dgm:choose name="Name57">
+                            <dgm:if name="Name58" axis="par ch" ptType="node asst" func="cnt" op="gte" val="1">
+                              <dgm:alg type="conn">
+                                <dgm:param type="connRout" val="bend"/>
+                                <dgm:param type="dim" val="1D"/>
+                                <dgm:param type="endSty" val="noArr"/>
+                                <dgm:param type="begPts" val="bCtr"/>
+                                <dgm:param type="endPts" val="midL midR"/>
+                              </dgm:alg>
+                            </dgm:if>
+                            <dgm:else name="Name59">
+                              <dgm:alg type="conn">
+                                <dgm:param type="connRout" val="bend"/>
+                                <dgm:param type="dim" val="1D"/>
+                                <dgm:param type="endSty" val="noArr"/>
+                                <dgm:param type="begPts" val="bCtr"/>
+                                <dgm:param type="endPts" val="midL midR"/>
+                                <dgm:param type="srcNode" val="rootConnector"/>
+                              </dgm:alg>
+                            </dgm:else>
+                          </dgm:choose>
+                        </dgm:else>
+                      </dgm:choose>
+                      <dgm:shape xmlns:r="http://schemas.openxmlformats.org/officeDocument/2006/relationships" type="conn" r:blip="" zOrderOff="-99999">
+                        <dgm:adjLst/>
+                      </dgm:shape>
+                      <dgm:presOf axis="self"/>
+                      <dgm:constrLst>
+                        <dgm:constr type="begPad"/>
+                        <dgm:constr type="endPad"/>
+                      </dgm:constrLst>
+                      <dgm:ruleLst/>
+                    </dgm:layoutNode>
+                  </dgm:else>
+                </dgm:choose>
+              </dgm:forEach>
+              <dgm:layoutNode name="hierRoot2">
+                <dgm:varLst>
+                  <dgm:hierBranch val="init"/>
+                </dgm:varLst>
+                <dgm:choose name="Name60">
+                  <dgm:if name="Name61" func="var" arg="hierBranch" op="equ" val="l">
+                    <dgm:choose name="Name62">
+                      <dgm:if name="Name63" axis="ch" ptType="asst" func="cnt" op="gte" val="1">
+                        <dgm:alg type="hierRoot">
+                          <dgm:param type="hierAlign" val="tR"/>
+                        </dgm:alg>
+                        <dgm:shape xmlns:r="http://schemas.openxmlformats.org/officeDocument/2006/relationships" r:blip="">
+                          <dgm:adjLst/>
+                        </dgm:shape>
+                        <dgm:presOf/>
+                        <dgm:constrLst>
+                          <dgm:constr type="alignOff" val="0.65"/>
+                        </dgm:constrLst>
+                      </dgm:if>
+                      <dgm:else name="Name64">
+                        <dgm:alg type="hierRoot">
+                          <dgm:param type="hierAlign" val="tR"/>
+                        </dgm:alg>
+                        <dgm:shape xmlns:r="http://schemas.openxmlformats.org/officeDocument/2006/relationships" r:blip="">
+                          <dgm:adjLst/>
+                        </dgm:shape>
+                        <dgm:presOf/>
+                        <dgm:constrLst>
+                          <dgm:constr type="alignOff" val="0.25"/>
+                        </dgm:constrLst>
+                      </dgm:else>
+                    </dgm:choose>
+                  </dgm:if>
+                  <dgm:if name="Name65" func="var" arg="hierBranch" op="equ" val="r">
+                    <dgm:choose name="Name66">
+                      <dgm:if name="Name67" axis="ch" ptType="asst" func="cnt" op="gte" val="1">
+                        <dgm:alg type="hierRoot">
+                          <dgm:param type="hierAlign" val="tL"/>
+                        </dgm:alg>
+                        <dgm:shape xmlns:r="http://schemas.openxmlformats.org/officeDocument/2006/relationships" r:blip="">
+                          <dgm:adjLst/>
+                        </dgm:shape>
+                        <dgm:presOf/>
+                        <dgm:constrLst>
+                          <dgm:constr type="alignOff" val="0.65"/>
+                        </dgm:constrLst>
+                      </dgm:if>
+                      <dgm:else name="Name68">
+                        <dgm:alg type="hierRoot">
+                          <dgm:param type="hierAlign" val="tL"/>
+                        </dgm:alg>
+                        <dgm:shape xmlns:r="http://schemas.openxmlformats.org/officeDocument/2006/relationships" r:blip="">
+                          <dgm:adjLst/>
+                        </dgm:shape>
+                        <dgm:presOf/>
+                        <dgm:constrLst>
+                          <dgm:constr type="alignOff" val="0.25"/>
+                        </dgm:constrLst>
+                      </dgm:else>
+                    </dgm:choose>
+                  </dgm:if>
+                  <dgm:if name="Name69" func="var" arg="hierBranch" op="equ" val="std">
+                    <dgm:alg type="hierRoot"/>
+                    <dgm:shape xmlns:r="http://schemas.openxmlformats.org/officeDocument/2006/relationships" r:blip="">
+                      <dgm:adjLst/>
+                    </dgm:shape>
+                    <dgm:presOf/>
+                    <dgm:constrLst>
+                      <dgm:constr type="alignOff"/>
+                      <dgm:constr type="bendDist" for="des" ptType="parTrans" refType="sp" fact="0.5"/>
+                    </dgm:constrLst>
+                  </dgm:if>
+                  <dgm:if name="Name70" func="var" arg="hierBranch" op="equ" val="init">
+                    <dgm:choose name="Name71">
+                      <dgm:if name="Name72" axis="des" func="maxDepth" op="lte" val="1">
+                        <dgm:choose name="Name73">
+                          <dgm:if name="Name74" axis="ch" ptType="asst" func="cnt" op="gte" val="1">
+                            <dgm:alg type="hierRoot">
+                              <dgm:param type="hierAlign" val="tL"/>
+                            </dgm:alg>
+                            <dgm:shape xmlns:r="http://schemas.openxmlformats.org/officeDocument/2006/relationships" r:blip="">
+                              <dgm:adjLst/>
+                            </dgm:shape>
+                            <dgm:presOf/>
+                            <dgm:constrLst>
+                              <dgm:constr type="alignOff" val="0.65"/>
+                            </dgm:constrLst>
+                          </dgm:if>
+                          <dgm:else name="Name75">
+                            <dgm:alg type="hierRoot">
+                              <dgm:param type="hierAlign" val="tL"/>
+                            </dgm:alg>
+                            <dgm:shape xmlns:r="http://schemas.openxmlformats.org/officeDocument/2006/relationships" r:blip="">
+                              <dgm:adjLst/>
+                            </dgm:shape>
+                            <dgm:presOf/>
+                            <dgm:constrLst>
+                              <dgm:constr type="alignOff" val="0.25"/>
+                            </dgm:constrLst>
+                          </dgm:else>
+                        </dgm:choose>
+                      </dgm:if>
+                      <dgm:else name="Name76">
+                        <dgm:alg type="hierRoot"/>
+                        <dgm:shape xmlns:r="http://schemas.openxmlformats.org/officeDocument/2006/relationships" r:blip="">
+                          <dgm:adjLst/>
+                        </dgm:shape>
+                        <dgm:presOf/>
+                        <dgm:constrLst>
+                          <dgm:constr type="alignOff"/>
+                          <dgm:constr type="bendDist" for="des" ptType="parTrans" refType="sp" fact="0.5"/>
+                        </dgm:constrLst>
+                      </dgm:else>
+                    </dgm:choose>
+                  </dgm:if>
+                  <dgm:else name="Name77">
+                    <dgm:alg type="hierRoot"/>
+                    <dgm:shape xmlns:r="http://schemas.openxmlformats.org/officeDocument/2006/relationships" r:blip="">
+                      <dgm:adjLst/>
+                    </dgm:shape>
+                    <dgm:presOf/>
+                    <dgm:constrLst>
+                      <dgm:constr type="alignOff" val="0.65"/>
+                    </dgm:constrLst>
+                  </dgm:else>
+                </dgm:choose>
+                <dgm:ruleLst/>
+                <dgm:layoutNode name="rootComposite">
+                  <dgm:alg type="composite"/>
+                  <dgm:shape xmlns:r="http://schemas.openxmlformats.org/officeDocument/2006/relationships" r:blip="">
+                    <dgm:adjLst/>
+                  </dgm:shape>
+                  <dgm:presOf axis="self" ptType="node" cnt="1"/>
+                  <dgm:choose name="Name78">
+                    <dgm:if name="Name79" func="var" arg="hierBranch" op="equ" val="init">
+                      <dgm:constrLst>
+                        <dgm:constr type="l" for="ch" forName="rootText"/>
+                        <dgm:constr type="t" for="ch" forName="rootText"/>
+                        <dgm:constr type="w" for="ch" forName="rootText" refType="w"/>
+                        <dgm:constr type="h" for="ch" forName="rootText" refType="h"/>
+                        <dgm:constr type="l" for="ch" forName="rootConnector"/>
+                        <dgm:constr type="t" for="ch" forName="rootConnector"/>
+                        <dgm:constr type="w" for="ch" forName="rootConnector" refType="w" refFor="ch" refForName="rootText" fact="0.2"/>
+                        <dgm:constr type="h" for="ch" forName="rootConnector" refType="h" refFor="ch" refForName="rootText"/>
+                      </dgm:constrLst>
+                    </dgm:if>
+                    <dgm:if name="Name80" func="var" arg="hierBranch" op="equ" val="l">
+                      <dgm:constrLst>
+                        <dgm:constr type="l" for="ch" forName="rootText"/>
+                        <dgm:constr type="t" for="ch" forName="rootText"/>
+                        <dgm:constr type="w" for="ch" forName="rootText" refType="w"/>
+                        <dgm:constr type="h" for="ch" forName="rootText" refType="h"/>
+                        <dgm:constr type="r" for="ch" forName="rootConnector" refType="w"/>
+                        <dgm:constr type="t" for="ch" forName="rootConnector"/>
+                        <dgm:constr type="w" for="ch" forName="rootConnector" refType="w" refFor="ch" refForName="rootText" fact="0.2"/>
+                        <dgm:constr type="h" for="ch" forName="rootConnector" refType="h" refFor="ch" refForName="rootText"/>
+                      </dgm:constrLst>
+                    </dgm:if>
+                    <dgm:if name="Name81" func="var" arg="hierBranch" op="equ" val="r">
+                      <dgm:constrLst>
+                        <dgm:constr type="l" for="ch" forName="rootText"/>
+                        <dgm:constr type="t" for="ch" forName="rootText"/>
+                        <dgm:constr type="w" for="ch" forName="rootText" refType="w"/>
+                        <dgm:constr type="h" for="ch" forName="rootText" refType="h"/>
+                        <dgm:constr type="l" for="ch" forName="rootConnector"/>
+                        <dgm:constr type="t" for="ch" forName="rootConnector"/>
+                        <dgm:constr type="w" for="ch" forName="rootConnector" refType="w" refFor="ch" refForName="rootText" fact="0.2"/>
+                        <dgm:constr type="h" for="ch" forName="rootConnector" refType="h" refFor="ch" refForName="rootText"/>
+                      </dgm:constrLst>
+                    </dgm:if>
+                    <dgm:else name="Name82">
+                      <dgm:constrLst>
+                        <dgm:constr type="l" for="ch" forName="rootText"/>
+                        <dgm:constr type="t" for="ch" forName="rootText"/>
+                        <dgm:constr type="w" for="ch" forName="rootText" refType="w"/>
+                        <dgm:constr type="h" for="ch" forName="rootText" refType="h"/>
+                        <dgm:constr type="r" for="ch" forName="rootConnector" refType="w"/>
+                        <dgm:constr type="t" for="ch" forName="rootConnector"/>
+                        <dgm:constr type="w" for="ch" forName="rootConnector" refType="w" refFor="ch" refForName="rootText" fact="0.2"/>
+                        <dgm:constr type="h" for="ch" forName="rootConnector" refType="h" refFor="ch" refForName="rootText"/>
+                      </dgm:constrLst>
+                    </dgm:else>
+                  </dgm:choose>
+                  <dgm:ruleLst/>
+                  <dgm:layoutNode name="rootText">
+                    <dgm:varLst>
+                      <dgm:chPref val="3"/>
+                    </dgm:varLst>
+                    <dgm:alg type="tx"/>
+                    <dgm:shape xmlns:r="http://schemas.openxmlformats.org/officeDocument/2006/relationships" type="rect" r:blip="">
+                      <dgm:adjLst/>
+                    </dgm:shape>
+                    <dgm:presOf axis="self" ptType="node" cnt="1"/>
+                    <dgm:constrLst>
+                      <dgm:constr type="primFontSz" val="65"/>
+                      <dgm:constr type="lMarg" refType="primFontSz" fact="0.05"/>
+                      <dgm:constr type="rMarg" refType="primFontSz" fact="0.05"/>
+                      <dgm:constr type="tMarg" refType="primFontSz" fact="0.05"/>
+                      <dgm:constr type="bMarg" refType="primFontSz" fact="0.05"/>
+                    </dgm:constrLst>
+                    <dgm:ruleLst>
+                      <dgm:rule type="primFontSz" val="5" fact="NaN" max="NaN"/>
+                    </dgm:ruleLst>
+                  </dgm:layoutNode>
+                  <dgm:layoutNode name="rootConnector" moveWith="rootText">
+                    <dgm:alg type="sp"/>
+                    <dgm:shape xmlns:r="http://schemas.openxmlformats.org/officeDocument/2006/relationships" type="rect" r:blip="" hideGeom="1">
+                      <dgm:adjLst/>
+                    </dgm:shape>
+                    <dgm:presOf axis="self" ptType="node" cnt="1"/>
+                    <dgm:constrLst/>
+                    <dgm:ruleLst/>
+                  </dgm:layoutNode>
+                </dgm:layoutNode>
+                <dgm:layoutNode name="hierChild4">
+                  <dgm:choose name="Name83">
+                    <dgm:if name="Name84" func="var" arg="hierBranch" op="equ" val="l">
+                      <dgm:alg type="hierChild">
+                        <dgm:param type="chAlign" val="r"/>
+                        <dgm:param type="linDir" val="fromT"/>
+                      </dgm:alg>
+                    </dgm:if>
+                    <dgm:if name="Name85" func="var" arg="hierBranch" op="equ" val="r">
+                      <dgm:alg type="hierChild">
+                        <dgm:param type="chAlign" val="l"/>
+                        <dgm:param type="linDir" val="fromT"/>
+                      </dgm:alg>
+                    </dgm:if>
+                    <dgm:if name="Name86" func="var" arg="hierBranch" op="equ" val="hang">
+                      <dgm:choose name="Name87">
+                        <dgm:if name="Name88" func="var" arg="dir" op="equ" val="norm">
+                          <dgm:alg type="hierChild">
+                            <dgm:param type="chAlign" val="l"/>
+                            <dgm:param type="linDir" val="fromL"/>
+                            <dgm:param type="secChAlign" val="t"/>
+                            <dgm:param type="secLinDir" val="fromT"/>
+                          </dgm:alg>
+                        </dgm:if>
+                        <dgm:else name="Name89">
+                          <dgm:alg type="hierChild">
+                            <dgm:param type="chAlign" val="l"/>
+                            <dgm:param type="linDir" val="fromR"/>
+                            <dgm:param type="secChAlign" val="t"/>
+                            <dgm:param type="secLinDir" val="fromT"/>
+                          </dgm:alg>
+                        </dgm:else>
+                      </dgm:choose>
+                    </dgm:if>
+                    <dgm:if name="Name90" func="var" arg="hierBranch" op="equ" val="std">
+                      <dgm:choose name="Name91">
+                        <dgm:if name="Name92" func="var" arg="dir" op="equ" val="norm">
+                          <dgm:alg type="hierChild"/>
+                        </dgm:if>
+                        <dgm:else name="Name93">
+                          <dgm:alg type="hierChild">
+                            <dgm:param type="linDir" val="fromR"/>
+                          </dgm:alg>
+                        </dgm:else>
+                      </dgm:choose>
+                    </dgm:if>
+                    <dgm:if name="Name94" func="var" arg="hierBranch" op="equ" val="init">
+                      <dgm:choose name="Name95">
+                        <dgm:if name="Name96" axis="des" func="maxDepth" op="lte" val="1">
+                          <dgm:alg type="hierChild">
+                            <dgm:param type="chAlign" val="l"/>
+                            <dgm:param type="linDir" val="fromT"/>
+                          </dgm:alg>
+                        </dgm:if>
+                        <dgm:else name="Name97">
+                          <dgm:choose name="Name98">
+                            <dgm:if name="Name99" func="var" arg="dir" op="equ" val="norm">
+                              <dgm:alg type="hierChild"/>
+                            </dgm:if>
+                            <dgm:else name="Name100">
+                              <dgm:alg type="hierChild">
+                                <dgm:param type="linDir" val="fromR"/>
+                              </dgm:alg>
+                            </dgm:else>
+                          </dgm:choose>
+                        </dgm:else>
+                      </dgm:choose>
+                    </dgm:if>
+                    <dgm:else name="Name101"/>
+                  </dgm:choose>
+                  <dgm:shape xmlns:r="http://schemas.openxmlformats.org/officeDocument/2006/relationships" r:blip="">
+                    <dgm:adjLst/>
+                  </dgm:shape>
+                  <dgm:presOf/>
+                  <dgm:constrLst/>
+                  <dgm:ruleLst/>
+                  <dgm:forEach name="Name102" ref="rep2a"/>
+                </dgm:layoutNode>
+                <dgm:layoutNode name="hierChild5">
+                  <dgm:choose name="Name103">
+                    <dgm:if name="Name104" func="var" arg="dir" op="equ" val="norm">
+                      <dgm:alg type="hierChild">
+                        <dgm:param type="chAlign" val="l"/>
+                        <dgm:param type="linDir" val="fromL"/>
+                        <dgm:param type="secChAlign" val="t"/>
+                        <dgm:param type="secLinDir" val="fromT"/>
+                      </dgm:alg>
+                    </dgm:if>
+                    <dgm:else name="Name105">
+                      <dgm:alg type="hierChild">
+                        <dgm:param type="chAlign" val="l"/>
+                        <dgm:param type="linDir" val="fromR"/>
+                        <dgm:param type="secChAlign" val="t"/>
+                        <dgm:param type="secLinDir" val="fromT"/>
+                      </dgm:alg>
+                    </dgm:else>
+                  </dgm:choose>
+                  <dgm:shape xmlns:r="http://schemas.openxmlformats.org/officeDocument/2006/relationships" r:blip="">
+                    <dgm:adjLst/>
+                  </dgm:shape>
+                  <dgm:presOf/>
+                  <dgm:constrLst/>
+                  <dgm:ruleLst/>
+                  <dgm:forEach name="Name106" ref="rep2b"/>
+                </dgm:layoutNode>
+              </dgm:layoutNode>
+            </dgm:forEach>
+          </dgm:layoutNode>
+          <dgm:layoutNode name="hierChild3">
+            <dgm:choose name="Name107">
+              <dgm:if name="Name108" func="var" arg="dir" op="equ" val="norm">
+                <dgm:alg type="hierChild">
+                  <dgm:param type="chAlign" val="l"/>
+                  <dgm:param type="linDir" val="fromL"/>
+                  <dgm:param type="secChAlign" val="t"/>
+                  <dgm:param type="secLinDir" val="fromT"/>
+                </dgm:alg>
+              </dgm:if>
+              <dgm:else name="Name109">
+                <dgm:alg type="hierChild">
+                  <dgm:param type="chAlign" val="l"/>
+                  <dgm:param type="linDir" val="fromR"/>
+                  <dgm:param type="secChAlign" val="t"/>
+                  <dgm:param type="secLinDir" val="fromT"/>
+                </dgm:alg>
+              </dgm:else>
+            </dgm:choose>
+            <dgm:shape xmlns:r="http://schemas.openxmlformats.org/officeDocument/2006/relationships" r:blip="">
+              <dgm:adjLst/>
+            </dgm:shape>
+            <dgm:presOf/>
+            <dgm:constrLst/>
+            <dgm:ruleLst/>
+            <dgm:forEach name="rep2b" axis="ch" ptType="asst">
+              <dgm:forEach name="Name110" axis="precedSib" ptType="parTrans" st="-1" cnt="1">
+                <dgm:layoutNode name="Name111">
+                  <dgm:alg type="conn">
+                    <dgm:param type="connRout" val="bend"/>
+                    <dgm:param type="dim" val="1D"/>
+                    <dgm:param type="endSty" val="noArr"/>
+                    <dgm:param type="begPts" val="bCtr"/>
+                    <dgm:param type="endPts" val="midL midR"/>
+                  </dgm:alg>
+                  <dgm:shape xmlns:r="http://schemas.openxmlformats.org/officeDocument/2006/relationships" type="conn" r:blip="" zOrderOff="-99999">
+                    <dgm:adjLst/>
+                  </dgm:shape>
+                  <dgm:presOf axis="self"/>
+                  <dgm:constrLst>
+                    <dgm:constr type="begPad"/>
+                    <dgm:constr type="endPad"/>
+                  </dgm:constrLst>
+                  <dgm:ruleLst/>
+                </dgm:layoutNode>
+              </dgm:forEach>
+              <dgm:layoutNode name="hierRoot3">
+                <dgm:varLst>
+                  <dgm:hierBranch val="init"/>
+                </dgm:varLst>
+                <dgm:choose name="Name112">
+                  <dgm:if name="Name113" func="var" arg="hierBranch" op="equ" val="l">
+                    <dgm:alg type="hierRoot">
+                      <dgm:param type="hierAlign" val="tR"/>
+                    </dgm:alg>
+                    <dgm:shape xmlns:r="http://schemas.openxmlformats.org/officeDocument/2006/relationships" r:blip="">
+                      <dgm:adjLst/>
+                    </dgm:shape>
+                    <dgm:presOf/>
+                    <dgm:constrLst>
+                      <dgm:constr type="alignOff" val="0.65"/>
+                    </dgm:constrLst>
+                  </dgm:if>
+                  <dgm:if name="Name114" func="var" arg="hierBranch" op="equ" val="r">
+                    <dgm:alg type="hierRoot">
+                      <dgm:param type="hierAlign" val="tL"/>
+                    </dgm:alg>
+                    <dgm:shape xmlns:r="http://schemas.openxmlformats.org/officeDocument/2006/relationships" r:blip="">
+                      <dgm:adjLst/>
+                    </dgm:shape>
+                    <dgm:presOf/>
+                    <dgm:constrLst>
+                      <dgm:constr type="alignOff" val="0.65"/>
+                    </dgm:constrLst>
+                  </dgm:if>
+                  <dgm:if name="Name115" func="var" arg="hierBranch" op="equ" val="hang">
+                    <dgm:alg type="hierRoot"/>
+                    <dgm:shape xmlns:r="http://schemas.openxmlformats.org/officeDocument/2006/relationships" r:blip="">
+                      <dgm:adjLst/>
+                    </dgm:shape>
+                    <dgm:presOf/>
+                    <dgm:constrLst>
+                      <dgm:constr type="alignOff" val="0.65"/>
+                    </dgm:constrLst>
+                  </dgm:if>
+                  <dgm:if name="Name116" func="var" arg="hierBranch" op="equ" val="std">
+                    <dgm:alg type="hierRoot"/>
+                    <dgm:shape xmlns:r="http://schemas.openxmlformats.org/officeDocument/2006/relationships" r:blip="">
+                      <dgm:adjLst/>
+                    </dgm:shape>
+                    <dgm:presOf/>
+                    <dgm:constrLst>
+                      <dgm:constr type="alignOff"/>
+                      <dgm:constr type="bendDist" for="des" ptType="parTrans" refType="sp" fact="0.5"/>
+                    </dgm:constrLst>
+                  </dgm:if>
+                  <dgm:if name="Name117" func="var" arg="hierBranch" op="equ" val="init">
+                    <dgm:choose name="Name118">
+                      <dgm:if name="Name119" axis="des" func="maxDepth" op="lte" val="1">
+                        <dgm:alg type="hierRoot">
+                          <dgm:param type="hierAlign" val="tL"/>
+                        </dgm:alg>
+                        <dgm:shape xmlns:r="http://schemas.openxmlformats.org/officeDocument/2006/relationships" r:blip="">
+                          <dgm:adjLst/>
+                        </dgm:shape>
+                        <dgm:presOf/>
+                        <dgm:constrLst>
+                          <dgm:constr type="alignOff" val="0.65"/>
+                        </dgm:constrLst>
+                      </dgm:if>
+                      <dgm:else name="Name120">
+                        <dgm:alg type="hierRoot"/>
+                        <dgm:shape xmlns:r="http://schemas.openxmlformats.org/officeDocument/2006/relationships" r:blip="">
+                          <dgm:adjLst/>
+                        </dgm:shape>
+                        <dgm:presOf/>
+                        <dgm:constrLst>
+                          <dgm:constr type="alignOff"/>
+                          <dgm:constr type="bendDist" for="des" ptType="parTrans" refType="sp" fact="0.5"/>
+                        </dgm:constrLst>
+                      </dgm:else>
+                    </dgm:choose>
+                  </dgm:if>
+                  <dgm:else name="Name121"/>
+                </dgm:choose>
+                <dgm:ruleLst/>
+                <dgm:layoutNode name="rootComposite3">
+                  <dgm:alg type="composite"/>
+                  <dgm:shape xmlns:r="http://schemas.openxmlformats.org/officeDocument/2006/relationships" r:blip="">
+                    <dgm:adjLst/>
+                  </dgm:shape>
+                  <dgm:presOf axis="self" ptType="node" cnt="1"/>
+                  <dgm:choose name="Name122">
+                    <dgm:if name="Name123" func="var" arg="hierBranch" op="equ" val="init">
+                      <dgm:constrLst>
+                        <dgm:constr type="l" for="ch" forName="rootText3"/>
+                        <dgm:constr type="t" for="ch" forName="rootText3"/>
+                        <dgm:constr type="w" for="ch" forName="rootText3" refType="w"/>
+                        <dgm:constr type="h" for="ch" forName="rootText3" refType="h"/>
+                        <dgm:constr type="l" for="ch" forName="rootConnector3"/>
+                        <dgm:constr type="t" for="ch" forName="rootConnector3"/>
+                        <dgm:constr type="w" for="ch" forName="rootConnector3" refType="w" refFor="ch" refForName="rootText3" fact="0.2"/>
+                        <dgm:constr type="h" for="ch" forName="rootConnector3" refType="h" refFor="ch" refForName="rootText3"/>
+                      </dgm:constrLst>
+                    </dgm:if>
+                    <dgm:if name="Name124" func="var" arg="hierBranch" op="equ" val="l">
+                      <dgm:constrLst>
+                        <dgm:constr type="l" for="ch" forName="rootText3"/>
+                        <dgm:constr type="t" for="ch" forName="rootText3"/>
+                        <dgm:constr type="w" for="ch" forName="rootText3" refType="w"/>
+                        <dgm:constr type="h" for="ch" forName="rootText3" refType="h"/>
+                        <dgm:constr type="r" for="ch" forName="rootConnector3" refType="w"/>
+                        <dgm:constr type="t" for="ch" forName="rootConnector3"/>
+                        <dgm:constr type="w" for="ch" forName="rootConnector3" refType="w" refFor="ch" refForName="rootText3" fact="0.2"/>
+                        <dgm:constr type="h" for="ch" forName="rootConnector3" refType="h" refFor="ch" refForName="rootText3"/>
+                      </dgm:constrLst>
+                    </dgm:if>
+                    <dgm:if name="Name125" func="var" arg="hierBranch" op="equ" val="r">
+                      <dgm:constrLst>
+                        <dgm:constr type="l" for="ch" forName="rootText3"/>
+                        <dgm:constr type="t" for="ch" forName="rootText3"/>
+                        <dgm:constr type="w" for="ch" forName="rootText3" refType="w"/>
+                        <dgm:constr type="h" for="ch" forName="rootText3" refType="h"/>
+                        <dgm:constr type="l" for="ch" forName="rootConnector3"/>
+                        <dgm:constr type="t" for="ch" forName="rootConnector3"/>
+                        <dgm:constr type="w" for="ch" forName="rootConnector3" refType="w" refFor="ch" refForName="rootText3" fact="0.2"/>
+                        <dgm:constr type="h" for="ch" forName="rootConnector3" refType="h" refFor="ch" refForName="rootText3"/>
+                      </dgm:constrLst>
+                    </dgm:if>
+                    <dgm:else name="Name126">
+                      <dgm:constrLst>
+                        <dgm:constr type="l" for="ch" forName="rootText3"/>
+                        <dgm:constr type="t" for="ch" forName="rootText3"/>
+                        <dgm:constr type="w" for="ch" forName="rootText3" refType="w"/>
+                        <dgm:constr type="h" for="ch" forName="rootText3" refType="h"/>
+                        <dgm:constr type="r" for="ch" forName="rootConnector3" refType="w"/>
+                        <dgm:constr type="t" for="ch" forName="rootConnector3"/>
+                        <dgm:constr type="w" for="ch" forName="rootConnector3" refType="w" refFor="ch" refForName="rootText3" fact="0.2"/>
+                        <dgm:constr type="h" for="ch" forName="rootConnector3" refType="h" refFor="ch" refForName="rootText3"/>
+                      </dgm:constrLst>
+                    </dgm:else>
+                  </dgm:choose>
+                  <dgm:ruleLst/>
+                  <dgm:layoutNode name="rootText3">
+                    <dgm:varLst>
+                      <dgm:chPref val="3"/>
+                    </dgm:varLst>
+                    <dgm:alg type="tx"/>
+                    <dgm:shape xmlns:r="http://schemas.openxmlformats.org/officeDocument/2006/relationships" type="rect" r:blip="">
+                      <dgm:adjLst/>
+                    </dgm:shape>
+                    <dgm:presOf axis="self" ptType="node" cnt="1"/>
+                    <dgm:constrLst>
+                      <dgm:constr type="primFontSz" val="65"/>
+                      <dgm:constr type="lMarg" refType="primFontSz" fact="0.05"/>
+                      <dgm:constr type="rMarg" refType="primFontSz" fact="0.05"/>
+                      <dgm:constr type="tMarg" refType="primFontSz" fact="0.05"/>
+                      <dgm:constr type="bMarg" refType="primFontSz" fact="0.05"/>
+                    </dgm:constrLst>
+                    <dgm:ruleLst>
+                      <dgm:rule type="primFontSz" val="5" fact="NaN" max="NaN"/>
+                    </dgm:ruleLst>
+                  </dgm:layoutNode>
+                  <dgm:layoutNode name="rootConnector3" moveWith="rootText1">
+                    <dgm:alg type="sp"/>
+                    <dgm:shape xmlns:r="http://schemas.openxmlformats.org/officeDocument/2006/relationships" type="rect" r:blip="" hideGeom="1">
+                      <dgm:adjLst/>
+                    </dgm:shape>
+                    <dgm:presOf axis="self" ptType="node" cnt="1"/>
+                    <dgm:constrLst/>
+                    <dgm:ruleLst/>
+                  </dgm:layoutNode>
+                </dgm:layoutNode>
+                <dgm:layoutNode name="hierChild6">
+                  <dgm:choose name="Name127">
+                    <dgm:if name="Name128" func="var" arg="hierBranch" op="equ" val="l">
+                      <dgm:alg type="hierChild">
+                        <dgm:param type="chAlign" val="r"/>
+                        <dgm:param type="linDir" val="fromT"/>
+                      </dgm:alg>
+                    </dgm:if>
+                    <dgm:if name="Name129" func="var" arg="hierBranch" op="equ" val="r">
+                      <dgm:alg type="hierChild">
+                        <dgm:param type="chAlign" val="l"/>
+                        <dgm:param type="linDir" val="fromT"/>
+                      </dgm:alg>
+                    </dgm:if>
+                    <dgm:if name="Name130" func="var" arg="hierBranch" op="equ" val="hang">
+                      <dgm:choose name="Name131">
+                        <dgm:if name="Name132" func="var" arg="dir" op="equ" val="norm">
+                          <dgm:alg type="hierChild">
+                            <dgm:param type="chAlign" val="l"/>
+                            <dgm:param type="linDir" val="fromL"/>
+                            <dgm:param type="secChAlign" val="t"/>
+                            <dgm:param type="secLinDir" val="fromT"/>
+                          </dgm:alg>
+                        </dgm:if>
+                        <dgm:else name="Name133">
+                          <dgm:alg type="hierChild">
+                            <dgm:param type="chAlign" val="l"/>
+                            <dgm:param type="linDir" val="fromR"/>
+                            <dgm:param type="secChAlign" val="t"/>
+                            <dgm:param type="secLinDir" val="fromT"/>
+                          </dgm:alg>
+                        </dgm:else>
+                      </dgm:choose>
+                    </dgm:if>
+                    <dgm:if name="Name134" func="var" arg="hierBranch" op="equ" val="std">
+                      <dgm:choose name="Name135">
+                        <dgm:if name="Name136" func="var" arg="dir" op="equ" val="norm">
+                          <dgm:alg type="hierChild"/>
+                        </dgm:if>
+                        <dgm:else name="Name137">
+                          <dgm:alg type="hierChild">
+                            <dgm:param type="linDir" val="fromR"/>
+                          </dgm:alg>
+                        </dgm:else>
+                      </dgm:choose>
+                    </dgm:if>
+                    <dgm:if name="Name138" func="var" arg="hierBranch" op="equ" val="init">
+                      <dgm:choose name="Name139">
+                        <dgm:if name="Name140" axis="des" func="maxDepth" op="lte" val="1">
+                          <dgm:alg type="hierChild">
+                            <dgm:param type="chAlign" val="l"/>
+                            <dgm:param type="linDir" val="fromT"/>
+                          </dgm:alg>
+                        </dgm:if>
+                        <dgm:else name="Name141">
+                          <dgm:alg type="hierChild"/>
+                        </dgm:else>
+                      </dgm:choose>
+                    </dgm:if>
+                    <dgm:else name="Name142"/>
+                  </dgm:choose>
+                  <dgm:shape xmlns:r="http://schemas.openxmlformats.org/officeDocument/2006/relationships" r:blip="">
+                    <dgm:adjLst/>
+                  </dgm:shape>
+                  <dgm:presOf/>
+                  <dgm:constrLst/>
+                  <dgm:ruleLst/>
+                  <dgm:forEach name="Name143" ref="rep2a"/>
+                </dgm:layoutNode>
+                <dgm:layoutNode name="hierChild7">
+                  <dgm:choose name="Name144">
+                    <dgm:if name="Name145" func="var" arg="dir" op="equ" val="norm">
+                      <dgm:alg type="hierChild">
+                        <dgm:param type="chAlign" val="l"/>
+                        <dgm:param type="linDir" val="fromL"/>
+                        <dgm:param type="secChAlign" val="t"/>
+                        <dgm:param type="secLinDir" val="fromT"/>
+                      </dgm:alg>
+                    </dgm:if>
+                    <dgm:else name="Name146">
+                      <dgm:alg type="hierChild">
+                        <dgm:param type="chAlign" val="l"/>
+                        <dgm:param type="linDir" val="fromR"/>
+                        <dgm:param type="secChAlign" val="t"/>
+                        <dgm:param type="secLinDir" val="fromT"/>
+                      </dgm:alg>
+                    </dgm:else>
+                  </dgm:choose>
+                  <dgm:shape xmlns:r="http://schemas.openxmlformats.org/officeDocument/2006/relationships" r:blip="">
+                    <dgm:adjLst/>
+                  </dgm:shape>
+                  <dgm:presOf/>
+                  <dgm:constrLst/>
+                  <dgm:ruleLst/>
+                  <dgm:forEach name="Name147" ref="rep2b"/>
+                </dgm:layoutNode>
+              </dgm:layoutNode>
+            </dgm:forEach>
+          </dgm:layoutNode>
+        </dgm:layoutNode>
+      </dgm:forEach>
+    </dgm:forEach>
+  </dgm:layoutNode>
+</dgm:layoutDef>
+</file>
+
+<file path=ppt/diagrams/quickStyle1.xml><?xml version="1.0" encoding="utf-8"?>
+<dgm:styleDef xmlns:dgm="http://schemas.openxmlformats.org/drawingml/2006/diagram" xmlns:a="http://schemas.openxmlformats.org/drawingml/2006/main" uniqueId="urn:microsoft.com/office/officeart/2005/8/quickstyle/simple1">
+  <dgm:title val=""/>
+  <dgm:desc val=""/>
+  <dgm:catLst>
+    <dgm:cat type="simple" pri="10100"/>
+  </dgm:catLst>
+  <dgm:scene3d>
+    <a:camera prst="orthographicFront"/>
+    <a:lightRig rig="threePt" dir="t"/>
+  </dgm:scene3d>
+  <dgm:styleLbl name="node0">
+    <dgm:scene3d>
+      <a:camera prst="orthographicFront"/>
+      <a:lightRig rig="threePt" dir="t"/>
+    </dgm:scene3d>
+    <dgm:sp3d/>
+    <dgm:txPr/>
+    <dgm:style>
+      <a:lnRef idx="2">
+        <a:scrgbClr r="0" g="0" b="0"/>
+      </a:lnRef>
+      <a:fillRef idx="1">
+        <a:scrgbClr r="0" g="0" b="0"/>
+      </a:fillRef>
+      <a:effectRef idx="0">
+        <a:scrgbClr r="0" g="0" b="0"/>
+      </a:effectRef>
+      <a:fontRef idx="minor">
+        <a:schemeClr val="lt1"/>
+      </a:fontRef>
+    </dgm:style>
+  </dgm:styleLbl>
+  <dgm:styleLbl name="lnNode1">
+    <dgm:scene3d>
+      <a:camera prst="orthographicFront"/>
+      <a:lightRig rig="threePt" dir="t"/>
+    </dgm:scene3d>
+    <dgm:sp3d/>
+    <dgm:txPr/>
+    <dgm:style>
+      <a:lnRef idx="2">
+        <a:scrgbClr r="0" g="0" b="0"/>
+      </a:lnRef>
+      <a:fillRef idx="1">
+        <a:scrgbClr r="0" g="0" b="0"/>
+      </a:fillRef>
+      <a:effectRef idx="0">
+        <a:scrgbClr r="0" g="0" b="0"/>
+      </a:effectRef>
+      <a:fontRef idx="minor">
+        <a:schemeClr val="lt1"/>
+      </a:fontRef>
+    </dgm:style>
+  </dgm:styleLbl>
+  <dgm:styleLbl name="vennNode1">
+    <dgm:scene3d>
+      <a:camera prst="orthographicFront"/>
+      <a:lightRig rig="threePt" dir="t"/>
+    </dgm:scene3d>
+    <dgm:sp3d/>
+    <dgm:txPr/>
+    <dgm:style>
+      <a:lnRef idx="2">
+        <a:scrgbClr r="0" g="0" b="0"/>
+      </a:lnRef>
+      <a:fillRef idx="1">
+        <a:scrgbClr r="0" g="0" b="0"/>
+      </a:fillRef>
+      <a:effectRef idx="0">
+        <a:scrgbClr r="0" g="0" b="0"/>
+      </a:effectRef>
+      <a:fontRef idx="minor">
+        <a:schemeClr val="tx1"/>
+      </a:fontRef>
+    </dgm:style>
+  </dgm:styleLbl>
+  <dgm:styleLbl name="alignNode1">
+    <dgm:scene3d>
+      <a:camera prst="orthographicFront"/>
+      <a:lightRig rig="threePt" dir="t"/>
+    </dgm:scene3d>
+    <dgm:sp3d/>
+    <dgm:txPr/>
+    <dgm:style>
+      <a:lnRef idx="2">
+        <a:scrgbClr r="0" g="0" b="0"/>
+      </a:lnRef>
+      <a:fillRef idx="1">
+        <a:scrgbClr r="0" g="0" b="0"/>
+      </a:fillRef>
+      <a:effectRef idx="0">
+        <a:scrgbClr r="0" g="0" b="0"/>
+      </a:effectRef>
+      <a:fontRef idx="minor">
+        <a:schemeClr val="lt1"/>
+      </a:fontRef>
+    </dgm:style>
+  </dgm:styleLbl>
+  <dgm:styleLbl name="node1">
+    <dgm:scene3d>
+      <a:camera prst="orthographicFront"/>
+      <a:lightRig rig="threePt" dir="t"/>
+    </dgm:scene3d>
+    <dgm:sp3d/>
+    <dgm:txPr/>
+    <dgm:style>
+      <a:lnRef idx="2">
+        <a:scrgbClr r="0" g="0" b="0"/>
+      </a:lnRef>
+      <a:fillRef idx="1">
+        <a:scrgbClr r="0" g="0" b="0"/>
+      </a:fillRef>
+      <a:effectRef idx="0">
+        <a:scrgbClr r="0" g="0" b="0"/>
+      </a:effectRef>
+      <a:fontRef idx="minor">
+        <a:schemeClr val="lt1"/>
+      </a:fontRef>
+    </dgm:style>
+  </dgm:styleLbl>
+  <dgm:styleLbl name="node2">
+    <dgm:scene3d>
+      <a:camera prst="orthographicFront"/>
+      <a:lightRig rig="threePt" dir="t"/>
+    </dgm:scene3d>
+    <dgm:sp3d/>
+    <dgm:txPr/>
+    <dgm:style>
+      <a:lnRef idx="2">
+        <a:scrgbClr r="0" g="0" b="0"/>
+      </a:lnRef>
+      <a:fillRef idx="1">
+        <a:scrgbClr r="0" g="0" b="0"/>
+      </a:fillRef>
+      <a:effectRef idx="0">
+        <a:scrgbClr r="0" g="0" b="0"/>
+      </a:effectRef>
+      <a:fontRef idx="minor">
+        <a:schemeClr val="lt1"/>
+      </a:fontRef>
+    </dgm:style>
+  </dgm:styleLbl>
+  <dgm:styleLbl name="node3">
+    <dgm:scene3d>
+      <a:camera prst="orthographicFront"/>
+      <a:lightRig rig="threePt" dir="t"/>
+    </dgm:scene3d>
+    <dgm:sp3d/>
+    <dgm:txPr/>
+    <dgm:style>
+      <a:lnRef idx="2">
+        <a:scrgbClr r="0" g="0" b="0"/>
+      </a:lnRef>
+      <a:fillRef idx="1">
+        <a:scrgbClr r="0" g="0" b="0"/>
+      </a:fillRef>
+      <a:effectRef idx="0">
+        <a:scrgbClr r="0" g="0" b="0"/>
+      </a:effectRef>
+      <a:fontRef idx="minor">
+        <a:schemeClr val="lt1"/>
+      </a:fontRef>
+    </dgm:style>
+  </dgm:styleLbl>
+  <dgm:styleLbl name="node4">
+    <dgm:scene3d>
+      <a:camera prst="orthographicFront"/>
+      <a:lightRig rig="threePt" dir="t"/>
+    </dgm:scene3d>
+    <dgm:sp3d/>
+    <dgm:txPr/>
+    <dgm:style>
+      <a:lnRef idx="2">
+        <a:scrgbClr r="0" g="0" b="0"/>
+      </a:lnRef>
+      <a:fillRef idx="1">
+        <a:scrgbClr r="0" g="0" b="0"/>
+      </a:fillRef>
+      <a:effectRef idx="0">
+        <a:scrgbClr r="0" g="0" b="0"/>
+      </a:effectRef>
+      <a:fontRef idx="minor">
+        <a:schemeClr val="lt1"/>
+      </a:fontRef>
+    </dgm:style>
+  </dgm:styleLbl>
+  <dgm:styleLbl name="fgImgPlace1">
+    <dgm:scene3d>
+      <a:camera prst="orthographicFront"/>
+      <a:lightRig rig="threePt" dir="t"/>
+    </dgm:scene3d>
+    <dgm:sp3d/>
+    <dgm:txPr/>
+    <dgm:style>
+      <a:lnRef idx="2">
+        <a:scrgbClr r="0" g="0" b="0"/>
+      </a:lnRef>
+      <a:fillRef idx="1">
+        <a:scrgbClr r="0" g="0" b="0"/>
+      </a:fillRef>
+      <a:effectRef idx="0">
+        <a:scrgbClr r="0" g="0" b="0"/>
+      </a:effectRef>
+      <a:fontRef idx="minor"/>
+    </dgm:style>
+  </dgm:styleLbl>
+  <dgm:styleLbl name="alignImgPlace1">
+    <dgm:scene3d>
+      <a:camera prst="orthographicFront"/>
+      <a:lightRig rig="threePt" dir="t"/>
+    </dgm:scene3d>
+    <dgm:sp3d/>
+    <dgm:txPr/>
+    <dgm:style>
+      <a:lnRef idx="2">
+        <a:scrgbClr r="0" g="0" b="0"/>
+      </a:lnRef>
+      <a:fillRef idx="1">
+        <a:scrgbClr r="0" g="0" b="0"/>
+      </a:fillRef>
+      <a:effectRef idx="0">
+        <a:scrgbClr r="0" g="0" b="0"/>
+      </a:effectRef>
+      <a:fontRef idx="minor"/>
+    </dgm:style>
+  </dgm:styleLbl>
+  <dgm:styleLbl name="bgImgPlace1">
+    <dgm:scene3d>
+      <a:camera prst="orthographicFront"/>
+      <a:lightRig rig="threePt" dir="t"/>
+    </dgm:scene3d>
+    <dgm:sp3d/>
+    <dgm:txPr/>
+    <dgm:style>
+      <a:lnRef idx="2">
+        <a:scrgbClr r="0" g="0" b="0"/>
+      </a:lnRef>
+      <a:fillRef idx="1">
+        <a:scrgbClr r="0" g="0" b="0"/>
+      </a:fillRef>
+      <a:effectRef idx="0">
+        <a:scrgbClr r="0" g="0" b="0"/>
+      </a:effectRef>
+      <a:fontRef idx="minor"/>
+    </dgm:style>
+  </dgm:styleLbl>
+  <dgm:styleLbl name="sibTrans2D1">
+    <dgm:scene3d>
+      <a:camera prst="orthographicFront"/>
+      <a:lightRig rig="threePt" dir="t"/>
+    </dgm:scene3d>
+    <dgm:sp3d/>
+    <dgm:txPr/>
+    <dgm:style>
+      <a:lnRef idx="0">
+        <a:scrgbClr r="0" g="0" b="0"/>
+      </a:lnRef>
+      <a:fillRef idx="1">
+        <a:scrgbClr r="0" g="0" b="0"/>
+      </a:fillRef>
+      <a:effectRef idx="0">
+        <a:scrgbClr r="0" g="0" b="0"/>
+      </a:effectRef>
+      <a:fontRef idx="minor">
+        <a:schemeClr val="lt1"/>
+      </a:fontRef>
+    </dgm:style>
+  </dgm:styleLbl>
+  <dgm:styleLbl name="fgSibTrans2D1">
+    <dgm:scene3d>
+      <a:camera prst="orthographicFront"/>
+      <a:lightRig rig="threePt" dir="t"/>
+    </dgm:scene3d>
+    <dgm:sp3d/>
+    <dgm:txPr/>
+    <dgm:style>
+      <a:lnRef idx="0">
+        <a:scrgbClr r="0" g="0" b="0"/>
+      </a:lnRef>
+      <a:fillRef idx="1">
+        <a:scrgbClr r="0" g="0" b="0"/>
+      </a:fillRef>
+      <a:effectRef idx="0">
+        <a:scrgbClr r="0" g="0" b="0"/>
+      </a:effectRef>
+      <a:fontRef idx="minor">
+        <a:schemeClr val="lt1"/>
+      </a:fontRef>
+    </dgm:style>
+  </dgm:styleLbl>
+  <dgm:styleLbl name="bgSibTrans2D1">
+    <dgm:scene3d>
+      <a:camera prst="orthographicFront"/>
+      <a:lightRig rig="threePt" dir="t"/>
+    </dgm:scene3d>
+    <dgm:sp3d/>
+    <dgm:txPr/>
+    <dgm:style>
+      <a:lnRef idx="0">
+        <a:scrgbClr r="0" g="0" b="0"/>
+      </a:lnRef>
+      <a:fillRef idx="1">
+        <a:scrgbClr r="0" g="0" b="0"/>
+      </a:fillRef>
+      <a:effectRef idx="0">
+        <a:scrgbClr r="0" g="0" b="0"/>
+      </a:effectRef>
+      <a:fontRef idx="minor">
+        <a:schemeClr val="lt1"/>
+      </a:fontRef>
+    </dgm:style>
+  </dgm:styleLbl>
+  <dgm:styleLbl name="sibTrans1D1">
+    <dgm:scene3d>
+      <a:camera prst="orthographicFront"/>
+      <a:lightRig rig="threePt" dir="t"/>
+    </dgm:scene3d>
+    <dgm:sp3d/>
+    <dgm:txPr/>
+    <dgm:style>
+      <a:lnRef idx="1">
+        <a:scrgbClr r="0" g="0" b="0"/>
+      </a:lnRef>
+      <a:fillRef idx="0">
+        <a:scrgbClr r="0" g="0" b="0"/>
+      </a:fillRef>
+      <a:effectRef idx="0">
+        <a:scrgbClr r="0" g="0" b="0"/>
+      </a:effectRef>
+      <a:fontRef idx="minor"/>
+    </dgm:style>
+  </dgm:styleLbl>
+  <dgm:styleLbl name="callout">
+    <dgm:scene3d>
+      <a:camera prst="orthographicFront"/>
+      <a:lightRig rig="threePt" dir="t"/>
+    </dgm:scene3d>
+    <dgm:sp3d/>
+    <dgm:txPr/>
+    <dgm:style>
+      <a:lnRef idx="2">
+        <a:scrgbClr r="0" g="0" b="0"/>
+      </a:lnRef>
+      <a:fillRef idx="1">
+        <a:scrgbClr r="0" g="0" b="0"/>
+      </a:fillRef>
+      <a:effectRef idx="0">
+        <a:scrgbClr r="0" g="0" b="0"/>
+      </a:effectRef>
+      <a:fontRef idx="minor"/>
+    </dgm:style>
+  </dgm:styleLbl>
+  <dgm:styleLbl name="asst0">
+    <dgm:scene3d>
+      <a:camera prst="orthographicFront"/>
+      <a:lightRig rig="threePt" dir="t"/>
+    </dgm:scene3d>
+    <dgm:sp3d/>
+    <dgm:txPr/>
+    <dgm:style>
+      <a:lnRef idx="2">
+        <a:scrgbClr r="0" g="0" b="0"/>
+      </a:lnRef>
+      <a:fillRef idx="1">
+        <a:scrgbClr r="0" g="0" b="0"/>
+      </a:fillRef>
+      <a:effectRef idx="0">
+        <a:scrgbClr r="0" g="0" b="0"/>
+      </a:effectRef>
+      <a:fontRef idx="minor">
+        <a:schemeClr val="lt1"/>
+      </a:fontRef>
+    </dgm:style>
+  </dgm:styleLbl>
+  <dgm:styleLbl name="asst1">
+    <dgm:scene3d>
+      <a:camera prst="orthographicFront"/>
+      <a:lightRig rig="threePt" dir="t"/>
+    </dgm:scene3d>
+    <dgm:sp3d/>
+    <dgm:txPr/>
+    <dgm:style>
+      <a:lnRef idx="2">
+        <a:scrgbClr r="0" g="0" b="0"/>
+      </a:lnRef>
+      <a:fillRef idx="1">
+        <a:scrgbClr r="0" g="0" b="0"/>
+      </a:fillRef>
+      <a:effectRef idx="0">
+        <a:scrgbClr r="0" g="0" b="0"/>
+      </a:effectRef>
+      <a:fontRef idx="minor">
+        <a:schemeClr val="lt1"/>
+      </a:fontRef>
+    </dgm:style>
+  </dgm:styleLbl>
+  <dgm:styleLbl name="asst2">
+    <dgm:scene3d>
+      <a:camera prst="orthographicFront"/>
+      <a:lightRig rig="threePt" dir="t"/>
+    </dgm:scene3d>
+    <dgm:sp3d/>
+    <dgm:txPr/>
+    <dgm:style>
+      <a:lnRef idx="2">
+        <a:scrgbClr r="0" g="0" b="0"/>
+      </a:lnRef>
+      <a:fillRef idx="1">
+        <a:scrgbClr r="0" g="0" b="0"/>
+      </a:fillRef>
+      <a:effectRef idx="0">
+        <a:scrgbClr r="0" g="0" b="0"/>
+      </a:effectRef>
+      <a:fontRef idx="minor">
+        <a:schemeClr val="lt1"/>
+      </a:fontRef>
+    </dgm:style>
+  </dgm:styleLbl>
+  <dgm:styleLbl name="asst3">
+    <dgm:scene3d>
+      <a:camera prst="orthographicFront"/>
+      <a:lightRig rig="threePt" dir="t"/>
+    </dgm:scene3d>
+    <dgm:sp3d/>
+    <dgm:txPr/>
+    <dgm:style>
+      <a:lnRef idx="2">
+        <a:scrgbClr r="0" g="0" b="0"/>
+      </a:lnRef>
+      <a:fillRef idx="1">
+        <a:scrgbClr r="0" g="0" b="0"/>
+      </a:fillRef>
+      <a:effectRef idx="0">
+        <a:scrgbClr r="0" g="0" b="0"/>
+      </a:effectRef>
+      <a:fontRef idx="minor">
+        <a:schemeClr val="lt1"/>
+      </a:fontRef>
+    </dgm:style>
+  </dgm:styleLbl>
+  <dgm:styleLbl name="asst4">
+    <dgm:scene3d>
+      <a:camera prst="orthographicFront"/>
+      <a:lightRig rig="threePt" dir="t"/>
+    </dgm:scene3d>
+    <dgm:sp3d/>
+    <dgm:txPr/>
+    <dgm:style>
+      <a:lnRef idx="2">
+        <a:scrgbClr r="0" g="0" b="0"/>
+      </a:lnRef>
+      <a:fillRef idx="1">
+        <a:scrgbClr r="0" g="0" b="0"/>
+      </a:fillRef>
+      <a:effectRef idx="0">
+        <a:scrgbClr r="0" g="0" b="0"/>
+      </a:effectRef>
+      <a:fontRef idx="minor">
+        <a:schemeClr val="lt1"/>
+      </a:fontRef>
+    </dgm:style>
+  </dgm:styleLbl>
+  <dgm:styleLbl name="parChTrans2D1">
+    <dgm:scene3d>
+      <a:camera prst="orthographicFront"/>
+      <a:lightRig rig="threePt" dir="t"/>
+    </dgm:scene3d>
+    <dgm:sp3d/>
+    <dgm:txPr/>
+    <dgm:style>
+      <a:lnRef idx="2">
+        <a:scrgbClr r="0" g="0" b="0"/>
+      </a:lnRef>
+      <a:fillRef idx="1">
+        <a:scrgbClr r="0" g="0" b="0"/>
+      </a:fillRef>
+      <a:effectRef idx="0">
+        <a:scrgbClr r="0" g="0" b="0"/>
+      </a:effectRef>
+      <a:fontRef idx="minor">
+        <a:schemeClr val="lt1"/>
+      </a:fontRef>
+    </dgm:style>
+  </dgm:styleLbl>
+  <dgm:styleLbl name="parChTrans2D2">
+    <dgm:scene3d>
+      <a:camera prst="orthographicFront"/>
+      <a:lightRig rig="threePt" dir="t"/>
+    </dgm:scene3d>
+    <dgm:sp3d/>
+    <dgm:txPr/>
+    <dgm:style>
+      <a:lnRef idx="2">
+        <a:scrgbClr r="0" g="0" b="0"/>
+      </a:lnRef>
+      <a:fillRef idx="1">
+        <a:scrgbClr r="0" g="0" b="0"/>
+      </a:fillRef>
+      <a:effectRef idx="0">
+        <a:scrgbClr r="0" g="0" b="0"/>
+      </a:effectRef>
+      <a:fontRef idx="minor">
+        <a:schemeClr val="lt1"/>
+      </a:fontRef>
+    </dgm:style>
+  </dgm:styleLbl>
+  <dgm:styleLbl name="parChTrans2D3">
+    <dgm:scene3d>
+      <a:camera prst="orthographicFront"/>
+      <a:lightRig rig="threePt" dir="t"/>
+    </dgm:scene3d>
+    <dgm:sp3d/>
+    <dgm:txPr/>
+    <dgm:style>
+      <a:lnRef idx="2">
+        <a:scrgbClr r="0" g="0" b="0"/>
+      </a:lnRef>
+      <a:fillRef idx="1">
+        <a:scrgbClr r="0" g="0" b="0"/>
+      </a:fillRef>
+      <a:effectRef idx="0">
+        <a:scrgbClr r="0" g="0" b="0"/>
+      </a:effectRef>
+      <a:fontRef idx="minor">
+        <a:schemeClr val="lt1"/>
+      </a:fontRef>
+    </dgm:style>
+  </dgm:styleLbl>
+  <dgm:styleLbl name="parChTrans2D4">
+    <dgm:scene3d>
+      <a:camera prst="orthographicFront"/>
+      <a:lightRig rig="threePt" dir="t"/>
+    </dgm:scene3d>
+    <dgm:sp3d/>
+    <dgm:txPr/>
+    <dgm:style>
+      <a:lnRef idx="2">
+        <a:scrgbClr r="0" g="0" b="0"/>
+      </a:lnRef>
+      <a:fillRef idx="1">
+        <a:scrgbClr r="0" g="0" b="0"/>
+      </a:fillRef>
+      <a:effectRef idx="0">
+        <a:scrgbClr r="0" g="0" b="0"/>
+      </a:effectRef>
+      <a:fontRef idx="minor">
+        <a:schemeClr val="lt1"/>
+      </a:fontRef>
+    </dgm:style>
+  </dgm:styleLbl>
+  <dgm:styleLbl name="parChTrans1D1">
+    <dgm:scene3d>
+      <a:camera prst="orthographicFront"/>
+      <a:lightRig rig="threePt" dir="t"/>
+    </dgm:scene3d>
+    <dgm:sp3d/>
+    <dgm:txPr/>
+    <dgm:style>
+      <a:lnRef idx="2">
+        <a:scrgbClr r="0" g="0" b="0"/>
+      </a:lnRef>
+      <a:fillRef idx="0">
+        <a:scrgbClr r="0" g="0" b="0"/>
+      </a:fillRef>
+      <a:effectRef idx="0">
+        <a:scrgbClr r="0" g="0" b="0"/>
+      </a:effectRef>
+      <a:fontRef idx="minor"/>
+    </dgm:style>
+  </dgm:styleLbl>
+  <dgm:styleLbl name="parChTrans1D2">
+    <dgm:scene3d>
+      <a:camera prst="orthographicFront"/>
+      <a:lightRig rig="threePt" dir="t"/>
+    </dgm:scene3d>
+    <dgm:sp3d/>
+    <dgm:txPr/>
+    <dgm:style>
+      <a:lnRef idx="2">
+        <a:scrgbClr r="0" g="0" b="0"/>
+      </a:lnRef>
+      <a:fillRef idx="0">
+        <a:scrgbClr r="0" g="0" b="0"/>
+      </a:fillRef>
+      <a:effectRef idx="0">
+        <a:scrgbClr r="0" g="0" b="0"/>
+      </a:effectRef>
+      <a:fontRef idx="minor"/>
+    </dgm:style>
+  </dgm:styleLbl>
+  <dgm:styleLbl name="parChTrans1D3">
+    <dgm:scene3d>
+      <a:camera prst="orthographicFront"/>
+      <a:lightRig rig="threePt" dir="t"/>
+    </dgm:scene3d>
+    <dgm:sp3d/>
+    <dgm:txPr/>
+    <dgm:style>
+      <a:lnRef idx="2">
+        <a:scrgbClr r="0" g="0" b="0"/>
+      </a:lnRef>
+      <a:fillRef idx="0">
+        <a:scrgbClr r="0" g="0" b="0"/>
+      </a:fillRef>
+      <a:effectRef idx="0">
+        <a:scrgbClr r="0" g="0" b="0"/>
+      </a:effectRef>
+      <a:fontRef idx="minor"/>
+    </dgm:style>
+  </dgm:styleLbl>
+  <dgm:styleLbl name="parChTrans1D4">
+    <dgm:scene3d>
+      <a:camera prst="orthographicFront"/>
+      <a:lightRig rig="threePt" dir="t"/>
+    </dgm:scene3d>
+    <dgm:sp3d/>
+    <dgm:txPr/>
+    <dgm:style>
+      <a:lnRef idx="2">
+        <a:scrgbClr r="0" g="0" b="0"/>
+      </a:lnRef>
+      <a:fillRef idx="0">
+        <a:scrgbClr r="0" g="0" b="0"/>
+      </a:fillRef>
+      <a:effectRef idx="0">
+        <a:scrgbClr r="0" g="0" b="0"/>
+      </a:effectRef>
+      <a:fontRef idx="minor"/>
+    </dgm:style>
+  </dgm:styleLbl>
+  <dgm:styleLbl name="fgAcc1">
+    <dgm:scene3d>
+      <a:camera prst="orthographicFront"/>
+      <a:lightRig rig="threePt" dir="t"/>
+    </dgm:scene3d>
+    <dgm:sp3d/>
+    <dgm:txPr/>
+    <dgm:style>
+      <a:lnRef idx="2">
+        <a:scrgbClr r="0" g="0" b="0"/>
+      </a:lnRef>
+      <a:fillRef idx="1">
+        <a:scrgbClr r="0" g="0" b="0"/>
+      </a:fillRef>
+      <a:effectRef idx="0">
+        <a:scrgbClr r="0" g="0" b="0"/>
+      </a:effectRef>
+      <a:fontRef idx="minor"/>
+    </dgm:style>
+  </dgm:styleLbl>
+  <dgm:styleLbl name="conFgAcc1">
+    <dgm:scene3d>
+      <a:camera prst="orthographicFront"/>
+      <a:lightRig rig="threePt" dir="t"/>
+    </dgm:scene3d>
+    <dgm:sp3d/>
+    <dgm:txPr/>
+    <dgm:style>
+      <a:lnRef idx="2">
+        <a:scrgbClr r="0" g="0" b="0"/>
+      </a:lnRef>
+      <a:fillRef idx="1">
+        <a:scrgbClr r="0" g="0" b="0"/>
+      </a:fillRef>
+      <a:effectRef idx="0">
+        <a:scrgbClr r="0" g="0" b="0"/>
+      </a:effectRef>
+      <a:fontRef idx="minor"/>
+    </dgm:style>
+  </dgm:styleLbl>
+  <dgm:styleLbl name="alignAcc1">
+    <dgm:scene3d>
+      <a:camera prst="orthographicFront"/>
+      <a:lightRig rig="threePt" dir="t"/>
+    </dgm:scene3d>
+    <dgm:sp3d/>
+    <dgm:txPr/>
+    <dgm:style>
+      <a:lnRef idx="2">
+        <a:scrgbClr r="0" g="0" b="0"/>
+      </a:lnRef>
+      <a:fillRef idx="1">
+        <a:scrgbClr r="0" g="0" b="0"/>
+      </a:fillRef>
+      <a:effectRef idx="0">
+        <a:scrgbClr r="0" g="0" b="0"/>
+      </a:effectRef>
+      <a:fontRef idx="minor"/>
+    </dgm:style>
+  </dgm:styleLbl>
+  <dgm:styleLbl name="trAlignAcc1">
+    <dgm:scene3d>
+      <a:camera prst="orthographicFront"/>
+      <a:lightRig rig="threePt" dir="t"/>
+    </dgm:scene3d>
+    <dgm:sp3d/>
+    <dgm:txPr/>
+    <dgm:style>
+      <a:lnRef idx="1">
+        <a:scrgbClr r="0" g="0" b="0"/>
+      </a:lnRef>
+      <a:fillRef idx="1">
+        <a:scrgbClr r="0" g="0" b="0"/>
+      </a:fillRef>
+      <a:effectRef idx="0">
+        <a:scrgbClr r="0" g="0" b="0"/>
+      </a:effectRef>
+      <a:fontRef idx="minor"/>
+    </dgm:style>
+  </dgm:styleLbl>
+  <dgm:styleLbl name="bgAcc1">
+    <dgm:scene3d>
+      <a:camera prst="orthographicFront"/>
+      <a:lightRig rig="threePt" dir="t"/>
+    </dgm:scene3d>
+    <dgm:sp3d/>
+    <dgm:txPr/>
+    <dgm:style>
+      <a:lnRef idx="2">
+        <a:scrgbClr r="0" g="0" b="0"/>
+      </a:lnRef>
+      <a:fillRef idx="1">
+        <a:scrgbClr r="0" g="0" b="0"/>
+      </a:fillRef>
+      <a:effectRef idx="0">
+        <a:scrgbClr r="0" g="0" b="0"/>
+      </a:effectRef>
+      <a:fontRef idx="minor"/>
+    </dgm:style>
+  </dgm:styleLbl>
+  <dgm:styleLbl name="solidFgAcc1">
+    <dgm:scene3d>
+      <a:camera prst="orthographicFront"/>
+      <a:lightRig rig="threePt" dir="t"/>
+    </dgm:scene3d>
+    <dgm:sp3d/>
+    <dgm:txPr/>
+    <dgm:style>
+      <a:lnRef idx="2">
+        <a:scrgbClr r="0" g="0" b="0"/>
+      </a:lnRef>
+      <a:fillRef idx="1">
+        <a:scrgbClr r="0" g="0" b="0"/>
+      </a:fillRef>
+      <a:effectRef idx="0">
+        <a:scrgbClr r="0" g="0" b="0"/>
+      </a:effectRef>
+      <a:fontRef idx="minor"/>
+    </dgm:style>
+  </dgm:styleLbl>
+  <dgm:styleLbl name="solidAlignAcc1">
+    <dgm:scene3d>
+      <a:camera prst="orthographicFront"/>
+      <a:lightRig rig="threePt" dir="t"/>
+    </dgm:scene3d>
+    <dgm:sp3d/>
+    <dgm:txPr/>
+    <dgm:style>
+      <a:lnRef idx="2">
+        <a:scrgbClr r="0" g="0" b="0"/>
+      </a:lnRef>
+      <a:fillRef idx="1">
+        <a:scrgbClr r="0" g="0" b="0"/>
+      </a:fillRef>
+      <a:effectRef idx="0">
+        <a:scrgbClr r="0" g="0" b="0"/>
+      </a:effectRef>
+      <a:fontRef idx="minor"/>
+    </dgm:style>
+  </dgm:styleLbl>
+  <dgm:styleLbl name="solidBgAcc1">
+    <dgm:scene3d>
+      <a:camera prst="orthographicFront"/>
+      <a:lightRig rig="threePt" dir="t"/>
+    </dgm:scene3d>
+    <dgm:sp3d/>
+    <dgm:txPr/>
+    <dgm:style>
+      <a:lnRef idx="2">
+        <a:scrgbClr r="0" g="0" b="0"/>
+      </a:lnRef>
+      <a:fillRef idx="1">
+        <a:scrgbClr r="0" g="0" b="0"/>
+      </a:fillRef>
+      <a:effectRef idx="0">
+        <a:scrgbClr r="0" g="0" b="0"/>
+      </a:effectRef>
+      <a:fontRef idx="minor"/>
+    </dgm:style>
+  </dgm:styleLbl>
+  <dgm:styleLbl name="fgAccFollowNode1">
+    <dgm:scene3d>
+      <a:camera prst="orthographicFront"/>
+      <a:lightRig rig="threePt" dir="t"/>
+    </dgm:scene3d>
+    <dgm:sp3d/>
+    <dgm:txPr/>
+    <dgm:style>
+      <a:lnRef idx="2">
+        <a:scrgbClr r="0" g="0" b="0"/>
+      </a:lnRef>
+      <a:fillRef idx="1">
+        <a:scrgbClr r="0" g="0" b="0"/>
+      </a:fillRef>
+      <a:effectRef idx="0">
+        <a:scrgbClr r="0" g="0" b="0"/>
+      </a:effectRef>
+      <a:fontRef idx="minor"/>
+    </dgm:style>
+  </dgm:styleLbl>
+  <dgm:styleLbl name="alignAccFollowNode1">
+    <dgm:scene3d>
+      <a:camera prst="orthographicFront"/>
+      <a:lightRig rig="threePt" dir="t"/>
+    </dgm:scene3d>
+    <dgm:sp3d/>
+    <dgm:txPr/>
+    <dgm:style>
+      <a:lnRef idx="2">
+        <a:scrgbClr r="0" g="0" b="0"/>
+      </a:lnRef>
+      <a:fillRef idx="1">
+        <a:scrgbClr r="0" g="0" b="0"/>
+      </a:fillRef>
+      <a:effectRef idx="0">
+        <a:scrgbClr r="0" g="0" b="0"/>
+      </a:effectRef>
+      <a:fontRef idx="minor"/>
+    </dgm:style>
+  </dgm:styleLbl>
+  <dgm:styleLbl name="bgAccFollowNode1">
+    <dgm:scene3d>
+      <a:camera prst="orthographicFront"/>
+      <a:lightRig rig="threePt" dir="t"/>
+    </dgm:scene3d>
+    <dgm:sp3d/>
+    <dgm:txPr/>
+    <dgm:style>
+      <a:lnRef idx="2">
+        <a:scrgbClr r="0" g="0" b="0"/>
+      </a:lnRef>
+      <a:fillRef idx="1">
+        <a:scrgbClr r="0" g="0" b="0"/>
+      </a:fillRef>
+      <a:effectRef idx="0">
+        <a:scrgbClr r="0" g="0" b="0"/>
+      </a:effectRef>
+      <a:fontRef idx="minor"/>
+    </dgm:style>
+  </dgm:styleLbl>
+  <dgm:styleLbl name="fgAcc0">
+    <dgm:scene3d>
+      <a:camera prst="orthographicFront"/>
+      <a:lightRig rig="threePt" dir="t"/>
+    </dgm:scene3d>
+    <dgm:sp3d/>
+    <dgm:txPr/>
+    <dgm:style>
+      <a:lnRef idx="2">
+        <a:scrgbClr r="0" g="0" b="0"/>
+      </a:lnRef>
+      <a:fillRef idx="1">
+        <a:scrgbClr r="0" g="0" b="0"/>
+      </a:fillRef>
+      <a:effectRef idx="0">
+        <a:scrgbClr r="0" g="0" b="0"/>
+      </a:effectRef>
+      <a:fontRef idx="minor"/>
+    </dgm:style>
+  </dgm:styleLbl>
+  <dgm:styleLbl name="fgAcc2">
+    <dgm:scene3d>
+      <a:camera prst="orthographicFront"/>
+      <a:lightRig rig="threePt" dir="t"/>
+    </dgm:scene3d>
+    <dgm:sp3d/>
+    <dgm:txPr/>
+    <dgm:style>
+      <a:lnRef idx="2">
+        <a:scrgbClr r="0" g="0" b="0"/>
+      </a:lnRef>
+      <a:fillRef idx="1">
+        <a:scrgbClr r="0" g="0" b="0"/>
+      </a:fillRef>
+      <a:effectRef idx="0">
+        <a:scrgbClr r="0" g="0" b="0"/>
+      </a:effectRef>
+      <a:fontRef idx="minor"/>
+    </dgm:style>
+  </dgm:styleLbl>
+  <dgm:styleLbl name="fgAcc3">
+    <dgm:scene3d>
+      <a:camera prst="orthographicFront"/>
+      <a:lightRig rig="threePt" dir="t"/>
+    </dgm:scene3d>
+    <dgm:sp3d/>
+    <dgm:txPr/>
+    <dgm:style>
+      <a:lnRef idx="2">
+        <a:scrgbClr r="0" g="0" b="0"/>
+      </a:lnRef>
+      <a:fillRef idx="1">
+        <a:scrgbClr r="0" g="0" b="0"/>
+      </a:fillRef>
+      <a:effectRef idx="0">
+        <a:scrgbClr r="0" g="0" b="0"/>
+      </a:effectRef>
+      <a:fontRef idx="minor"/>
+    </dgm:style>
+  </dgm:styleLbl>
+  <dgm:styleLbl name="fgAcc4">
+    <dgm:scene3d>
+      <a:camera prst="orthographicFront"/>
+      <a:lightRig rig="threePt" dir="t"/>
+    </dgm:scene3d>
+    <dgm:sp3d/>
+    <dgm:txPr/>
+    <dgm:style>
+      <a:lnRef idx="2">
+        <a:scrgbClr r="0" g="0" b="0"/>
+      </a:lnRef>
+      <a:fillRef idx="1">
+        <a:scrgbClr r="0" g="0" b="0"/>
+      </a:fillRef>
+      <a:effectRef idx="0">
+        <a:scrgbClr r="0" g="0" b="0"/>
+      </a:effectRef>
+      <a:fontRef idx="minor"/>
+    </dgm:style>
+  </dgm:styleLbl>
+  <dgm:styleLbl name="bgShp">
+    <dgm:scene3d>
+      <a:camera prst="orthographicFront"/>
+      <a:lightRig rig="threePt" dir="t"/>
+    </dgm:scene3d>
+    <dgm:sp3d/>
+    <dgm:txPr/>
+    <dgm:style>
+      <a:lnRef idx="0">
+        <a:scrgbClr r="0" g="0" b="0"/>
+      </a:lnRef>
+      <a:fillRef idx="1">
+        <a:scrgbClr r="0" g="0" b="0"/>
+      </a:fillRef>
+      <a:effectRef idx="0">
+        <a:scrgbClr r="0" g="0" b="0"/>
+      </a:effectRef>
+      <a:fontRef idx="minor"/>
+    </dgm:style>
+  </dgm:styleLbl>
+  <dgm:styleLbl name="dkBgShp">
+    <dgm:scene3d>
+      <a:camera prst="orthographicFront"/>
+      <a:lightRig rig="threePt" dir="t"/>
+    </dgm:scene3d>
+    <dgm:sp3d/>
+    <dgm:txPr/>
+    <dgm:style>
+      <a:lnRef idx="0">
+        <a:scrgbClr r="0" g="0" b="0"/>
+      </a:lnRef>
+      <a:fillRef idx="1">
+        <a:scrgbClr r="0" g="0" b="0"/>
+      </a:fillRef>
+      <a:effectRef idx="0">
+        <a:scrgbClr r="0" g="0" b="0"/>
+      </a:effectRef>
+      <a:fontRef idx="minor"/>
+    </dgm:style>
+  </dgm:styleLbl>
+  <dgm:styleLbl name="trBgShp">
+    <dgm:scene3d>
+      <a:camera prst="orthographicFront"/>
+      <a:lightRig rig="threePt" dir="t"/>
+    </dgm:scene3d>
+    <dgm:sp3d/>
+    <dgm:txPr/>
+    <dgm:style>
+      <a:lnRef idx="0">
+        <a:scrgbClr r="0" g="0" b="0"/>
+      </a:lnRef>
+      <a:fillRef idx="1">
+        <a:scrgbClr r="0" g="0" b="0"/>
+      </a:fillRef>
+      <a:effectRef idx="0">
+        <a:scrgbClr r="0" g="0" b="0"/>
+      </a:effectRef>
+      <a:fontRef idx="minor"/>
+    </dgm:style>
+  </dgm:styleLbl>
+  <dgm:styleLbl name="fgShp">
+    <dgm:scene3d>
+      <a:camera prst="orthographicFront"/>
+      <a:lightRig rig="threePt" dir="t"/>
+    </dgm:scene3d>
+    <dgm:sp3d/>
+    <dgm:txPr/>
+    <dgm:style>
+      <a:lnRef idx="2">
+        <a:scrgbClr r="0" g="0" b="0"/>
+      </a:lnRef>
+      <a:fillRef idx="1">
+        <a:scrgbClr r="0" g="0" b="0"/>
+      </a:fillRef>
+      <a:effectRef idx="0">
+        <a:scrgbClr r="0" g="0" b="0"/>
+      </a:effectRef>
+      <a:fontRef idx="minor"/>
+    </dgm:style>
+  </dgm:styleLbl>
+  <dgm:styleLbl name="revTx">
+    <dgm:scene3d>
+      <a:camera prst="orthographicFront"/>
+      <a:lightRig rig="threePt" dir="t"/>
+    </dgm:scene3d>
+    <dgm:sp3d/>
+    <dgm:txPr/>
+    <dgm:style>
+      <a:lnRef idx="0">
+        <a:scrgbClr r="0" g="0" b="0"/>
+      </a:lnRef>
+      <a:fillRef idx="0">
+        <a:scrgbClr r="0" g="0" b="0"/>
+      </a:fillRef>
+      <a:effectRef idx="0">
+        <a:scrgbClr r="0" g="0" b="0"/>
+      </a:effectRef>
+      <a:fontRef idx="minor"/>
+    </dgm:style>
+  </dgm:styleLbl>
+</dgm:styleDef>
+</file>
+
 <file path=ppt/notesMasters/notesMaster1.xml><?xml version="1.0" encoding="utf-8"?>
 <p:notesMaster xmlns:a="http://schemas.openxmlformats.org/drawingml/2006/main" xmlns:r="http://schemas.openxmlformats.org/officeDocument/2006/relationships" xmlns:p="http://schemas.openxmlformats.org/presentationml/2006/main">
   <p:cSld>
@@ -214,7 +4022,7 @@
           <a:p>
             <a:fld id="{B04D6A3B-4644-4D38-BAA0-D822DD13E2BB}" type="datetimeFigureOut">
               <a:rPr lang="zh-CN" altLang="en-US" smtClean="0"/>
-              <a:t>2018/7/12</a:t>
+              <a:t>2018/7/13</a:t>
             </a:fld>
             <a:endParaRPr lang="zh-CN" altLang="en-US"/>
           </a:p>
@@ -616,7 +4424,23 @@
           <a:p>
             <a:r>
               <a:rPr lang="zh-CN" altLang="en-US" dirty="0" smtClean="0"/>
-              <a:t>嵌入式处理器的优势</a:t>
+              <a:t>嵌入式处理器的优势，特别强调</a:t>
+            </a:r>
+            <a:r>
+              <a:rPr lang="en-US" altLang="zh-CN" dirty="0" smtClean="0"/>
+              <a:t>Intel UP2 </a:t>
+            </a:r>
+            <a:r>
+              <a:rPr lang="zh-CN" altLang="en-US" dirty="0" smtClean="0"/>
+              <a:t>不仅具有嵌入式处理器的优势，还具有高的性能</a:t>
+            </a:r>
+            <a:r>
+              <a:rPr lang="en-US" altLang="zh-CN" dirty="0" smtClean="0"/>
+              <a:t>/</a:t>
+            </a:r>
+            <a:r>
+              <a:rPr lang="zh-CN" altLang="en-US" dirty="0" smtClean="0"/>
+              <a:t>功耗比</a:t>
             </a:r>
             <a:endParaRPr lang="zh-CN" altLang="en-US" dirty="0"/>
           </a:p>
@@ -3497,7 +7321,7 @@
           <a:p>
             <a:fld id="{2A8297D9-153B-4491-9033-3D1DD09D595F}" type="datetimeFigureOut">
               <a:rPr lang="zh-CN" altLang="en-US" smtClean="0"/>
-              <a:t>2018/7/12</a:t>
+              <a:t>2018/7/13</a:t>
             </a:fld>
             <a:endParaRPr lang="zh-CN" altLang="en-US"/>
           </a:p>
@@ -3663,7 +7487,7 @@
           <a:p>
             <a:fld id="{2A8297D9-153B-4491-9033-3D1DD09D595F}" type="datetimeFigureOut">
               <a:rPr lang="zh-CN" altLang="en-US" smtClean="0"/>
-              <a:t>2018/7/12</a:t>
+              <a:t>2018/7/13</a:t>
             </a:fld>
             <a:endParaRPr lang="zh-CN" altLang="en-US"/>
           </a:p>
@@ -3867,7 +7691,7 @@
           <a:p>
             <a:fld id="{2A8297D9-153B-4491-9033-3D1DD09D595F}" type="datetimeFigureOut">
               <a:rPr lang="zh-CN" altLang="en-US" smtClean="0"/>
-              <a:t>2018/7/12</a:t>
+              <a:t>2018/7/13</a:t>
             </a:fld>
             <a:endParaRPr lang="zh-CN" altLang="en-US"/>
           </a:p>
@@ -4400,35 +8224,42 @@
           <a:p>
             <a:r>
               <a:rPr lang="zh-CN" altLang="en-US" dirty="0" smtClean="0"/>
-              <a:t>镜像调度</a:t>
+              <a:t>共享算力</a:t>
             </a:r>
             <a:endParaRPr lang="zh-CN" altLang="en-US" dirty="0"/>
           </a:p>
         </p:txBody>
       </p:sp>
-      <p:sp>
-        <p:nvSpPr>
-          <p:cNvPr id="3" name="内容占位符 2"/>
-          <p:cNvSpPr>
-            <a:spLocks noGrp="1"/>
-          </p:cNvSpPr>
+      <p:pic>
+        <p:nvPicPr>
+          <p:cNvPr id="4" name="内容占位符 3"/>
+          <p:cNvPicPr>
+            <a:picLocks noGrp="1"/>
+          </p:cNvPicPr>
           <p:nvPr>
             <p:ph idx="1"/>
           </p:nvPr>
-        </p:nvSpPr>
-        <p:spPr/>
-        <p:txBody>
-          <a:bodyPr/>
-          <a:lstStyle/>
-          <a:p>
-            <a:endParaRPr lang="zh-CN" altLang="en-US"/>
-          </a:p>
-        </p:txBody>
-      </p:sp>
+        </p:nvPicPr>
+        <p:blipFill>
+          <a:blip r:embed="rId2"/>
+          <a:stretch>
+            <a:fillRect/>
+          </a:stretch>
+        </p:blipFill>
+        <p:spPr>
+          <a:xfrm>
+            <a:off x="838200" y="1690688"/>
+            <a:ext cx="8792792" cy="4351338"/>
+          </a:xfrm>
+          <a:prstGeom prst="rect">
+            <a:avLst/>
+          </a:prstGeom>
+        </p:spPr>
+      </p:pic>
     </p:spTree>
     <p:extLst>
       <p:ext uri="{BB962C8B-B14F-4D97-AF65-F5344CB8AC3E}">
-        <p14:creationId xmlns:p14="http://schemas.microsoft.com/office/powerpoint/2010/main" val="2456068307"/>
+        <p14:creationId xmlns:p14="http://schemas.microsoft.com/office/powerpoint/2010/main" val="1147578604"/>
       </p:ext>
     </p:extLst>
   </p:cSld>
@@ -4472,35 +8303,42 @@
           <a:p>
             <a:r>
               <a:rPr lang="zh-CN" altLang="en-US" dirty="0" smtClean="0"/>
-              <a:t>共享算力</a:t>
+              <a:t>节点监控</a:t>
             </a:r>
             <a:endParaRPr lang="zh-CN" altLang="en-US" dirty="0"/>
           </a:p>
         </p:txBody>
       </p:sp>
-      <p:sp>
-        <p:nvSpPr>
-          <p:cNvPr id="3" name="内容占位符 2"/>
-          <p:cNvSpPr>
-            <a:spLocks noGrp="1"/>
-          </p:cNvSpPr>
+      <p:pic>
+        <p:nvPicPr>
+          <p:cNvPr id="4" name="内容占位符 3"/>
+          <p:cNvPicPr>
+            <a:picLocks noGrp="1"/>
+          </p:cNvPicPr>
           <p:nvPr>
             <p:ph idx="1"/>
           </p:nvPr>
-        </p:nvSpPr>
-        <p:spPr/>
-        <p:txBody>
-          <a:bodyPr/>
-          <a:lstStyle/>
-          <a:p>
-            <a:endParaRPr lang="zh-CN" altLang="en-US"/>
-          </a:p>
-        </p:txBody>
-      </p:sp>
+        </p:nvPicPr>
+        <p:blipFill>
+          <a:blip r:embed="rId2"/>
+          <a:stretch>
+            <a:fillRect/>
+          </a:stretch>
+        </p:blipFill>
+        <p:spPr>
+          <a:xfrm>
+            <a:off x="838200" y="1690688"/>
+            <a:ext cx="8760436" cy="4351338"/>
+          </a:xfrm>
+          <a:prstGeom prst="rect">
+            <a:avLst/>
+          </a:prstGeom>
+        </p:spPr>
+      </p:pic>
     </p:spTree>
     <p:extLst>
       <p:ext uri="{BB962C8B-B14F-4D97-AF65-F5344CB8AC3E}">
-        <p14:creationId xmlns:p14="http://schemas.microsoft.com/office/powerpoint/2010/main" val="1147578604"/>
+        <p14:creationId xmlns:p14="http://schemas.microsoft.com/office/powerpoint/2010/main" val="1355621563"/>
       </p:ext>
     </p:extLst>
   </p:cSld>
@@ -4587,7 +8425,7 @@
       </p:grpSpPr>
       <p:sp>
         <p:nvSpPr>
-          <p:cNvPr id="2" name="标题 1"/>
+          <p:cNvPr id="5" name="标题 1"/>
           <p:cNvSpPr>
             <a:spLocks noGrp="1"/>
           </p:cNvSpPr>
@@ -4595,38 +8433,50 @@
             <p:ph type="title"/>
           </p:nvPr>
         </p:nvSpPr>
-        <p:spPr/>
+        <p:spPr>
+          <a:xfrm>
+            <a:off x="838200" y="365125"/>
+            <a:ext cx="10515600" cy="1325563"/>
+          </a:xfrm>
+        </p:spPr>
         <p:txBody>
           <a:bodyPr/>
           <a:lstStyle/>
           <a:p>
-            <a:endParaRPr lang="zh-CN" altLang="en-US"/>
+            <a:r>
+              <a:rPr lang="zh-CN" altLang="en-US" dirty="0" smtClean="0"/>
+              <a:t>模块分解</a:t>
+            </a:r>
+            <a:endParaRPr lang="zh-CN" altLang="en-US" dirty="0"/>
           </a:p>
         </p:txBody>
       </p:sp>
-      <p:sp>
-        <p:nvSpPr>
-          <p:cNvPr id="3" name="内容占位符 2"/>
-          <p:cNvSpPr>
-            <a:spLocks noGrp="1"/>
-          </p:cNvSpPr>
+      <p:graphicFrame>
+        <p:nvGraphicFramePr>
+          <p:cNvPr id="6" name="图示 5"/>
+          <p:cNvGraphicFramePr/>
           <p:nvPr>
-            <p:ph idx="1"/>
+            <p:extLst>
+              <p:ext uri="{D42A27DB-BD31-4B8C-83A1-F6EECF244321}">
+                <p14:modId xmlns:p14="http://schemas.microsoft.com/office/powerpoint/2010/main" val="2313434991"/>
+              </p:ext>
+            </p:extLst>
           </p:nvPr>
-        </p:nvSpPr>
-        <p:spPr/>
-        <p:txBody>
-          <a:bodyPr/>
-          <a:lstStyle/>
-          <a:p>
-            <a:endParaRPr lang="zh-CN" altLang="en-US"/>
-          </a:p>
-        </p:txBody>
-      </p:sp>
+        </p:nvGraphicFramePr>
+        <p:xfrm>
+          <a:off x="2032000" y="719666"/>
+          <a:ext cx="8128000" cy="5418667"/>
+        </p:xfrm>
+        <a:graphic>
+          <a:graphicData uri="http://schemas.openxmlformats.org/drawingml/2006/diagram">
+            <dgm:relIds xmlns:dgm="http://schemas.openxmlformats.org/drawingml/2006/diagram" xmlns:r="http://schemas.openxmlformats.org/officeDocument/2006/relationships" r:dm="rId2" r:lo="rId3" r:qs="rId4" r:cs="rId5"/>
+          </a:graphicData>
+        </a:graphic>
+      </p:graphicFrame>
     </p:spTree>
     <p:extLst>
       <p:ext uri="{BB962C8B-B14F-4D97-AF65-F5344CB8AC3E}">
-        <p14:creationId xmlns:p14="http://schemas.microsoft.com/office/powerpoint/2010/main" val="2504655999"/>
+        <p14:creationId xmlns:p14="http://schemas.microsoft.com/office/powerpoint/2010/main" val="1447339033"/>
       </p:ext>
     </p:extLst>
   </p:cSld>
@@ -4663,29 +8513,75 @@
             <p:ph type="title"/>
           </p:nvPr>
         </p:nvSpPr>
-        <p:spPr>
-          <a:xfrm>
-            <a:off x="838200" y="2766219"/>
-            <a:ext cx="10515600" cy="1325563"/>
-          </a:xfrm>
-        </p:spPr>
+        <p:spPr/>
         <p:txBody>
           <a:bodyPr/>
           <a:lstStyle/>
           <a:p>
-            <a:pPr algn="ctr"/>
             <a:r>
               <a:rPr lang="zh-CN" altLang="en-US" dirty="0" smtClean="0"/>
-              <a:t>系统测试</a:t>
+              <a:t>管理模块</a:t>
             </a:r>
             <a:endParaRPr lang="zh-CN" altLang="en-US" dirty="0"/>
           </a:p>
         </p:txBody>
       </p:sp>
+      <p:sp>
+        <p:nvSpPr>
+          <p:cNvPr id="3" name="内容占位符 2"/>
+          <p:cNvSpPr>
+            <a:spLocks noGrp="1"/>
+          </p:cNvSpPr>
+          <p:nvPr>
+            <p:ph idx="1"/>
+          </p:nvPr>
+        </p:nvSpPr>
+        <p:spPr/>
+        <p:txBody>
+          <a:bodyPr/>
+          <a:lstStyle/>
+          <a:p>
+            <a:endParaRPr lang="zh-CN" altLang="en-US" dirty="0"/>
+          </a:p>
+        </p:txBody>
+      </p:sp>
+      <p:pic>
+        <p:nvPicPr>
+          <p:cNvPr id="4" name="图片 3" descr="Y:\RamDisk\图片1.png"/>
+          <p:cNvPicPr/>
+          <p:nvPr/>
+        </p:nvPicPr>
+        <p:blipFill>
+          <a:blip r:embed="rId2">
+            <a:extLst>
+              <a:ext uri="{28A0092B-C50C-407E-A947-70E740481C1C}">
+                <a14:useLocalDpi xmlns:a14="http://schemas.microsoft.com/office/drawing/2010/main" val="0"/>
+              </a:ext>
+            </a:extLst>
+          </a:blip>
+          <a:srcRect/>
+          <a:stretch>
+            <a:fillRect/>
+          </a:stretch>
+        </p:blipFill>
+        <p:spPr bwMode="auto">
+          <a:xfrm>
+            <a:off x="2689753" y="1690688"/>
+            <a:ext cx="6812493" cy="4214860"/>
+          </a:xfrm>
+          <a:prstGeom prst="rect">
+            <a:avLst/>
+          </a:prstGeom>
+          <a:noFill/>
+          <a:ln>
+            <a:noFill/>
+          </a:ln>
+        </p:spPr>
+      </p:pic>
     </p:spTree>
     <p:extLst>
       <p:ext uri="{BB962C8B-B14F-4D97-AF65-F5344CB8AC3E}">
-        <p14:creationId xmlns:p14="http://schemas.microsoft.com/office/powerpoint/2010/main" val="3188871725"/>
+        <p14:creationId xmlns:p14="http://schemas.microsoft.com/office/powerpoint/2010/main" val="2392818441"/>
       </p:ext>
     </p:extLst>
   </p:cSld>
@@ -4727,7 +8623,11 @@
           <a:bodyPr/>
           <a:lstStyle/>
           <a:p>
-            <a:endParaRPr lang="zh-CN" altLang="en-US"/>
+            <a:r>
+              <a:rPr lang="zh-CN" altLang="en-US" dirty="0" smtClean="0"/>
+              <a:t>容器模块</a:t>
+            </a:r>
+            <a:endParaRPr lang="zh-CN" altLang="en-US" dirty="0"/>
           </a:p>
         </p:txBody>
       </p:sp>
@@ -4746,14 +8646,29 @@
           <a:bodyPr/>
           <a:lstStyle/>
           <a:p>
-            <a:endParaRPr lang="zh-CN" altLang="en-US"/>
+            <a:r>
+              <a:rPr lang="zh-CN" altLang="en-US" dirty="0" smtClean="0"/>
+              <a:t>节点通信</a:t>
+            </a:r>
+            <a:endParaRPr lang="en-US" altLang="zh-CN" dirty="0" smtClean="0"/>
+          </a:p>
+          <a:p>
+            <a:r>
+              <a:rPr lang="zh-CN" altLang="en-US" dirty="0"/>
+              <a:t>资源</a:t>
+            </a:r>
+            <a:r>
+              <a:rPr lang="zh-CN" altLang="en-US" dirty="0" smtClean="0"/>
+              <a:t>占用检测</a:t>
+            </a:r>
+            <a:endParaRPr lang="zh-CN" altLang="en-US" dirty="0"/>
           </a:p>
         </p:txBody>
       </p:sp>
     </p:spTree>
     <p:extLst>
       <p:ext uri="{BB962C8B-B14F-4D97-AF65-F5344CB8AC3E}">
-        <p14:creationId xmlns:p14="http://schemas.microsoft.com/office/powerpoint/2010/main" val="2713376824"/>
+        <p14:creationId xmlns:p14="http://schemas.microsoft.com/office/powerpoint/2010/main" val="2866525960"/>
       </p:ext>
     </p:extLst>
   </p:cSld>
@@ -4790,70 +8705,16 @@
             <p:ph type="title"/>
           </p:nvPr>
         </p:nvSpPr>
-        <p:spPr>
-          <a:xfrm>
-            <a:off x="838200" y="2766219"/>
-            <a:ext cx="10515600" cy="1325563"/>
-          </a:xfrm>
-        </p:spPr>
-        <p:txBody>
-          <a:bodyPr/>
-          <a:lstStyle/>
-          <a:p>
-            <a:pPr algn="ctr"/>
-            <a:r>
-              <a:rPr lang="zh-CN" altLang="en-US" dirty="0"/>
-              <a:t>技术难点</a:t>
-            </a:r>
-          </a:p>
-        </p:txBody>
-      </p:sp>
-    </p:spTree>
-    <p:extLst>
-      <p:ext uri="{BB962C8B-B14F-4D97-AF65-F5344CB8AC3E}">
-        <p14:creationId xmlns:p14="http://schemas.microsoft.com/office/powerpoint/2010/main" val="671612601"/>
-      </p:ext>
-    </p:extLst>
-  </p:cSld>
-  <p:clrMapOvr>
-    <a:masterClrMapping/>
-  </p:clrMapOvr>
-</p:sld>
-</file>
-
-<file path=ppt/slides/slide17.xml><?xml version="1.0" encoding="utf-8"?>
-<p:sld xmlns:a="http://schemas.openxmlformats.org/drawingml/2006/main" xmlns:r="http://schemas.openxmlformats.org/officeDocument/2006/relationships" xmlns:p="http://schemas.openxmlformats.org/presentationml/2006/main">
-  <p:cSld>
-    <p:spTree>
-      <p:nvGrpSpPr>
-        <p:cNvPr id="1" name=""/>
-        <p:cNvGrpSpPr/>
-        <p:nvPr/>
-      </p:nvGrpSpPr>
-      <p:grpSpPr>
-        <a:xfrm>
-          <a:off x="0" y="0"/>
-          <a:ext cx="0" cy="0"/>
-          <a:chOff x="0" y="0"/>
-          <a:chExt cx="0" cy="0"/>
-        </a:xfrm>
-      </p:grpSpPr>
-      <p:sp>
-        <p:nvSpPr>
-          <p:cNvPr id="2" name="标题 1"/>
-          <p:cNvSpPr>
-            <a:spLocks noGrp="1"/>
-          </p:cNvSpPr>
-          <p:nvPr>
-            <p:ph type="title"/>
-          </p:nvPr>
-        </p:nvSpPr>
         <p:spPr/>
         <p:txBody>
           <a:bodyPr/>
           <a:lstStyle/>
           <a:p>
-            <a:endParaRPr lang="zh-CN" altLang="en-US"/>
+            <a:r>
+              <a:rPr lang="zh-CN" altLang="en-US" dirty="0" smtClean="0"/>
+              <a:t>调度模块</a:t>
+            </a:r>
+            <a:endParaRPr lang="zh-CN" altLang="en-US" dirty="0"/>
           </a:p>
         </p:txBody>
       </p:sp>
@@ -4872,14 +8733,48 @@
           <a:bodyPr/>
           <a:lstStyle/>
           <a:p>
-            <a:endParaRPr lang="zh-CN" altLang="en-US"/>
+            <a:r>
+              <a:rPr lang="zh-CN" altLang="en-US" dirty="0" smtClean="0"/>
+              <a:t>训练模块</a:t>
+            </a:r>
+            <a:endParaRPr lang="en-US" altLang="zh-CN" dirty="0" smtClean="0"/>
+          </a:p>
+          <a:p>
+            <a:r>
+              <a:rPr lang="zh-CN" altLang="en-US" dirty="0"/>
+              <a:t>预测</a:t>
+            </a:r>
+            <a:r>
+              <a:rPr lang="zh-CN" altLang="en-US" dirty="0" smtClean="0"/>
+              <a:t>模块</a:t>
+            </a:r>
+            <a:endParaRPr lang="en-US" altLang="zh-CN" dirty="0"/>
+          </a:p>
+          <a:p>
+            <a:r>
+              <a:rPr lang="en-US" altLang="zh-CN" dirty="0" smtClean="0"/>
+              <a:t>GBRT(Gradient Boost Regression Tree, </a:t>
+            </a:r>
+            <a:r>
+              <a:rPr lang="zh-CN" altLang="en-US" dirty="0" smtClean="0"/>
+              <a:t>渐进梯度回归树</a:t>
+            </a:r>
+            <a:r>
+              <a:rPr lang="en-US" altLang="zh-CN" dirty="0" smtClean="0"/>
+              <a:t>)</a:t>
+            </a:r>
+            <a:r>
+              <a:rPr lang="zh-CN" altLang="en-US" dirty="0" smtClean="0"/>
+              <a:t>算法</a:t>
+            </a:r>
+            <a:endParaRPr lang="en-US" altLang="zh-CN" dirty="0" smtClean="0"/>
           </a:p>
         </p:txBody>
       </p:sp>
     </p:spTree>
     <p:extLst>
       <p:ext uri="{BB962C8B-B14F-4D97-AF65-F5344CB8AC3E}">
-        <p14:creationId xmlns:p14="http://schemas.microsoft.com/office/powerpoint/2010/main" val="136621511"/>
+        <p14:creationId xmlns:p14="http://schemas.microsoft.com/office/powerpoint/2010/main" val="3346945564"/>
       </p:ext>
     </p:extLst>
   </p:cSld>
@@ -4889,7 +8784,7 @@
 </p:sld>
 </file>
 
-<file path=ppt/slides/slide18.xml><?xml version="1.0" encoding="utf-8"?>
+<file path=ppt/slides/slide17.xml><?xml version="1.0" encoding="utf-8"?>
 <p:sld xmlns:a="http://schemas.openxmlformats.org/drawingml/2006/main" xmlns:r="http://schemas.openxmlformats.org/officeDocument/2006/relationships" xmlns:p="http://schemas.openxmlformats.org/presentationml/2006/main">
   <p:cSld>
     <p:spTree>
@@ -5015,6 +8910,13 @@
           </a:p>
           <a:p>
             <a:r>
+              <a:rPr lang="zh-CN" altLang="en-US" dirty="0"/>
+              <a:t>相关技术</a:t>
+            </a:r>
+            <a:endParaRPr lang="en-US" altLang="zh-CN" dirty="0" smtClean="0"/>
+          </a:p>
+          <a:p>
+            <a:r>
               <a:rPr lang="zh-CN" altLang="en-US" dirty="0" smtClean="0"/>
               <a:t>功能特色</a:t>
             </a:r>
@@ -5022,22 +8924,8 @@
           </a:p>
           <a:p>
             <a:r>
-              <a:rPr lang="zh-CN" altLang="en-US" dirty="0" smtClean="0"/>
+              <a:rPr lang="zh-CN" altLang="en-US" smtClean="0"/>
               <a:t>系统设计</a:t>
-            </a:r>
-            <a:endParaRPr lang="en-US" altLang="zh-CN" dirty="0" smtClean="0"/>
-          </a:p>
-          <a:p>
-            <a:r>
-              <a:rPr lang="zh-CN" altLang="en-US" dirty="0" smtClean="0"/>
-              <a:t>系统测试</a:t>
-            </a:r>
-            <a:endParaRPr lang="en-US" altLang="zh-CN" dirty="0" smtClean="0"/>
-          </a:p>
-          <a:p>
-            <a:r>
-              <a:rPr lang="zh-CN" altLang="en-US" dirty="0"/>
-              <a:t>技术难点</a:t>
             </a:r>
             <a:endParaRPr lang="en-US" altLang="zh-CN" dirty="0" smtClean="0"/>
           </a:p>
@@ -5777,73 +9665,28 @@
             <p:ph type="title"/>
           </p:nvPr>
         </p:nvSpPr>
-        <p:spPr/>
+        <p:spPr>
+          <a:xfrm>
+            <a:off x="838200" y="2766219"/>
+            <a:ext cx="10515600" cy="1325563"/>
+          </a:xfrm>
+        </p:spPr>
         <p:txBody>
           <a:bodyPr/>
           <a:lstStyle/>
           <a:p>
+            <a:pPr algn="ctr"/>
             <a:r>
-              <a:rPr lang="en-US" altLang="zh-CN" dirty="0"/>
-              <a:t>Up2 </a:t>
+              <a:rPr lang="zh-CN" altLang="en-US" dirty="0"/>
+              <a:t>相关技术</a:t>
             </a:r>
-            <a:r>
-              <a:rPr lang="en-US" altLang="zh-CN" dirty="0" smtClean="0"/>
-              <a:t>Board </a:t>
-            </a:r>
-            <a:r>
-              <a:rPr lang="zh-CN" altLang="en-US" dirty="0" smtClean="0"/>
-              <a:t>技术特点</a:t>
-            </a:r>
-            <a:endParaRPr lang="zh-CN" altLang="en-US" dirty="0"/>
-          </a:p>
-        </p:txBody>
-      </p:sp>
-      <p:sp>
-        <p:nvSpPr>
-          <p:cNvPr id="3" name="内容占位符 2"/>
-          <p:cNvSpPr>
-            <a:spLocks noGrp="1"/>
-          </p:cNvSpPr>
-          <p:nvPr>
-            <p:ph idx="1"/>
-          </p:nvPr>
-        </p:nvSpPr>
-        <p:spPr/>
-        <p:txBody>
-          <a:bodyPr/>
-          <a:lstStyle/>
-          <a:p>
-            <a:r>
-              <a:rPr lang="zh-CN" altLang="en-US" dirty="0" smtClean="0"/>
-              <a:t>与常规嵌入式处理器相比，</a:t>
-            </a:r>
-            <a:r>
-              <a:rPr lang="en-US" altLang="zh-CN" dirty="0" smtClean="0"/>
-              <a:t>Up2 Board</a:t>
-            </a:r>
-            <a:r>
-              <a:rPr lang="zh-CN" altLang="en-US" dirty="0" smtClean="0"/>
-              <a:t>具有更高的性能</a:t>
-            </a:r>
-            <a:r>
-              <a:rPr lang="en-US" altLang="zh-CN" dirty="0" smtClean="0"/>
-              <a:t>/</a:t>
-            </a:r>
-            <a:r>
-              <a:rPr lang="zh-CN" altLang="en-US" dirty="0" smtClean="0"/>
-              <a:t>功耗比。</a:t>
-            </a:r>
-            <a:endParaRPr lang="en-US" altLang="zh-CN" dirty="0" smtClean="0"/>
-          </a:p>
-          <a:p>
-            <a:endParaRPr lang="zh-CN" altLang="en-US" dirty="0"/>
           </a:p>
         </p:txBody>
       </p:sp>
     </p:spTree>
     <p:extLst>
       <p:ext uri="{BB962C8B-B14F-4D97-AF65-F5344CB8AC3E}">
-        <p14:creationId xmlns:p14="http://schemas.microsoft.com/office/powerpoint/2010/main" val="1313480279"/>
+        <p14:creationId xmlns:p14="http://schemas.microsoft.com/office/powerpoint/2010/main" val="1718119418"/>
       </p:ext>
     </p:extLst>
   </p:cSld>
@@ -5960,7 +9803,7 @@
             </a:r>
             <a:r>
               <a:rPr lang="zh-CN" altLang="en-US" dirty="0" smtClean="0"/>
-              <a:t>移植更为简单，实现“一次构建，多次交付”</a:t>
+              <a:t>移植更为简单，实现镜像的“一次构建，多次交付”</a:t>
             </a:r>
             <a:endParaRPr lang="zh-CN" altLang="en-US" dirty="0"/>
           </a:p>
@@ -6107,53 +9950,53 @@
           <a:lstStyle/>
           <a:p>
             <a:r>
-              <a:rPr lang="zh-CN" altLang="en-US" dirty="0"/>
-              <a:t>一</a:t>
+              <a:rPr lang="en-US" altLang="zh-CN" dirty="0" err="1" smtClean="0"/>
+              <a:t>Docker</a:t>
             </a:r>
             <a:r>
               <a:rPr lang="zh-CN" altLang="en-US" dirty="0" smtClean="0"/>
-              <a:t>键部署分布式集群</a:t>
+              <a:t>分发</a:t>
             </a:r>
             <a:endParaRPr lang="zh-CN" altLang="en-US" dirty="0"/>
           </a:p>
         </p:txBody>
       </p:sp>
-      <p:sp>
-        <p:nvSpPr>
-          <p:cNvPr id="3" name="内容占位符 2"/>
-          <p:cNvSpPr>
-            <a:spLocks noGrp="1"/>
-          </p:cNvSpPr>
+      <p:pic>
+        <p:nvPicPr>
+          <p:cNvPr id="4" name="内容占位符 3"/>
+          <p:cNvPicPr>
+            <a:picLocks noGrp="1"/>
+          </p:cNvPicPr>
           <p:nvPr>
             <p:ph idx="1"/>
           </p:nvPr>
-        </p:nvSpPr>
-        <p:spPr/>
-        <p:txBody>
-          <a:bodyPr/>
-          <a:lstStyle/>
-          <a:p>
-            <a:endParaRPr lang="zh-CN" altLang="en-US" dirty="0"/>
-          </a:p>
-        </p:txBody>
-      </p:sp>
+        </p:nvPicPr>
+        <p:blipFill>
+          <a:blip r:embed="rId2"/>
+          <a:stretch>
+            <a:fillRect/>
+          </a:stretch>
+        </p:blipFill>
+        <p:spPr>
+          <a:xfrm>
+            <a:off x="838200" y="1690688"/>
+            <a:ext cx="8786479" cy="4351338"/>
+          </a:xfrm>
+          <a:prstGeom prst="rect">
+            <a:avLst/>
+          </a:prstGeom>
+        </p:spPr>
+      </p:pic>
     </p:spTree>
     <p:extLst>
       <p:ext uri="{BB962C8B-B14F-4D97-AF65-F5344CB8AC3E}">
-        <p14:creationId xmlns:p14="http://schemas.microsoft.com/office/powerpoint/2010/main" val="1062971372"/>
+        <p14:creationId xmlns:p14="http://schemas.microsoft.com/office/powerpoint/2010/main" val="2456068307"/>
       </p:ext>
     </p:extLst>
   </p:cSld>
   <p:clrMapOvr>
     <a:masterClrMapping/>
   </p:clrMapOvr>
-  <p:timing>
-    <p:tnLst>
-      <p:par>
-        <p:cTn id="1" dur="indefinite" restart="never" nodeType="tmRoot"/>
-      </p:par>
-    </p:tnLst>
-  </p:timing>
 </p:sld>
 </file>
 

--- a/doc/演示PPT-v1.pptx
+++ b/doc/演示PPT-v1.pptx
@@ -21,7 +21,7 @@
     <p:sldId id="288" r:id="rId12"/>
     <p:sldId id="275" r:id="rId13"/>
     <p:sldId id="284" r:id="rId14"/>
-    <p:sldId id="285" r:id="rId15"/>
+    <p:sldId id="289" r:id="rId15"/>
     <p:sldId id="286" r:id="rId16"/>
     <p:sldId id="287" r:id="rId17"/>
     <p:sldId id="280" r:id="rId18"/>
@@ -1052,6 +1052,13 @@
         </dgm:presLayoutVars>
       </dgm:prSet>
       <dgm:spPr/>
+      <dgm:t>
+        <a:bodyPr/>
+        <a:lstStyle/>
+        <a:p>
+          <a:endParaRPr lang="zh-CN" altLang="en-US"/>
+        </a:p>
+      </dgm:t>
     </dgm:pt>
     <dgm:pt modelId="{DA9A8DED-A13A-491D-A834-5B70B461478B}" type="pres">
       <dgm:prSet presAssocID="{B6E9CE40-8210-4618-9FDC-328EFECEAE84}" presName="hierRoot1" presStyleCnt="0">
@@ -1072,10 +1079,24 @@
         </dgm:presLayoutVars>
       </dgm:prSet>
       <dgm:spPr/>
+      <dgm:t>
+        <a:bodyPr/>
+        <a:lstStyle/>
+        <a:p>
+          <a:endParaRPr lang="zh-CN" altLang="en-US"/>
+        </a:p>
+      </dgm:t>
     </dgm:pt>
     <dgm:pt modelId="{8BB2EE58-69E3-4962-952E-2318C8AC2D6E}" type="pres">
       <dgm:prSet presAssocID="{B6E9CE40-8210-4618-9FDC-328EFECEAE84}" presName="rootConnector1" presStyleLbl="node1" presStyleIdx="0" presStyleCnt="0"/>
       <dgm:spPr/>
+      <dgm:t>
+        <a:bodyPr/>
+        <a:lstStyle/>
+        <a:p>
+          <a:endParaRPr lang="zh-CN" altLang="en-US"/>
+        </a:p>
+      </dgm:t>
     </dgm:pt>
     <dgm:pt modelId="{D6EC8D47-ECD3-4ED0-AA1E-DB8F5321E315}" type="pres">
       <dgm:prSet presAssocID="{B6E9CE40-8210-4618-9FDC-328EFECEAE84}" presName="hierChild2" presStyleCnt="0"/>
@@ -1084,6 +1105,13 @@
     <dgm:pt modelId="{F800DED3-CA56-481F-9EBD-310F79C76461}" type="pres">
       <dgm:prSet presAssocID="{C5297594-5E9E-4EEA-960D-EF5C0A4FAFD0}" presName="Name37" presStyleLbl="parChTrans1D2" presStyleIdx="0" presStyleCnt="3"/>
       <dgm:spPr/>
+      <dgm:t>
+        <a:bodyPr/>
+        <a:lstStyle/>
+        <a:p>
+          <a:endParaRPr lang="zh-CN" altLang="en-US"/>
+        </a:p>
+      </dgm:t>
     </dgm:pt>
     <dgm:pt modelId="{080387BF-A94F-47CD-8F83-E06BC5A6CC55}" type="pres">
       <dgm:prSet presAssocID="{8D902516-FDB5-4EC1-889E-EE6D25B23EBD}" presName="hierRoot2" presStyleCnt="0">
@@ -1115,6 +1143,13 @@
     <dgm:pt modelId="{30A83FF9-C84D-4F5B-B010-973BFCE26ECA}" type="pres">
       <dgm:prSet presAssocID="{8D902516-FDB5-4EC1-889E-EE6D25B23EBD}" presName="rootConnector" presStyleLbl="node2" presStyleIdx="0" presStyleCnt="3"/>
       <dgm:spPr/>
+      <dgm:t>
+        <a:bodyPr/>
+        <a:lstStyle/>
+        <a:p>
+          <a:endParaRPr lang="zh-CN" altLang="en-US"/>
+        </a:p>
+      </dgm:t>
     </dgm:pt>
     <dgm:pt modelId="{A4BFC471-B019-409E-8200-26F0C18B8E96}" type="pres">
       <dgm:prSet presAssocID="{8D902516-FDB5-4EC1-889E-EE6D25B23EBD}" presName="hierChild4" presStyleCnt="0"/>
@@ -1127,6 +1162,13 @@
     <dgm:pt modelId="{72264DC6-E3E7-4DD0-9D3B-FDA8AFAEFC24}" type="pres">
       <dgm:prSet presAssocID="{21DB511E-7DB6-49CE-87B6-5E6206C6968E}" presName="Name37" presStyleLbl="parChTrans1D2" presStyleIdx="1" presStyleCnt="3"/>
       <dgm:spPr/>
+      <dgm:t>
+        <a:bodyPr/>
+        <a:lstStyle/>
+        <a:p>
+          <a:endParaRPr lang="zh-CN" altLang="en-US"/>
+        </a:p>
+      </dgm:t>
     </dgm:pt>
     <dgm:pt modelId="{409C20E6-D60A-457B-993F-71B686876AD0}" type="pres">
       <dgm:prSet presAssocID="{8C07F7F7-233D-423B-96A3-6511A85E12F5}" presName="hierRoot2" presStyleCnt="0">
@@ -1147,10 +1189,24 @@
         </dgm:presLayoutVars>
       </dgm:prSet>
       <dgm:spPr/>
+      <dgm:t>
+        <a:bodyPr/>
+        <a:lstStyle/>
+        <a:p>
+          <a:endParaRPr lang="zh-CN" altLang="en-US"/>
+        </a:p>
+      </dgm:t>
     </dgm:pt>
     <dgm:pt modelId="{4D83D960-6068-4AC9-8739-8B31025155A7}" type="pres">
       <dgm:prSet presAssocID="{8C07F7F7-233D-423B-96A3-6511A85E12F5}" presName="rootConnector" presStyleLbl="node2" presStyleIdx="1" presStyleCnt="3"/>
       <dgm:spPr/>
+      <dgm:t>
+        <a:bodyPr/>
+        <a:lstStyle/>
+        <a:p>
+          <a:endParaRPr lang="zh-CN" altLang="en-US"/>
+        </a:p>
+      </dgm:t>
     </dgm:pt>
     <dgm:pt modelId="{CB58EDA6-FE65-454D-82D2-547AD8A109A6}" type="pres">
       <dgm:prSet presAssocID="{8C07F7F7-233D-423B-96A3-6511A85E12F5}" presName="hierChild4" presStyleCnt="0"/>
@@ -1163,6 +1219,13 @@
     <dgm:pt modelId="{A133478B-06F6-4E25-A39F-BD259D0ED9E5}" type="pres">
       <dgm:prSet presAssocID="{CD91DD2F-AFD4-4305-A20D-00246B562A52}" presName="Name37" presStyleLbl="parChTrans1D2" presStyleIdx="2" presStyleCnt="3"/>
       <dgm:spPr/>
+      <dgm:t>
+        <a:bodyPr/>
+        <a:lstStyle/>
+        <a:p>
+          <a:endParaRPr lang="zh-CN" altLang="en-US"/>
+        </a:p>
+      </dgm:t>
     </dgm:pt>
     <dgm:pt modelId="{ED8DBEDC-E26A-4DFF-8C91-3F533B6B27A2}" type="pres">
       <dgm:prSet presAssocID="{F30E4BCF-02B3-4787-BD89-6E033604AD14}" presName="hierRoot2" presStyleCnt="0">
@@ -1183,10 +1246,24 @@
         </dgm:presLayoutVars>
       </dgm:prSet>
       <dgm:spPr/>
+      <dgm:t>
+        <a:bodyPr/>
+        <a:lstStyle/>
+        <a:p>
+          <a:endParaRPr lang="zh-CN" altLang="en-US"/>
+        </a:p>
+      </dgm:t>
     </dgm:pt>
     <dgm:pt modelId="{5D5D25D0-167F-4D47-9F12-AC5257707CF9}" type="pres">
       <dgm:prSet presAssocID="{F30E4BCF-02B3-4787-BD89-6E033604AD14}" presName="rootConnector" presStyleLbl="node2" presStyleIdx="2" presStyleCnt="3"/>
       <dgm:spPr/>
+      <dgm:t>
+        <a:bodyPr/>
+        <a:lstStyle/>
+        <a:p>
+          <a:endParaRPr lang="zh-CN" altLang="en-US"/>
+        </a:p>
+      </dgm:t>
     </dgm:pt>
     <dgm:pt modelId="{B596ADC9-043D-4DD9-A529-4B9783ED26E5}" type="pres">
       <dgm:prSet presAssocID="{F30E4BCF-02B3-4787-BD89-6E033604AD14}" presName="hierChild4" presStyleCnt="0"/>
@@ -1202,22 +1279,22 @@
     </dgm:pt>
   </dgm:ptLst>
   <dgm:cxnLst>
+    <dgm:cxn modelId="{6D7551B5-7B06-483C-9F12-99EB1FAFDB09}" srcId="{4E55C803-0024-4FC7-A442-327A72FEB7DB}" destId="{B6E9CE40-8210-4618-9FDC-328EFECEAE84}" srcOrd="0" destOrd="0" parTransId="{14154075-A941-469B-8DA7-6999183A406B}" sibTransId="{0964FFFA-5893-4F15-876A-A3FC36B3BCED}"/>
+    <dgm:cxn modelId="{C63FF818-7111-4478-9C39-747C9789A0B7}" type="presOf" srcId="{C5297594-5E9E-4EEA-960D-EF5C0A4FAFD0}" destId="{F800DED3-CA56-481F-9EBD-310F79C76461}" srcOrd="0" destOrd="0" presId="urn:microsoft.com/office/officeart/2005/8/layout/orgChart1"/>
+    <dgm:cxn modelId="{8F7FA84E-2E01-4003-B037-654CC277C551}" srcId="{B6E9CE40-8210-4618-9FDC-328EFECEAE84}" destId="{8C07F7F7-233D-423B-96A3-6511A85E12F5}" srcOrd="1" destOrd="0" parTransId="{21DB511E-7DB6-49CE-87B6-5E6206C6968E}" sibTransId="{D00874F5-4F26-4230-94E7-B03967C7492A}"/>
+    <dgm:cxn modelId="{B1BFB3CF-C51F-42E2-BADD-5CD3BAE049BB}" type="presOf" srcId="{CD91DD2F-AFD4-4305-A20D-00246B562A52}" destId="{A133478B-06F6-4E25-A39F-BD259D0ED9E5}" srcOrd="0" destOrd="0" presId="urn:microsoft.com/office/officeart/2005/8/layout/orgChart1"/>
+    <dgm:cxn modelId="{A7F6E100-0866-43DA-9009-88E5B7BA4715}" type="presOf" srcId="{8D902516-FDB5-4EC1-889E-EE6D25B23EBD}" destId="{A87F71B4-5143-4CD5-9DFF-C5D0FAD6404E}" srcOrd="0" destOrd="0" presId="urn:microsoft.com/office/officeart/2005/8/layout/orgChart1"/>
+    <dgm:cxn modelId="{92161C22-2610-48B9-B6BD-ADFCABFC4A16}" type="presOf" srcId="{F30E4BCF-02B3-4787-BD89-6E033604AD14}" destId="{5D5D25D0-167F-4D47-9F12-AC5257707CF9}" srcOrd="1" destOrd="0" presId="urn:microsoft.com/office/officeart/2005/8/layout/orgChart1"/>
+    <dgm:cxn modelId="{84D69F94-CDC7-46FC-BDE1-246BB26A01F9}" type="presOf" srcId="{B6E9CE40-8210-4618-9FDC-328EFECEAE84}" destId="{5E3BAA7D-DF20-4F33-8D98-157B9BD1BBF1}" srcOrd="0" destOrd="0" presId="urn:microsoft.com/office/officeart/2005/8/layout/orgChart1"/>
+    <dgm:cxn modelId="{B93535E8-3914-4699-90C1-439BD6AE9293}" type="presOf" srcId="{B6E9CE40-8210-4618-9FDC-328EFECEAE84}" destId="{8BB2EE58-69E3-4962-952E-2318C8AC2D6E}" srcOrd="1" destOrd="0" presId="urn:microsoft.com/office/officeart/2005/8/layout/orgChart1"/>
+    <dgm:cxn modelId="{7CEF1FCF-1418-46DA-91FD-3DB0EAB75900}" type="presOf" srcId="{4E55C803-0024-4FC7-A442-327A72FEB7DB}" destId="{D9DE2DE0-97C3-4D81-8429-0A08AA78656F}" srcOrd="0" destOrd="0" presId="urn:microsoft.com/office/officeart/2005/8/layout/orgChart1"/>
+    <dgm:cxn modelId="{DA8DE016-5653-43AB-B694-454C3D348C88}" type="presOf" srcId="{8D902516-FDB5-4EC1-889E-EE6D25B23EBD}" destId="{30A83FF9-C84D-4F5B-B010-973BFCE26ECA}" srcOrd="1" destOrd="0" presId="urn:microsoft.com/office/officeart/2005/8/layout/orgChart1"/>
+    <dgm:cxn modelId="{B15BFB4E-C0EA-4AB2-85C2-2941907F14A0}" type="presOf" srcId="{8C07F7F7-233D-423B-96A3-6511A85E12F5}" destId="{4D83D960-6068-4AC9-8739-8B31025155A7}" srcOrd="1" destOrd="0" presId="urn:microsoft.com/office/officeart/2005/8/layout/orgChart1"/>
     <dgm:cxn modelId="{3BE52D6B-99ED-48C0-8B2A-4860351895D4}" srcId="{B6E9CE40-8210-4618-9FDC-328EFECEAE84}" destId="{F30E4BCF-02B3-4787-BD89-6E033604AD14}" srcOrd="2" destOrd="0" parTransId="{CD91DD2F-AFD4-4305-A20D-00246B562A52}" sibTransId="{0D636079-0AF6-416D-A8EB-694BABEB2B77}"/>
-    <dgm:cxn modelId="{7CEF1FCF-1418-46DA-91FD-3DB0EAB75900}" type="presOf" srcId="{4E55C803-0024-4FC7-A442-327A72FEB7DB}" destId="{D9DE2DE0-97C3-4D81-8429-0A08AA78656F}" srcOrd="0" destOrd="0" presId="urn:microsoft.com/office/officeart/2005/8/layout/orgChart1"/>
+    <dgm:cxn modelId="{D2CF0EDF-D7A7-4EBB-A3BF-48A7DC15452E}" type="presOf" srcId="{8C07F7F7-233D-423B-96A3-6511A85E12F5}" destId="{3FBB1BE8-862A-4874-8128-A2E66C4D3DE9}" srcOrd="0" destOrd="0" presId="urn:microsoft.com/office/officeart/2005/8/layout/orgChart1"/>
+    <dgm:cxn modelId="{3C12499F-FE2A-4677-8985-1C9EB4A5C210}" type="presOf" srcId="{F30E4BCF-02B3-4787-BD89-6E033604AD14}" destId="{DC1BABBA-9D16-4735-8114-F9695C34C41E}" srcOrd="0" destOrd="0" presId="urn:microsoft.com/office/officeart/2005/8/layout/orgChart1"/>
     <dgm:cxn modelId="{062ED61B-B058-4B6C-8256-497DA0A00097}" srcId="{B6E9CE40-8210-4618-9FDC-328EFECEAE84}" destId="{8D902516-FDB5-4EC1-889E-EE6D25B23EBD}" srcOrd="0" destOrd="0" parTransId="{C5297594-5E9E-4EEA-960D-EF5C0A4FAFD0}" sibTransId="{3859DB3D-E90D-489C-9E47-A953989C43B6}"/>
-    <dgm:cxn modelId="{84D69F94-CDC7-46FC-BDE1-246BB26A01F9}" type="presOf" srcId="{B6E9CE40-8210-4618-9FDC-328EFECEAE84}" destId="{5E3BAA7D-DF20-4F33-8D98-157B9BD1BBF1}" srcOrd="0" destOrd="0" presId="urn:microsoft.com/office/officeart/2005/8/layout/orgChart1"/>
-    <dgm:cxn modelId="{92161C22-2610-48B9-B6BD-ADFCABFC4A16}" type="presOf" srcId="{F30E4BCF-02B3-4787-BD89-6E033604AD14}" destId="{5D5D25D0-167F-4D47-9F12-AC5257707CF9}" srcOrd="1" destOrd="0" presId="urn:microsoft.com/office/officeart/2005/8/layout/orgChart1"/>
-    <dgm:cxn modelId="{A7F6E100-0866-43DA-9009-88E5B7BA4715}" type="presOf" srcId="{8D902516-FDB5-4EC1-889E-EE6D25B23EBD}" destId="{A87F71B4-5143-4CD5-9DFF-C5D0FAD6404E}" srcOrd="0" destOrd="0" presId="urn:microsoft.com/office/officeart/2005/8/layout/orgChart1"/>
     <dgm:cxn modelId="{1AB02A91-6C1E-43CE-B74F-B22E0217D5FC}" type="presOf" srcId="{21DB511E-7DB6-49CE-87B6-5E6206C6968E}" destId="{72264DC6-E3E7-4DD0-9D3B-FDA8AFAEFC24}" srcOrd="0" destOrd="0" presId="urn:microsoft.com/office/officeart/2005/8/layout/orgChart1"/>
-    <dgm:cxn modelId="{6D7551B5-7B06-483C-9F12-99EB1FAFDB09}" srcId="{4E55C803-0024-4FC7-A442-327A72FEB7DB}" destId="{B6E9CE40-8210-4618-9FDC-328EFECEAE84}" srcOrd="0" destOrd="0" parTransId="{14154075-A941-469B-8DA7-6999183A406B}" sibTransId="{0964FFFA-5893-4F15-876A-A3FC36B3BCED}"/>
-    <dgm:cxn modelId="{3C12499F-FE2A-4677-8985-1C9EB4A5C210}" type="presOf" srcId="{F30E4BCF-02B3-4787-BD89-6E033604AD14}" destId="{DC1BABBA-9D16-4735-8114-F9695C34C41E}" srcOrd="0" destOrd="0" presId="urn:microsoft.com/office/officeart/2005/8/layout/orgChart1"/>
-    <dgm:cxn modelId="{B1BFB3CF-C51F-42E2-BADD-5CD3BAE049BB}" type="presOf" srcId="{CD91DD2F-AFD4-4305-A20D-00246B562A52}" destId="{A133478B-06F6-4E25-A39F-BD259D0ED9E5}" srcOrd="0" destOrd="0" presId="urn:microsoft.com/office/officeart/2005/8/layout/orgChart1"/>
-    <dgm:cxn modelId="{B93535E8-3914-4699-90C1-439BD6AE9293}" type="presOf" srcId="{B6E9CE40-8210-4618-9FDC-328EFECEAE84}" destId="{8BB2EE58-69E3-4962-952E-2318C8AC2D6E}" srcOrd="1" destOrd="0" presId="urn:microsoft.com/office/officeart/2005/8/layout/orgChart1"/>
-    <dgm:cxn modelId="{D2CF0EDF-D7A7-4EBB-A3BF-48A7DC15452E}" type="presOf" srcId="{8C07F7F7-233D-423B-96A3-6511A85E12F5}" destId="{3FBB1BE8-862A-4874-8128-A2E66C4D3DE9}" srcOrd="0" destOrd="0" presId="urn:microsoft.com/office/officeart/2005/8/layout/orgChart1"/>
-    <dgm:cxn modelId="{C63FF818-7111-4478-9C39-747C9789A0B7}" type="presOf" srcId="{C5297594-5E9E-4EEA-960D-EF5C0A4FAFD0}" destId="{F800DED3-CA56-481F-9EBD-310F79C76461}" srcOrd="0" destOrd="0" presId="urn:microsoft.com/office/officeart/2005/8/layout/orgChart1"/>
-    <dgm:cxn modelId="{B15BFB4E-C0EA-4AB2-85C2-2941907F14A0}" type="presOf" srcId="{8C07F7F7-233D-423B-96A3-6511A85E12F5}" destId="{4D83D960-6068-4AC9-8739-8B31025155A7}" srcOrd="1" destOrd="0" presId="urn:microsoft.com/office/officeart/2005/8/layout/orgChart1"/>
-    <dgm:cxn modelId="{DA8DE016-5653-43AB-B694-454C3D348C88}" type="presOf" srcId="{8D902516-FDB5-4EC1-889E-EE6D25B23EBD}" destId="{30A83FF9-C84D-4F5B-B010-973BFCE26ECA}" srcOrd="1" destOrd="0" presId="urn:microsoft.com/office/officeart/2005/8/layout/orgChart1"/>
-    <dgm:cxn modelId="{8F7FA84E-2E01-4003-B037-654CC277C551}" srcId="{B6E9CE40-8210-4618-9FDC-328EFECEAE84}" destId="{8C07F7F7-233D-423B-96A3-6511A85E12F5}" srcOrd="1" destOrd="0" parTransId="{21DB511E-7DB6-49CE-87B6-5E6206C6968E}" sibTransId="{D00874F5-4F26-4230-94E7-B03967C7492A}"/>
     <dgm:cxn modelId="{7A4F898A-86C1-4BD1-ACBF-74D2575D0817}" type="presParOf" srcId="{D9DE2DE0-97C3-4D81-8429-0A08AA78656F}" destId="{DA9A8DED-A13A-491D-A834-5B70B461478B}" srcOrd="0" destOrd="0" presId="urn:microsoft.com/office/officeart/2005/8/layout/orgChart1"/>
     <dgm:cxn modelId="{F744B814-BEDA-46A6-ADA5-07DA5F33A142}" type="presParOf" srcId="{DA9A8DED-A13A-491D-A834-5B70B461478B}" destId="{200CC864-F7A2-48C6-B6C3-5C3D79C0FDF8}" srcOrd="0" destOrd="0" presId="urn:microsoft.com/office/officeart/2005/8/layout/orgChart1"/>
     <dgm:cxn modelId="{5B751C02-AE99-4838-8342-553A983075A3}" type="presParOf" srcId="{200CC864-F7A2-48C6-B6C3-5C3D79C0FDF8}" destId="{5E3BAA7D-DF20-4F33-8D98-157B9BD1BBF1}" srcOrd="0" destOrd="0" presId="urn:microsoft.com/office/officeart/2005/8/layout/orgChart1"/>
@@ -4022,7 +4099,7 @@
           <a:p>
             <a:fld id="{B04D6A3B-4644-4D38-BAA0-D822DD13E2BB}" type="datetimeFigureOut">
               <a:rPr lang="zh-CN" altLang="en-US" smtClean="0"/>
-              <a:t>2018/7/13</a:t>
+              <a:t>2018/7/14</a:t>
             </a:fld>
             <a:endParaRPr lang="zh-CN" altLang="en-US"/>
           </a:p>
@@ -7321,7 +7398,7 @@
           <a:p>
             <a:fld id="{2A8297D9-153B-4491-9033-3D1DD09D595F}" type="datetimeFigureOut">
               <a:rPr lang="zh-CN" altLang="en-US" smtClean="0"/>
-              <a:t>2018/7/13</a:t>
+              <a:t>2018/7/14</a:t>
             </a:fld>
             <a:endParaRPr lang="zh-CN" altLang="en-US"/>
           </a:p>
@@ -7487,7 +7564,7 @@
           <a:p>
             <a:fld id="{2A8297D9-153B-4491-9033-3D1DD09D595F}" type="datetimeFigureOut">
               <a:rPr lang="zh-CN" altLang="en-US" smtClean="0"/>
-              <a:t>2018/7/13</a:t>
+              <a:t>2018/7/14</a:t>
             </a:fld>
             <a:endParaRPr lang="zh-CN" altLang="en-US"/>
           </a:p>
@@ -7691,7 +7768,7 @@
           <a:p>
             <a:fld id="{2A8297D9-153B-4491-9033-3D1DD09D595F}" type="datetimeFigureOut">
               <a:rPr lang="zh-CN" altLang="en-US" smtClean="0"/>
-              <a:t>2018/7/13</a:t>
+              <a:t>2018/7/14</a:t>
             </a:fld>
             <a:endParaRPr lang="zh-CN" altLang="en-US"/>
           </a:p>
@@ -8541,47 +8618,143 @@
           <a:bodyPr/>
           <a:lstStyle/>
           <a:p>
+            <a:r>
+              <a:rPr lang="zh-CN" altLang="en-US" dirty="0" smtClean="0"/>
+              <a:t>系统概览</a:t>
+            </a:r>
+            <a:r>
+              <a:rPr lang="en-US" altLang="zh-CN" dirty="0" smtClean="0"/>
+              <a:t>——</a:t>
+            </a:r>
+            <a:r>
+              <a:rPr lang="zh-CN" altLang="en-US" dirty="0"/>
+              <a:t>呈现系统运行的</a:t>
+            </a:r>
+            <a:r>
+              <a:rPr lang="zh-CN" altLang="en-US" dirty="0" smtClean="0"/>
+              <a:t>状态，展示</a:t>
+            </a:r>
+            <a:r>
+              <a:rPr lang="zh-CN" altLang="en-US" dirty="0"/>
+              <a:t>活跃节点数目、流量、节点分布</a:t>
+            </a:r>
+            <a:r>
+              <a:rPr lang="zh-CN" altLang="en-US" dirty="0" smtClean="0"/>
+              <a:t>等信息。</a:t>
+            </a:r>
+            <a:endParaRPr lang="en-US" altLang="zh-CN" dirty="0" smtClean="0"/>
+          </a:p>
+          <a:p>
+            <a:r>
+              <a:rPr lang="en-US" altLang="zh-CN" dirty="0" err="1" smtClean="0"/>
+              <a:t>Docker</a:t>
+            </a:r>
+            <a:r>
+              <a:rPr lang="zh-CN" altLang="en-US" dirty="0"/>
+              <a:t>上传</a:t>
+            </a:r>
+            <a:r>
+              <a:rPr lang="en-US" altLang="zh-CN" dirty="0"/>
+              <a:t>/</a:t>
+            </a:r>
+            <a:r>
+              <a:rPr lang="zh-CN" altLang="en-US" dirty="0" smtClean="0"/>
+              <a:t>分发</a:t>
+            </a:r>
+            <a:r>
+              <a:rPr lang="en-US" altLang="zh-CN" dirty="0" smtClean="0"/>
+              <a:t>——</a:t>
+            </a:r>
+            <a:r>
+              <a:rPr lang="zh-CN" altLang="en-US" dirty="0"/>
+              <a:t>提供</a:t>
+            </a:r>
+            <a:r>
+              <a:rPr lang="en-US" altLang="zh-CN" dirty="0" err="1"/>
+              <a:t>Docker</a:t>
+            </a:r>
+            <a:r>
+              <a:rPr lang="zh-CN" altLang="en-US" dirty="0"/>
+              <a:t>镜像、</a:t>
+            </a:r>
+            <a:r>
+              <a:rPr lang="en-US" altLang="zh-CN" dirty="0" err="1"/>
+              <a:t>Dockerfile</a:t>
+            </a:r>
+            <a:r>
+              <a:rPr lang="zh-CN" altLang="en-US" dirty="0"/>
+              <a:t>上传的</a:t>
+            </a:r>
+            <a:r>
+              <a:rPr lang="zh-CN" altLang="en-US" dirty="0" smtClean="0"/>
+              <a:t>接口。</a:t>
+            </a:r>
+            <a:endParaRPr lang="en-US" altLang="zh-CN" dirty="0" smtClean="0"/>
+          </a:p>
+          <a:p>
+            <a:r>
+              <a:rPr lang="zh-CN" altLang="en-US" dirty="0" smtClean="0"/>
+              <a:t>共享</a:t>
+            </a:r>
+            <a:r>
+              <a:rPr lang="zh-CN" altLang="en-US" dirty="0"/>
+              <a:t>算</a:t>
+            </a:r>
+            <a:r>
+              <a:rPr lang="zh-CN" altLang="en-US" dirty="0" smtClean="0"/>
+              <a:t>力</a:t>
+            </a:r>
+            <a:r>
+              <a:rPr lang="en-US" altLang="zh-CN" dirty="0" smtClean="0"/>
+              <a:t>——</a:t>
+            </a:r>
+            <a:r>
+              <a:rPr lang="zh-CN" altLang="en-US" dirty="0"/>
+              <a:t>允许用户上传代码和文件</a:t>
+            </a:r>
+            <a:r>
+              <a:rPr lang="zh-CN" altLang="en-US" dirty="0" smtClean="0"/>
+              <a:t>，在</a:t>
+            </a:r>
+            <a:r>
+              <a:rPr lang="zh-CN" altLang="en-US" dirty="0"/>
+              <a:t>调度器的调度下，执行程序，并将结果</a:t>
+            </a:r>
+            <a:r>
+              <a:rPr lang="zh-CN" altLang="en-US" dirty="0" smtClean="0"/>
+              <a:t>回传。</a:t>
+            </a:r>
+            <a:endParaRPr lang="en-US" altLang="zh-CN" dirty="0" smtClean="0"/>
+          </a:p>
+          <a:p>
+            <a:r>
+              <a:rPr lang="zh-CN" altLang="en-US" dirty="0" smtClean="0"/>
+              <a:t>节点管理</a:t>
+            </a:r>
+            <a:r>
+              <a:rPr lang="en-US" altLang="zh-CN" dirty="0" smtClean="0"/>
+              <a:t>——</a:t>
+            </a:r>
+            <a:r>
+              <a:rPr lang="zh-CN" altLang="en-US" dirty="0"/>
+              <a:t>提供节点工作状态信息，控制节点的启</a:t>
+            </a:r>
+            <a:r>
+              <a:rPr lang="en-US" altLang="zh-CN" dirty="0"/>
+              <a:t>\</a:t>
+            </a:r>
+            <a:r>
+              <a:rPr lang="zh-CN" altLang="en-US" dirty="0" smtClean="0"/>
+              <a:t>停。</a:t>
+            </a:r>
             <a:endParaRPr lang="zh-CN" altLang="en-US" dirty="0"/>
           </a:p>
         </p:txBody>
       </p:sp>
-      <p:pic>
-        <p:nvPicPr>
-          <p:cNvPr id="4" name="图片 3" descr="Y:\RamDisk\图片1.png"/>
-          <p:cNvPicPr/>
-          <p:nvPr/>
-        </p:nvPicPr>
-        <p:blipFill>
-          <a:blip r:embed="rId2">
-            <a:extLst>
-              <a:ext uri="{28A0092B-C50C-407E-A947-70E740481C1C}">
-                <a14:useLocalDpi xmlns:a14="http://schemas.microsoft.com/office/drawing/2010/main" val="0"/>
-              </a:ext>
-            </a:extLst>
-          </a:blip>
-          <a:srcRect/>
-          <a:stretch>
-            <a:fillRect/>
-          </a:stretch>
-        </p:blipFill>
-        <p:spPr bwMode="auto">
-          <a:xfrm>
-            <a:off x="2689753" y="1690688"/>
-            <a:ext cx="6812493" cy="4214860"/>
-          </a:xfrm>
-          <a:prstGeom prst="rect">
-            <a:avLst/>
-          </a:prstGeom>
-          <a:noFill/>
-          <a:ln>
-            <a:noFill/>
-          </a:ln>
-        </p:spPr>
-      </p:pic>
     </p:spTree>
     <p:extLst>
       <p:ext uri="{BB962C8B-B14F-4D97-AF65-F5344CB8AC3E}">
-        <p14:creationId xmlns:p14="http://schemas.microsoft.com/office/powerpoint/2010/main" val="2392818441"/>
+        <p14:creationId xmlns:p14="http://schemas.microsoft.com/office/powerpoint/2010/main" val="3571236723"/>
       </p:ext>
     </p:extLst>
   </p:cSld>
@@ -8648,7 +8821,59 @@
           <a:p>
             <a:r>
               <a:rPr lang="zh-CN" altLang="en-US" dirty="0" smtClean="0"/>
-              <a:t>节点通信</a:t>
+              <a:t>节点</a:t>
+            </a:r>
+            <a:r>
+              <a:rPr lang="zh-CN" altLang="en-US" dirty="0" smtClean="0"/>
+              <a:t>通信</a:t>
+            </a:r>
+            <a:r>
+              <a:rPr lang="en-US" altLang="zh-CN" dirty="0" smtClean="0"/>
+              <a:t>——</a:t>
+            </a:r>
+            <a:r>
+              <a:rPr lang="zh-CN" altLang="en-US" dirty="0"/>
+              <a:t>实现了</a:t>
+            </a:r>
+            <a:r>
+              <a:rPr lang="en-US" altLang="zh-CN" dirty="0"/>
+              <a:t>Master</a:t>
+            </a:r>
+            <a:r>
+              <a:rPr lang="zh-CN" altLang="en-US" dirty="0"/>
+              <a:t>节点与</a:t>
+            </a:r>
+            <a:r>
+              <a:rPr lang="en-US" altLang="zh-CN" dirty="0"/>
+              <a:t>Worker</a:t>
+            </a:r>
+            <a:r>
+              <a:rPr lang="zh-CN" altLang="en-US" dirty="0"/>
+              <a:t>节点间</a:t>
+            </a:r>
+            <a:r>
+              <a:rPr lang="zh-CN" altLang="en-US" dirty="0" smtClean="0"/>
+              <a:t>的通信</a:t>
+            </a:r>
+            <a:r>
+              <a:rPr lang="zh-CN" altLang="en-US" dirty="0"/>
+              <a:t>，使得</a:t>
+            </a:r>
+            <a:r>
+              <a:rPr lang="en-US" altLang="zh-CN" dirty="0"/>
+              <a:t>Master</a:t>
+            </a:r>
+            <a:r>
+              <a:rPr lang="zh-CN" altLang="en-US" dirty="0"/>
+              <a:t>节点可以分发镜像到</a:t>
+            </a:r>
+            <a:r>
+              <a:rPr lang="en-US" altLang="zh-CN" dirty="0"/>
+              <a:t>Worker</a:t>
+            </a:r>
+            <a:r>
+              <a:rPr lang="zh-CN" altLang="en-US" dirty="0" smtClean="0"/>
+              <a:t>节点。</a:t>
             </a:r>
             <a:endParaRPr lang="en-US" altLang="zh-CN" dirty="0" smtClean="0"/>
           </a:p>
@@ -8659,7 +8884,23 @@
             </a:r>
             <a:r>
               <a:rPr lang="zh-CN" altLang="en-US" dirty="0" smtClean="0"/>
-              <a:t>占用检测</a:t>
+              <a:t>占用</a:t>
+            </a:r>
+            <a:r>
+              <a:rPr lang="zh-CN" altLang="en-US" dirty="0" smtClean="0"/>
+              <a:t>检测</a:t>
+            </a:r>
+            <a:r>
+              <a:rPr lang="en-US" altLang="zh-CN" dirty="0" smtClean="0"/>
+              <a:t>——</a:t>
+            </a:r>
+            <a:r>
+              <a:rPr lang="zh-CN" altLang="en-US" dirty="0"/>
+              <a:t>检测节点的资源占用</a:t>
+            </a:r>
+            <a:r>
+              <a:rPr lang="zh-CN" altLang="en-US" dirty="0" smtClean="0"/>
+              <a:t>情况，为调度器提供训练样本。</a:t>
             </a:r>
             <a:endParaRPr lang="zh-CN" altLang="en-US" dirty="0"/>
           </a:p>
@@ -8735,7 +8976,35 @@
           <a:p>
             <a:r>
               <a:rPr lang="zh-CN" altLang="en-US" dirty="0" smtClean="0"/>
-              <a:t>训练模块</a:t>
+              <a:t>训练</a:t>
+            </a:r>
+            <a:r>
+              <a:rPr lang="zh-CN" altLang="en-US" dirty="0" smtClean="0"/>
+              <a:t>模块</a:t>
+            </a:r>
+            <a:r>
+              <a:rPr lang="en-US" altLang="zh-CN" dirty="0" smtClean="0"/>
+              <a:t>——</a:t>
+            </a:r>
+            <a:r>
+              <a:rPr lang="zh-CN" altLang="en-US" dirty="0" smtClean="0"/>
+              <a:t>根据历史时间与</a:t>
+            </a:r>
+            <a:r>
+              <a:rPr lang="en-US" altLang="zh-CN" dirty="0" smtClean="0"/>
+              <a:t>CPU</a:t>
+            </a:r>
+            <a:r>
+              <a:rPr lang="zh-CN" altLang="en-US" dirty="0" smtClean="0"/>
+              <a:t>占用率，训练基于</a:t>
+            </a:r>
+            <a:r>
+              <a:rPr lang="en-US" altLang="zh-CN" dirty="0" smtClean="0"/>
+              <a:t>GBRT</a:t>
+            </a:r>
+            <a:r>
+              <a:rPr lang="zh-CN" altLang="en-US" dirty="0" smtClean="0"/>
+              <a:t>算法的预测模型。</a:t>
             </a:r>
             <a:endParaRPr lang="en-US" altLang="zh-CN" dirty="0" smtClean="0"/>
           </a:p>
@@ -8748,26 +9017,46 @@
               <a:rPr lang="zh-CN" altLang="en-US" dirty="0" smtClean="0"/>
               <a:t>模块</a:t>
             </a:r>
-            <a:endParaRPr lang="en-US" altLang="zh-CN" dirty="0"/>
+            <a:r>
+              <a:rPr lang="en-US" altLang="zh-CN" dirty="0" smtClean="0"/>
+              <a:t>——</a:t>
+            </a:r>
+            <a:r>
+              <a:rPr lang="zh-CN" altLang="en-US" dirty="0" smtClean="0"/>
+              <a:t>预测未来某时间段中的</a:t>
+            </a:r>
+            <a:r>
+              <a:rPr lang="en-US" altLang="zh-CN" dirty="0" smtClean="0"/>
+              <a:t>CPU</a:t>
+            </a:r>
+            <a:r>
+              <a:rPr lang="zh-CN" altLang="en-US" dirty="0" smtClean="0"/>
+              <a:t>占用率。</a:t>
+            </a:r>
+            <a:endParaRPr lang="en-US" altLang="zh-CN" dirty="0" smtClean="0"/>
           </a:p>
           <a:p>
             <a:r>
+              <a:rPr lang="zh-CN" altLang="en-US" dirty="0" smtClean="0"/>
+              <a:t>分发任务</a:t>
+            </a:r>
+            <a:r>
               <a:rPr lang="en-US" altLang="zh-CN" dirty="0" smtClean="0"/>
-              <a:t>GBRT(Gradient Boost Regression Tree, </a:t>
+              <a:t>——</a:t>
             </a:r>
             <a:r>
               <a:rPr lang="zh-CN" altLang="en-US" dirty="0" smtClean="0"/>
-              <a:t>渐进梯度回归树</a:t>
+              <a:t>根据预测的</a:t>
             </a:r>
             <a:r>
               <a:rPr lang="en-US" altLang="zh-CN" dirty="0" smtClean="0"/>
-              <a:t>)</a:t>
-            </a:r>
-            <a:r>
-              <a:rPr lang="zh-CN" altLang="en-US" dirty="0" smtClean="0"/>
-              <a:t>算法</a:t>
-            </a:r>
-            <a:endParaRPr lang="en-US" altLang="zh-CN" dirty="0" smtClean="0"/>
+              <a:t>CPU</a:t>
+            </a:r>
+            <a:r>
+              <a:rPr lang="zh-CN" altLang="en-US" smtClean="0"/>
+              <a:t>占用率，以负载均衡为原则，向节点分发任务。</a:t>
+            </a:r>
+            <a:endParaRPr lang="en-US" altLang="zh-CN" dirty="0"/>
           </a:p>
         </p:txBody>
       </p:sp>
@@ -8924,7 +9213,7 @@
           </a:p>
           <a:p>
             <a:r>
-              <a:rPr lang="zh-CN" altLang="en-US" smtClean="0"/>
+              <a:rPr lang="zh-CN" altLang="en-US" dirty="0" smtClean="0"/>
               <a:t>系统设计</a:t>
             </a:r>
             <a:endParaRPr lang="en-US" altLang="zh-CN" dirty="0" smtClean="0"/>
@@ -9955,7 +10244,7 @@
             </a:r>
             <a:r>
               <a:rPr lang="zh-CN" altLang="en-US" dirty="0" smtClean="0"/>
-              <a:t>分发</a:t>
+              <a:t>容器分发</a:t>
             </a:r>
             <a:endParaRPr lang="zh-CN" altLang="en-US" dirty="0"/>
           </a:p>
